--- a/slides/Ionic Framework.pptx
+++ b/slides/Ionic Framework.pptx
@@ -1,42 +1,43 @@
 
 <file path=ppt/presentation.xml><?xml version="1.0" encoding="utf-8"?>
-<p:presentation xmlns:a="http://schemas.openxmlformats.org/drawingml/2006/main" xmlns:r="http://schemas.openxmlformats.org/officeDocument/2006/relationships" xmlns:mc="http://schemas.openxmlformats.org/markup-compatibility/2006" xmlns:mv="urn:schemas-microsoft-com:mac:vml" xmlns:p="http://schemas.openxmlformats.org/presentationml/2006/main" xmlns:c="http://schemas.openxmlformats.org/drawingml/2006/chart" xmlns:dgm="http://schemas.openxmlformats.org/drawingml/2006/diagram" xmlns:o="urn:schemas-microsoft-com:office:office" xmlns:v="urn:schemas-microsoft-com:vml" xmlns:pvml="urn:schemas-microsoft-com:office:powerpoint" xmlns:com="http://schemas.openxmlformats.org/drawingml/2006/compatibility" xmlns:p14="http://schemas.microsoft.com/office/powerpoint/2010/main" xmlns:p15="http://schemas.microsoft.com/office/powerpoint/2012/main" autoCompressPictures="0" embedTrueTypeFonts="1" strictFirstAndLastChars="0" saveSubsetFonts="1">
+<p:presentation xmlns:a="http://schemas.openxmlformats.org/drawingml/2006/main" xmlns:r="http://schemas.openxmlformats.org/officeDocument/2006/relationships" xmlns:p="http://schemas.openxmlformats.org/presentationml/2006/main" strictFirstAndLastChars="0" embedTrueTypeFonts="1" autoCompressPictures="0">
   <p:sldMasterIdLst>
-    <p:sldMasterId id="2147483659" r:id="rId4"/>
+    <p:sldMasterId id="2147483659" r:id="rId1"/>
   </p:sldMasterIdLst>
   <p:notesMasterIdLst>
-    <p:notesMasterId r:id="rId5"/>
+    <p:notesMasterId r:id="rId18"/>
   </p:notesMasterIdLst>
   <p:sldIdLst>
-    <p:sldId id="256" r:id="rId6"/>
-    <p:sldId id="257" r:id="rId7"/>
-    <p:sldId id="258" r:id="rId8"/>
-    <p:sldId id="259" r:id="rId9"/>
-    <p:sldId id="260" r:id="rId10"/>
-    <p:sldId id="261" r:id="rId11"/>
-    <p:sldId id="262" r:id="rId12"/>
-    <p:sldId id="263" r:id="rId13"/>
-    <p:sldId id="264" r:id="rId14"/>
-    <p:sldId id="265" r:id="rId15"/>
-    <p:sldId id="266" r:id="rId16"/>
-    <p:sldId id="267" r:id="rId17"/>
-    <p:sldId id="268" r:id="rId18"/>
-    <p:sldId id="269" r:id="rId19"/>
-    <p:sldId id="270" r:id="rId20"/>
+    <p:sldId id="256" r:id="rId2"/>
+    <p:sldId id="257" r:id="rId3"/>
+    <p:sldId id="258" r:id="rId4"/>
+    <p:sldId id="259" r:id="rId5"/>
+    <p:sldId id="260" r:id="rId6"/>
+    <p:sldId id="261" r:id="rId7"/>
+    <p:sldId id="262" r:id="rId8"/>
+    <p:sldId id="263" r:id="rId9"/>
+    <p:sldId id="264" r:id="rId10"/>
+    <p:sldId id="265" r:id="rId11"/>
+    <p:sldId id="266" r:id="rId12"/>
+    <p:sldId id="267" r:id="rId13"/>
+    <p:sldId id="268" r:id="rId14"/>
+    <p:sldId id="269" r:id="rId15"/>
+    <p:sldId id="271" r:id="rId16"/>
+    <p:sldId id="270" r:id="rId17"/>
   </p:sldIdLst>
-  <p:sldSz cy="5143500" cx="9144000"/>
+  <p:sldSz cx="9144000" cy="5143500" type="screen16x9"/>
   <p:notesSz cx="6858000" cy="9144000"/>
   <p:embeddedFontLst>
     <p:embeddedFont>
       <p:font typeface="Roboto Mono"/>
-      <p:regular r:id="rId21"/>
-      <p:bold r:id="rId22"/>
-      <p:italic r:id="rId23"/>
-      <p:boldItalic r:id="rId24"/>
+      <p:regular r:id="rId19"/>
+      <p:bold r:id="rId20"/>
+      <p:italic r:id="rId21"/>
+      <p:boldItalic r:id="rId22"/>
     </p:embeddedFont>
   </p:embeddedFontLst>
   <p:defaultTextStyle>
-    <a:defPPr lvl="0" marR="0" rtl="0" algn="l">
+    <a:defPPr marR="0" lvl="0" algn="l" rtl="0">
       <a:lnSpc>
         <a:spcPct val="100000"/>
       </a:lnSpc>
@@ -47,7 +48,7 @@
         <a:spcPts val="0"/>
       </a:spcAft>
     </a:defPPr>
-    <a:lvl1pPr lvl="0" marR="0" rtl="0" algn="l">
+    <a:lvl1pPr marR="0" lvl="0" algn="l" rtl="0">
       <a:lnSpc>
         <a:spcPct val="100000"/>
       </a:lnSpc>
@@ -61,7 +62,7 @@
         <a:srgbClr val="000000"/>
       </a:buClr>
       <a:buFont typeface="Arial"/>
-      <a:defRPr b="0" i="0" sz="1400" u="none" cap="none" strike="noStrike">
+      <a:defRPr sz="1400" b="0" i="0" u="none" strike="noStrike" cap="none">
         <a:solidFill>
           <a:srgbClr val="000000"/>
         </a:solidFill>
@@ -71,7 +72,7 @@
         <a:sym typeface="Arial"/>
       </a:defRPr>
     </a:lvl1pPr>
-    <a:lvl2pPr lvl="1" marR="0" rtl="0" algn="l">
+    <a:lvl2pPr marR="0" lvl="1" algn="l" rtl="0">
       <a:lnSpc>
         <a:spcPct val="100000"/>
       </a:lnSpc>
@@ -85,7 +86,7 @@
         <a:srgbClr val="000000"/>
       </a:buClr>
       <a:buFont typeface="Arial"/>
-      <a:defRPr b="0" i="0" sz="1400" u="none" cap="none" strike="noStrike">
+      <a:defRPr sz="1400" b="0" i="0" u="none" strike="noStrike" cap="none">
         <a:solidFill>
           <a:srgbClr val="000000"/>
         </a:solidFill>
@@ -95,7 +96,7 @@
         <a:sym typeface="Arial"/>
       </a:defRPr>
     </a:lvl2pPr>
-    <a:lvl3pPr lvl="2" marR="0" rtl="0" algn="l">
+    <a:lvl3pPr marR="0" lvl="2" algn="l" rtl="0">
       <a:lnSpc>
         <a:spcPct val="100000"/>
       </a:lnSpc>
@@ -109,7 +110,7 @@
         <a:srgbClr val="000000"/>
       </a:buClr>
       <a:buFont typeface="Arial"/>
-      <a:defRPr b="0" i="0" sz="1400" u="none" cap="none" strike="noStrike">
+      <a:defRPr sz="1400" b="0" i="0" u="none" strike="noStrike" cap="none">
         <a:solidFill>
           <a:srgbClr val="000000"/>
         </a:solidFill>
@@ -119,7 +120,7 @@
         <a:sym typeface="Arial"/>
       </a:defRPr>
     </a:lvl3pPr>
-    <a:lvl4pPr lvl="3" marR="0" rtl="0" algn="l">
+    <a:lvl4pPr marR="0" lvl="3" algn="l" rtl="0">
       <a:lnSpc>
         <a:spcPct val="100000"/>
       </a:lnSpc>
@@ -133,7 +134,7 @@
         <a:srgbClr val="000000"/>
       </a:buClr>
       <a:buFont typeface="Arial"/>
-      <a:defRPr b="0" i="0" sz="1400" u="none" cap="none" strike="noStrike">
+      <a:defRPr sz="1400" b="0" i="0" u="none" strike="noStrike" cap="none">
         <a:solidFill>
           <a:srgbClr val="000000"/>
         </a:solidFill>
@@ -143,7 +144,7 @@
         <a:sym typeface="Arial"/>
       </a:defRPr>
     </a:lvl4pPr>
-    <a:lvl5pPr lvl="4" marR="0" rtl="0" algn="l">
+    <a:lvl5pPr marR="0" lvl="4" algn="l" rtl="0">
       <a:lnSpc>
         <a:spcPct val="100000"/>
       </a:lnSpc>
@@ -157,7 +158,7 @@
         <a:srgbClr val="000000"/>
       </a:buClr>
       <a:buFont typeface="Arial"/>
-      <a:defRPr b="0" i="0" sz="1400" u="none" cap="none" strike="noStrike">
+      <a:defRPr sz="1400" b="0" i="0" u="none" strike="noStrike" cap="none">
         <a:solidFill>
           <a:srgbClr val="000000"/>
         </a:solidFill>
@@ -167,7 +168,7 @@
         <a:sym typeface="Arial"/>
       </a:defRPr>
     </a:lvl5pPr>
-    <a:lvl6pPr lvl="5" marR="0" rtl="0" algn="l">
+    <a:lvl6pPr marR="0" lvl="5" algn="l" rtl="0">
       <a:lnSpc>
         <a:spcPct val="100000"/>
       </a:lnSpc>
@@ -181,7 +182,7 @@
         <a:srgbClr val="000000"/>
       </a:buClr>
       <a:buFont typeface="Arial"/>
-      <a:defRPr b="0" i="0" sz="1400" u="none" cap="none" strike="noStrike">
+      <a:defRPr sz="1400" b="0" i="0" u="none" strike="noStrike" cap="none">
         <a:solidFill>
           <a:srgbClr val="000000"/>
         </a:solidFill>
@@ -191,7 +192,7 @@
         <a:sym typeface="Arial"/>
       </a:defRPr>
     </a:lvl6pPr>
-    <a:lvl7pPr lvl="6" marR="0" rtl="0" algn="l">
+    <a:lvl7pPr marR="0" lvl="6" algn="l" rtl="0">
       <a:lnSpc>
         <a:spcPct val="100000"/>
       </a:lnSpc>
@@ -205,7 +206,7 @@
         <a:srgbClr val="000000"/>
       </a:buClr>
       <a:buFont typeface="Arial"/>
-      <a:defRPr b="0" i="0" sz="1400" u="none" cap="none" strike="noStrike">
+      <a:defRPr sz="1400" b="0" i="0" u="none" strike="noStrike" cap="none">
         <a:solidFill>
           <a:srgbClr val="000000"/>
         </a:solidFill>
@@ -215,7 +216,7 @@
         <a:sym typeface="Arial"/>
       </a:defRPr>
     </a:lvl7pPr>
-    <a:lvl8pPr lvl="7" marR="0" rtl="0" algn="l">
+    <a:lvl8pPr marR="0" lvl="7" algn="l" rtl="0">
       <a:lnSpc>
         <a:spcPct val="100000"/>
       </a:lnSpc>
@@ -229,7 +230,7 @@
         <a:srgbClr val="000000"/>
       </a:buClr>
       <a:buFont typeface="Arial"/>
-      <a:defRPr b="0" i="0" sz="1400" u="none" cap="none" strike="noStrike">
+      <a:defRPr sz="1400" b="0" i="0" u="none" strike="noStrike" cap="none">
         <a:solidFill>
           <a:srgbClr val="000000"/>
         </a:solidFill>
@@ -239,7 +240,7 @@
         <a:sym typeface="Arial"/>
       </a:defRPr>
     </a:lvl8pPr>
-    <a:lvl9pPr lvl="8" marR="0" rtl="0" algn="l">
+    <a:lvl9pPr marR="0" lvl="8" algn="l" rtl="0">
       <a:lnSpc>
         <a:spcPct val="100000"/>
       </a:lnSpc>
@@ -253,7 +254,7 @@
         <a:srgbClr val="000000"/>
       </a:buClr>
       <a:buFont typeface="Arial"/>
-      <a:defRPr b="0" i="0" sz="1400" u="none" cap="none" strike="noStrike">
+      <a:defRPr sz="1400" b="0" i="0" u="none" strike="noStrike" cap="none">
         <a:solidFill>
           <a:srgbClr val="000000"/>
         </a:solidFill>
@@ -266,7 +267,7 @@
   </p:defaultTextStyle>
   <p:extLst>
     <p:ext uri="{EFAFB233-063F-42B5-8137-9DF3F51BA10A}">
-      <p15:sldGuideLst>
+      <p15:sldGuideLst xmlns:p15="http://schemas.microsoft.com/office/powerpoint/2012/main">
         <p15:guide id="1" orient="horz" pos="1620">
           <p15:clr>
             <a:srgbClr val="A4A3A4"/>
@@ -284,11 +285,16 @@
 </file>
 
 <file path=ppt/notesMasters/notesMaster1.xml><?xml version="1.0" encoding="utf-8"?>
-<p:notesMaster xmlns:a="http://schemas.openxmlformats.org/drawingml/2006/main" xmlns:r="http://schemas.openxmlformats.org/officeDocument/2006/relationships" xmlns:mc="http://schemas.openxmlformats.org/markup-compatibility/2006" xmlns:mv="urn:schemas-microsoft-com:mac:vml" xmlns:p="http://schemas.openxmlformats.org/presentationml/2006/main" xmlns:c="http://schemas.openxmlformats.org/drawingml/2006/chart" xmlns:dgm="http://schemas.openxmlformats.org/drawingml/2006/diagram" xmlns:o="urn:schemas-microsoft-com:office:office" xmlns:v="urn:schemas-microsoft-com:vml" xmlns:pvml="urn:schemas-microsoft-com:office:powerpoint" xmlns:com="http://schemas.openxmlformats.org/drawingml/2006/compatibility" xmlns:p14="http://schemas.microsoft.com/office/powerpoint/2010/main" xmlns:p15="http://schemas.microsoft.com/office/powerpoint/2012/main">
+<p:notesMaster xmlns:a="http://schemas.openxmlformats.org/drawingml/2006/main" xmlns:r="http://schemas.openxmlformats.org/officeDocument/2006/relationships" xmlns:p="http://schemas.openxmlformats.org/presentationml/2006/main">
   <p:cSld>
+    <p:bg>
+      <p:bgRef idx="1001">
+        <a:schemeClr val="bg1"/>
+      </p:bgRef>
+    </p:bg>
     <p:spTree>
       <p:nvGrpSpPr>
-        <p:cNvPr id="2" name="Shape 2"/>
+        <p:cNvPr id="1" name="Shape 2"/>
         <p:cNvGrpSpPr/>
         <p:nvPr/>
       </p:nvGrpSpPr>
@@ -303,9 +309,11 @@
       <p:sp>
         <p:nvSpPr>
           <p:cNvPr id="3" name="Google Shape;3;n"/>
-          <p:cNvSpPr/>
+          <p:cNvSpPr>
+            <a:spLocks noGrp="1" noRot="1" noChangeAspect="1"/>
+          </p:cNvSpPr>
           <p:nvPr>
-            <p:ph idx="2" type="sldImg"/>
+            <p:ph type="sldImg" idx="2"/>
           </p:nvPr>
         </p:nvSpPr>
         <p:spPr>
@@ -314,9 +322,13 @@
             <a:ext cx="6096075" cy="3429000"/>
           </a:xfrm>
           <a:custGeom>
-            <a:rect b="b" l="l" r="r" t="t"/>
+            <a:avLst/>
+            <a:gdLst/>
+            <a:ahLst/>
+            <a:cxnLst/>
+            <a:rect l="l" t="t" r="r" b="b"/>
             <a:pathLst>
-              <a:path extrusionOk="0" h="120000" w="120000">
+              <a:path w="120000" h="120000" extrusionOk="0">
                 <a:moveTo>
                   <a:pt x="0" y="0"/>
                 </a:moveTo>
@@ -334,23 +346,25 @@
             </a:pathLst>
           </a:custGeom>
           <a:noFill/>
-          <a:ln cap="flat" cmpd="sng" w="9525">
+          <a:ln w="9525" cap="flat" cmpd="sng">
             <a:solidFill>
               <a:srgbClr val="000000"/>
             </a:solidFill>
             <a:prstDash val="solid"/>
             <a:round/>
-            <a:headEnd len="sm" w="sm" type="none"/>
-            <a:tailEnd len="sm" w="sm" type="none"/>
+            <a:headEnd type="none" w="sm" len="sm"/>
+            <a:tailEnd type="none" w="sm" len="sm"/>
           </a:ln>
         </p:spPr>
       </p:sp>
       <p:sp>
         <p:nvSpPr>
           <p:cNvPr id="4" name="Google Shape;4;n"/>
-          <p:cNvSpPr txBox="1"/>
+          <p:cNvSpPr txBox="1">
+            <a:spLocks noGrp="1"/>
+          </p:cNvSpPr>
           <p:nvPr>
-            <p:ph idx="1" type="body"/>
+            <p:ph type="body" idx="1"/>
           </p:nvPr>
         </p:nvSpPr>
         <p:spPr>
@@ -367,9 +381,9 @@
           </a:ln>
         </p:spPr>
         <p:txBody>
-          <a:bodyPr anchorCtr="0" anchor="t" bIns="91425" lIns="91425" spcFirstLastPara="1" rIns="91425" wrap="square" tIns="91425"/>
+          <a:bodyPr spcFirstLastPara="1" wrap="square" lIns="91425" tIns="91425" rIns="91425" bIns="91425" anchor="t" anchorCtr="0"/>
           <a:lstStyle>
-            <a:lvl1pPr indent="-298450" lvl="0" marL="457200">
+            <a:lvl1pPr marL="457200" lvl="0" indent="-298450">
               <a:spcBef>
                 <a:spcPts val="0"/>
               </a:spcBef>
@@ -380,7 +394,7 @@
               <a:buChar char="●"/>
               <a:defRPr sz="1100"/>
             </a:lvl1pPr>
-            <a:lvl2pPr indent="-298450" lvl="1" marL="914400">
+            <a:lvl2pPr marL="914400" lvl="1" indent="-298450">
               <a:spcBef>
                 <a:spcPts val="0"/>
               </a:spcBef>
@@ -391,7 +405,7 @@
               <a:buChar char="○"/>
               <a:defRPr sz="1100"/>
             </a:lvl2pPr>
-            <a:lvl3pPr indent="-298450" lvl="2" marL="1371600">
+            <a:lvl3pPr marL="1371600" lvl="2" indent="-298450">
               <a:spcBef>
                 <a:spcPts val="0"/>
               </a:spcBef>
@@ -402,7 +416,7 @@
               <a:buChar char="■"/>
               <a:defRPr sz="1100"/>
             </a:lvl3pPr>
-            <a:lvl4pPr indent="-298450" lvl="3" marL="1828800">
+            <a:lvl4pPr marL="1828800" lvl="3" indent="-298450">
               <a:spcBef>
                 <a:spcPts val="0"/>
               </a:spcBef>
@@ -413,7 +427,7 @@
               <a:buChar char="●"/>
               <a:defRPr sz="1100"/>
             </a:lvl4pPr>
-            <a:lvl5pPr indent="-298450" lvl="4" marL="2286000">
+            <a:lvl5pPr marL="2286000" lvl="4" indent="-298450">
               <a:spcBef>
                 <a:spcPts val="0"/>
               </a:spcBef>
@@ -424,7 +438,7 @@
               <a:buChar char="○"/>
               <a:defRPr sz="1100"/>
             </a:lvl5pPr>
-            <a:lvl6pPr indent="-298450" lvl="5" marL="2743200">
+            <a:lvl6pPr marL="2743200" lvl="5" indent="-298450">
               <a:spcBef>
                 <a:spcPts val="0"/>
               </a:spcBef>
@@ -435,7 +449,7 @@
               <a:buChar char="■"/>
               <a:defRPr sz="1100"/>
             </a:lvl6pPr>
-            <a:lvl7pPr indent="-298450" lvl="6" marL="3200400">
+            <a:lvl7pPr marL="3200400" lvl="6" indent="-298450">
               <a:spcBef>
                 <a:spcPts val="0"/>
               </a:spcBef>
@@ -446,7 +460,7 @@
               <a:buChar char="●"/>
               <a:defRPr sz="1100"/>
             </a:lvl7pPr>
-            <a:lvl8pPr indent="-298450" lvl="7" marL="3657600">
+            <a:lvl8pPr marL="3657600" lvl="7" indent="-298450">
               <a:spcBef>
                 <a:spcPts val="0"/>
               </a:spcBef>
@@ -457,7 +471,7 @@
               <a:buChar char="○"/>
               <a:defRPr sz="1100"/>
             </a:lvl8pPr>
-            <a:lvl9pPr indent="-298450" lvl="8" marL="4114800">
+            <a:lvl9pPr marL="4114800" lvl="8" indent="-298450">
               <a:spcBef>
                 <a:spcPts val="0"/>
               </a:spcBef>
@@ -469,14 +483,16 @@
               <a:defRPr sz="1100"/>
             </a:lvl9pPr>
           </a:lstStyle>
-          <a:p/>
+          <a:p>
+            <a:endParaRPr/>
+          </a:p>
         </p:txBody>
       </p:sp>
     </p:spTree>
   </p:cSld>
-  <p:clrMap accent1="accent1" accent2="accent2" accent3="accent3" accent4="accent4" accent5="accent5" accent6="accent6" bg1="lt1" bg2="dk2" tx1="dk1" tx2="lt2" folHlink="folHlink" hlink="hlink"/>
+  <p:clrMap bg1="lt1" tx1="dk1" bg2="dk2" tx2="lt2" accent1="accent1" accent2="accent2" accent3="accent3" accent4="accent4" accent5="accent5" accent6="accent6" hlink="hlink" folHlink="folHlink"/>
   <p:notesStyle>
-    <a:defPPr lvl="0" marR="0" rtl="0" algn="l">
+    <a:defPPr marR="0" lvl="0" algn="l" rtl="0">
       <a:lnSpc>
         <a:spcPct val="100000"/>
       </a:lnSpc>
@@ -487,7 +503,7 @@
         <a:spcPts val="0"/>
       </a:spcAft>
     </a:defPPr>
-    <a:lvl1pPr lvl="0" marR="0" rtl="0" algn="l">
+    <a:lvl1pPr marR="0" lvl="0" algn="l" rtl="0">
       <a:lnSpc>
         <a:spcPct val="100000"/>
       </a:lnSpc>
@@ -501,7 +517,7 @@
         <a:srgbClr val="000000"/>
       </a:buClr>
       <a:buFont typeface="Arial"/>
-      <a:defRPr b="0" i="0" sz="1400" u="none" cap="none" strike="noStrike">
+      <a:defRPr sz="1400" b="0" i="0" u="none" strike="noStrike" cap="none">
         <a:solidFill>
           <a:srgbClr val="000000"/>
         </a:solidFill>
@@ -511,7 +527,7 @@
         <a:sym typeface="Arial"/>
       </a:defRPr>
     </a:lvl1pPr>
-    <a:lvl2pPr lvl="1" marR="0" rtl="0" algn="l">
+    <a:lvl2pPr marR="0" lvl="1" algn="l" rtl="0">
       <a:lnSpc>
         <a:spcPct val="100000"/>
       </a:lnSpc>
@@ -525,7 +541,7 @@
         <a:srgbClr val="000000"/>
       </a:buClr>
       <a:buFont typeface="Arial"/>
-      <a:defRPr b="0" i="0" sz="1400" u="none" cap="none" strike="noStrike">
+      <a:defRPr sz="1400" b="0" i="0" u="none" strike="noStrike" cap="none">
         <a:solidFill>
           <a:srgbClr val="000000"/>
         </a:solidFill>
@@ -535,7 +551,7 @@
         <a:sym typeface="Arial"/>
       </a:defRPr>
     </a:lvl2pPr>
-    <a:lvl3pPr lvl="2" marR="0" rtl="0" algn="l">
+    <a:lvl3pPr marR="0" lvl="2" algn="l" rtl="0">
       <a:lnSpc>
         <a:spcPct val="100000"/>
       </a:lnSpc>
@@ -549,7 +565,7 @@
         <a:srgbClr val="000000"/>
       </a:buClr>
       <a:buFont typeface="Arial"/>
-      <a:defRPr b="0" i="0" sz="1400" u="none" cap="none" strike="noStrike">
+      <a:defRPr sz="1400" b="0" i="0" u="none" strike="noStrike" cap="none">
         <a:solidFill>
           <a:srgbClr val="000000"/>
         </a:solidFill>
@@ -559,7 +575,7 @@
         <a:sym typeface="Arial"/>
       </a:defRPr>
     </a:lvl3pPr>
-    <a:lvl4pPr lvl="3" marR="0" rtl="0" algn="l">
+    <a:lvl4pPr marR="0" lvl="3" algn="l" rtl="0">
       <a:lnSpc>
         <a:spcPct val="100000"/>
       </a:lnSpc>
@@ -573,7 +589,7 @@
         <a:srgbClr val="000000"/>
       </a:buClr>
       <a:buFont typeface="Arial"/>
-      <a:defRPr b="0" i="0" sz="1400" u="none" cap="none" strike="noStrike">
+      <a:defRPr sz="1400" b="0" i="0" u="none" strike="noStrike" cap="none">
         <a:solidFill>
           <a:srgbClr val="000000"/>
         </a:solidFill>
@@ -583,7 +599,7 @@
         <a:sym typeface="Arial"/>
       </a:defRPr>
     </a:lvl4pPr>
-    <a:lvl5pPr lvl="4" marR="0" rtl="0" algn="l">
+    <a:lvl5pPr marR="0" lvl="4" algn="l" rtl="0">
       <a:lnSpc>
         <a:spcPct val="100000"/>
       </a:lnSpc>
@@ -597,7 +613,7 @@
         <a:srgbClr val="000000"/>
       </a:buClr>
       <a:buFont typeface="Arial"/>
-      <a:defRPr b="0" i="0" sz="1400" u="none" cap="none" strike="noStrike">
+      <a:defRPr sz="1400" b="0" i="0" u="none" strike="noStrike" cap="none">
         <a:solidFill>
           <a:srgbClr val="000000"/>
         </a:solidFill>
@@ -607,7 +623,7 @@
         <a:sym typeface="Arial"/>
       </a:defRPr>
     </a:lvl5pPr>
-    <a:lvl6pPr lvl="5" marR="0" rtl="0" algn="l">
+    <a:lvl6pPr marR="0" lvl="5" algn="l" rtl="0">
       <a:lnSpc>
         <a:spcPct val="100000"/>
       </a:lnSpc>
@@ -621,7 +637,7 @@
         <a:srgbClr val="000000"/>
       </a:buClr>
       <a:buFont typeface="Arial"/>
-      <a:defRPr b="0" i="0" sz="1400" u="none" cap="none" strike="noStrike">
+      <a:defRPr sz="1400" b="0" i="0" u="none" strike="noStrike" cap="none">
         <a:solidFill>
           <a:srgbClr val="000000"/>
         </a:solidFill>
@@ -631,7 +647,7 @@
         <a:sym typeface="Arial"/>
       </a:defRPr>
     </a:lvl6pPr>
-    <a:lvl7pPr lvl="6" marR="0" rtl="0" algn="l">
+    <a:lvl7pPr marR="0" lvl="6" algn="l" rtl="0">
       <a:lnSpc>
         <a:spcPct val="100000"/>
       </a:lnSpc>
@@ -645,7 +661,7 @@
         <a:srgbClr val="000000"/>
       </a:buClr>
       <a:buFont typeface="Arial"/>
-      <a:defRPr b="0" i="0" sz="1400" u="none" cap="none" strike="noStrike">
+      <a:defRPr sz="1400" b="0" i="0" u="none" strike="noStrike" cap="none">
         <a:solidFill>
           <a:srgbClr val="000000"/>
         </a:solidFill>
@@ -655,7 +671,7 @@
         <a:sym typeface="Arial"/>
       </a:defRPr>
     </a:lvl7pPr>
-    <a:lvl8pPr lvl="7" marR="0" rtl="0" algn="l">
+    <a:lvl8pPr marR="0" lvl="7" algn="l" rtl="0">
       <a:lnSpc>
         <a:spcPct val="100000"/>
       </a:lnSpc>
@@ -669,7 +685,7 @@
         <a:srgbClr val="000000"/>
       </a:buClr>
       <a:buFont typeface="Arial"/>
-      <a:defRPr b="0" i="0" sz="1400" u="none" cap="none" strike="noStrike">
+      <a:defRPr sz="1400" b="0" i="0" u="none" strike="noStrike" cap="none">
         <a:solidFill>
           <a:srgbClr val="000000"/>
         </a:solidFill>
@@ -679,7 +695,7 @@
         <a:sym typeface="Arial"/>
       </a:defRPr>
     </a:lvl8pPr>
-    <a:lvl9pPr lvl="8" marR="0" rtl="0" algn="l">
+    <a:lvl9pPr marR="0" lvl="8" algn="l" rtl="0">
       <a:lnSpc>
         <a:spcPct val="100000"/>
       </a:lnSpc>
@@ -693,7 +709,7 @@
         <a:srgbClr val="000000"/>
       </a:buClr>
       <a:buFont typeface="Arial"/>
-      <a:defRPr b="0" i="0" sz="1400" u="none" cap="none" strike="noStrike">
+      <a:defRPr sz="1400" b="0" i="0" u="none" strike="noStrike" cap="none">
         <a:solidFill>
           <a:srgbClr val="000000"/>
         </a:solidFill>
@@ -708,11 +724,11 @@
 </file>
 
 <file path=ppt/notesSlides/notesSlide1.xml><?xml version="1.0" encoding="utf-8"?>
-<p:notes xmlns:a="http://schemas.openxmlformats.org/drawingml/2006/main" xmlns:r="http://schemas.openxmlformats.org/officeDocument/2006/relationships" xmlns:mc="http://schemas.openxmlformats.org/markup-compatibility/2006" xmlns:mv="urn:schemas-microsoft-com:mac:vml" xmlns:p="http://schemas.openxmlformats.org/presentationml/2006/main" xmlns:c="http://schemas.openxmlformats.org/drawingml/2006/chart" xmlns:dgm="http://schemas.openxmlformats.org/drawingml/2006/diagram" xmlns:o="urn:schemas-microsoft-com:office:office" xmlns:v="urn:schemas-microsoft-com:vml" xmlns:pvml="urn:schemas-microsoft-com:office:powerpoint" xmlns:com="http://schemas.openxmlformats.org/drawingml/2006/compatibility" xmlns:p14="http://schemas.microsoft.com/office/powerpoint/2010/main" xmlns:p15="http://schemas.microsoft.com/office/powerpoint/2012/main" showMasterPhAnim="0" showMasterSp="0">
+<p:notes xmlns:a="http://schemas.openxmlformats.org/drawingml/2006/main" xmlns:r="http://schemas.openxmlformats.org/officeDocument/2006/relationships" xmlns:p="http://schemas.openxmlformats.org/presentationml/2006/main" showMasterSp="0" showMasterPhAnim="0">
   <p:cSld>
     <p:spTree>
       <p:nvGrpSpPr>
-        <p:cNvPr id="50" name="Shape 50"/>
+        <p:cNvPr id="1" name="Shape 50"/>
         <p:cNvGrpSpPr/>
         <p:nvPr/>
       </p:nvGrpSpPr>
@@ -727,9 +743,11 @@
       <p:sp>
         <p:nvSpPr>
           <p:cNvPr id="51" name="Google Shape;51;p:notes"/>
-          <p:cNvSpPr/>
+          <p:cNvSpPr>
+            <a:spLocks noGrp="1" noRot="1" noChangeAspect="1"/>
+          </p:cNvSpPr>
           <p:nvPr>
-            <p:ph idx="2" type="sldImg"/>
+            <p:ph type="sldImg" idx="2"/>
           </p:nvPr>
         </p:nvSpPr>
         <p:spPr>
@@ -738,9 +756,13 @@
             <a:ext cx="6096075" cy="3429000"/>
           </a:xfrm>
           <a:custGeom>
-            <a:rect b="b" l="l" r="r" t="t"/>
+            <a:avLst/>
+            <a:gdLst/>
+            <a:ahLst/>
+            <a:cxnLst/>
+            <a:rect l="l" t="t" r="r" b="b"/>
             <a:pathLst>
-              <a:path extrusionOk="0" h="120000" w="120000">
+              <a:path w="120000" h="120000" extrusionOk="0">
                 <a:moveTo>
                   <a:pt x="0" y="0"/>
                 </a:moveTo>
@@ -762,9 +784,11 @@
       <p:sp>
         <p:nvSpPr>
           <p:cNvPr id="52" name="Google Shape;52;p:notes"/>
-          <p:cNvSpPr txBox="1"/>
+          <p:cNvSpPr txBox="1">
+            <a:spLocks noGrp="1"/>
+          </p:cNvSpPr>
           <p:nvPr>
-            <p:ph idx="1" type="body"/>
+            <p:ph type="body" idx="1"/>
           </p:nvPr>
         </p:nvSpPr>
         <p:spPr>
@@ -777,23 +801,20 @@
           </a:prstGeom>
         </p:spPr>
         <p:txBody>
-          <a:bodyPr anchorCtr="0" anchor="t" bIns="91425" lIns="91425" spcFirstLastPara="1" rIns="91425" wrap="square" tIns="91425">
+          <a:bodyPr spcFirstLastPara="1" wrap="square" lIns="91425" tIns="91425" rIns="91425" bIns="91425" anchor="t" anchorCtr="0">
             <a:noAutofit/>
           </a:bodyPr>
           <a:lstStyle/>
           <a:p>
-            <a:pPr indent="0" lvl="0" marL="0" rtl="0" algn="l">
-              <a:spcBef>
-                <a:spcPts val="0"/>
-              </a:spcBef>
-              <a:spcAft>
-                <a:spcPts val="0"/>
-              </a:spcAft>
-              <a:buNone/>
-            </a:pPr>
-            <a:r>
-              <a:t/>
-            </a:r>
+            <a:pPr marL="0" lvl="0" indent="0" algn="l" rtl="0">
+              <a:spcBef>
+                <a:spcPts val="0"/>
+              </a:spcBef>
+              <a:spcAft>
+                <a:spcPts val="0"/>
+              </a:spcAft>
+              <a:buNone/>
+            </a:pPr>
             <a:endParaRPr/>
           </a:p>
         </p:txBody>
@@ -807,11 +828,11 @@
 </file>
 
 <file path=ppt/notesSlides/notesSlide10.xml><?xml version="1.0" encoding="utf-8"?>
-<p:notes xmlns:a="http://schemas.openxmlformats.org/drawingml/2006/main" xmlns:r="http://schemas.openxmlformats.org/officeDocument/2006/relationships" xmlns:mc="http://schemas.openxmlformats.org/markup-compatibility/2006" xmlns:mv="urn:schemas-microsoft-com:mac:vml" xmlns:p="http://schemas.openxmlformats.org/presentationml/2006/main" xmlns:c="http://schemas.openxmlformats.org/drawingml/2006/chart" xmlns:dgm="http://schemas.openxmlformats.org/drawingml/2006/diagram" xmlns:o="urn:schemas-microsoft-com:office:office" xmlns:v="urn:schemas-microsoft-com:vml" xmlns:pvml="urn:schemas-microsoft-com:office:powerpoint" xmlns:com="http://schemas.openxmlformats.org/drawingml/2006/compatibility" xmlns:p14="http://schemas.microsoft.com/office/powerpoint/2010/main" xmlns:p15="http://schemas.microsoft.com/office/powerpoint/2012/main" showMasterPhAnim="0" showMasterSp="0">
+<p:notes xmlns:a="http://schemas.openxmlformats.org/drawingml/2006/main" xmlns:r="http://schemas.openxmlformats.org/officeDocument/2006/relationships" xmlns:p="http://schemas.openxmlformats.org/presentationml/2006/main" showMasterSp="0" showMasterPhAnim="0">
   <p:cSld>
     <p:spTree>
       <p:nvGrpSpPr>
-        <p:cNvPr id="104" name="Shape 104"/>
+        <p:cNvPr id="1" name="Shape 104"/>
         <p:cNvGrpSpPr/>
         <p:nvPr/>
       </p:nvGrpSpPr>
@@ -826,9 +847,11 @@
       <p:sp>
         <p:nvSpPr>
           <p:cNvPr id="105" name="Google Shape;105;g43a3fc9292_0_21:notes"/>
-          <p:cNvSpPr/>
+          <p:cNvSpPr>
+            <a:spLocks noGrp="1" noRot="1" noChangeAspect="1"/>
+          </p:cNvSpPr>
           <p:nvPr>
-            <p:ph idx="2" type="sldImg"/>
+            <p:ph type="sldImg" idx="2"/>
           </p:nvPr>
         </p:nvSpPr>
         <p:spPr>
@@ -837,9 +860,13 @@
             <a:ext cx="6096000" cy="3429000"/>
           </a:xfrm>
           <a:custGeom>
-            <a:rect b="b" l="l" r="r" t="t"/>
+            <a:avLst/>
+            <a:gdLst/>
+            <a:ahLst/>
+            <a:cxnLst/>
+            <a:rect l="l" t="t" r="r" b="b"/>
             <a:pathLst>
-              <a:path extrusionOk="0" h="120000" w="120000">
+              <a:path w="120000" h="120000" extrusionOk="0">
                 <a:moveTo>
                   <a:pt x="0" y="0"/>
                 </a:moveTo>
@@ -861,9 +888,11 @@
       <p:sp>
         <p:nvSpPr>
           <p:cNvPr id="106" name="Google Shape;106;g43a3fc9292_0_21:notes"/>
-          <p:cNvSpPr txBox="1"/>
+          <p:cNvSpPr txBox="1">
+            <a:spLocks noGrp="1"/>
+          </p:cNvSpPr>
           <p:nvPr>
-            <p:ph idx="1" type="body"/>
+            <p:ph type="body" idx="1"/>
           </p:nvPr>
         </p:nvSpPr>
         <p:spPr>
@@ -876,23 +905,20 @@
           </a:prstGeom>
         </p:spPr>
         <p:txBody>
-          <a:bodyPr anchorCtr="0" anchor="t" bIns="91425" lIns="91425" spcFirstLastPara="1" rIns="91425" wrap="square" tIns="91425">
+          <a:bodyPr spcFirstLastPara="1" wrap="square" lIns="91425" tIns="91425" rIns="91425" bIns="91425" anchor="t" anchorCtr="0">
             <a:noAutofit/>
           </a:bodyPr>
           <a:lstStyle/>
           <a:p>
-            <a:pPr indent="0" lvl="0" marL="0" rtl="0" algn="l">
-              <a:spcBef>
-                <a:spcPts val="0"/>
-              </a:spcBef>
-              <a:spcAft>
-                <a:spcPts val="0"/>
-              </a:spcAft>
-              <a:buNone/>
-            </a:pPr>
-            <a:r>
-              <a:t/>
-            </a:r>
+            <a:pPr marL="0" lvl="0" indent="0" algn="l" rtl="0">
+              <a:spcBef>
+                <a:spcPts val="0"/>
+              </a:spcBef>
+              <a:spcAft>
+                <a:spcPts val="0"/>
+              </a:spcAft>
+              <a:buNone/>
+            </a:pPr>
             <a:endParaRPr/>
           </a:p>
         </p:txBody>
@@ -906,11 +932,11 @@
 </file>
 
 <file path=ppt/notesSlides/notesSlide11.xml><?xml version="1.0" encoding="utf-8"?>
-<p:notes xmlns:a="http://schemas.openxmlformats.org/drawingml/2006/main" xmlns:r="http://schemas.openxmlformats.org/officeDocument/2006/relationships" xmlns:mc="http://schemas.openxmlformats.org/markup-compatibility/2006" xmlns:mv="urn:schemas-microsoft-com:mac:vml" xmlns:p="http://schemas.openxmlformats.org/presentationml/2006/main" xmlns:c="http://schemas.openxmlformats.org/drawingml/2006/chart" xmlns:dgm="http://schemas.openxmlformats.org/drawingml/2006/diagram" xmlns:o="urn:schemas-microsoft-com:office:office" xmlns:v="urn:schemas-microsoft-com:vml" xmlns:pvml="urn:schemas-microsoft-com:office:powerpoint" xmlns:com="http://schemas.openxmlformats.org/drawingml/2006/compatibility" xmlns:p14="http://schemas.microsoft.com/office/powerpoint/2010/main" xmlns:p15="http://schemas.microsoft.com/office/powerpoint/2012/main" showMasterPhAnim="0" showMasterSp="0">
+<p:notes xmlns:a="http://schemas.openxmlformats.org/drawingml/2006/main" xmlns:r="http://schemas.openxmlformats.org/officeDocument/2006/relationships" xmlns:p="http://schemas.openxmlformats.org/presentationml/2006/main" showMasterSp="0" showMasterPhAnim="0">
   <p:cSld>
     <p:spTree>
       <p:nvGrpSpPr>
-        <p:cNvPr id="110" name="Shape 110"/>
+        <p:cNvPr id="1" name="Shape 110"/>
         <p:cNvGrpSpPr/>
         <p:nvPr/>
       </p:nvGrpSpPr>
@@ -925,9 +951,11 @@
       <p:sp>
         <p:nvSpPr>
           <p:cNvPr id="111" name="Google Shape;111;g4323c5077e_0_153:notes"/>
-          <p:cNvSpPr/>
+          <p:cNvSpPr>
+            <a:spLocks noGrp="1" noRot="1" noChangeAspect="1"/>
+          </p:cNvSpPr>
           <p:nvPr>
-            <p:ph idx="2" type="sldImg"/>
+            <p:ph type="sldImg" idx="2"/>
           </p:nvPr>
         </p:nvSpPr>
         <p:spPr>
@@ -936,9 +964,13 @@
             <a:ext cx="6096000" cy="3429000"/>
           </a:xfrm>
           <a:custGeom>
-            <a:rect b="b" l="l" r="r" t="t"/>
+            <a:avLst/>
+            <a:gdLst/>
+            <a:ahLst/>
+            <a:cxnLst/>
+            <a:rect l="l" t="t" r="r" b="b"/>
             <a:pathLst>
-              <a:path extrusionOk="0" h="120000" w="120000">
+              <a:path w="120000" h="120000" extrusionOk="0">
                 <a:moveTo>
                   <a:pt x="0" y="0"/>
                 </a:moveTo>
@@ -960,9 +992,11 @@
       <p:sp>
         <p:nvSpPr>
           <p:cNvPr id="112" name="Google Shape;112;g4323c5077e_0_153:notes"/>
-          <p:cNvSpPr txBox="1"/>
+          <p:cNvSpPr txBox="1">
+            <a:spLocks noGrp="1"/>
+          </p:cNvSpPr>
           <p:nvPr>
-            <p:ph idx="1" type="body"/>
+            <p:ph type="body" idx="1"/>
           </p:nvPr>
         </p:nvSpPr>
         <p:spPr>
@@ -975,23 +1009,20 @@
           </a:prstGeom>
         </p:spPr>
         <p:txBody>
-          <a:bodyPr anchorCtr="0" anchor="t" bIns="91425" lIns="91425" spcFirstLastPara="1" rIns="91425" wrap="square" tIns="91425">
+          <a:bodyPr spcFirstLastPara="1" wrap="square" lIns="91425" tIns="91425" rIns="91425" bIns="91425" anchor="t" anchorCtr="0">
             <a:noAutofit/>
           </a:bodyPr>
           <a:lstStyle/>
           <a:p>
-            <a:pPr indent="0" lvl="0" marL="0" rtl="0" algn="l">
-              <a:spcBef>
-                <a:spcPts val="0"/>
-              </a:spcBef>
-              <a:spcAft>
-                <a:spcPts val="0"/>
-              </a:spcAft>
-              <a:buNone/>
-            </a:pPr>
-            <a:r>
-              <a:t/>
-            </a:r>
+            <a:pPr marL="0" lvl="0" indent="0" algn="l" rtl="0">
+              <a:spcBef>
+                <a:spcPts val="0"/>
+              </a:spcBef>
+              <a:spcAft>
+                <a:spcPts val="0"/>
+              </a:spcAft>
+              <a:buNone/>
+            </a:pPr>
             <a:endParaRPr/>
           </a:p>
         </p:txBody>
@@ -1005,11 +1036,11 @@
 </file>
 
 <file path=ppt/notesSlides/notesSlide12.xml><?xml version="1.0" encoding="utf-8"?>
-<p:notes xmlns:a="http://schemas.openxmlformats.org/drawingml/2006/main" xmlns:r="http://schemas.openxmlformats.org/officeDocument/2006/relationships" xmlns:mc="http://schemas.openxmlformats.org/markup-compatibility/2006" xmlns:mv="urn:schemas-microsoft-com:mac:vml" xmlns:p="http://schemas.openxmlformats.org/presentationml/2006/main" xmlns:c="http://schemas.openxmlformats.org/drawingml/2006/chart" xmlns:dgm="http://schemas.openxmlformats.org/drawingml/2006/diagram" xmlns:o="urn:schemas-microsoft-com:office:office" xmlns:v="urn:schemas-microsoft-com:vml" xmlns:pvml="urn:schemas-microsoft-com:office:powerpoint" xmlns:com="http://schemas.openxmlformats.org/drawingml/2006/compatibility" xmlns:p14="http://schemas.microsoft.com/office/powerpoint/2010/main" xmlns:p15="http://schemas.microsoft.com/office/powerpoint/2012/main" showMasterPhAnim="0" showMasterSp="0">
+<p:notes xmlns:a="http://schemas.openxmlformats.org/drawingml/2006/main" xmlns:r="http://schemas.openxmlformats.org/officeDocument/2006/relationships" xmlns:p="http://schemas.openxmlformats.org/presentationml/2006/main" showMasterSp="0" showMasterPhAnim="0">
   <p:cSld>
     <p:spTree>
       <p:nvGrpSpPr>
-        <p:cNvPr id="116" name="Shape 116"/>
+        <p:cNvPr id="1" name="Shape 116"/>
         <p:cNvGrpSpPr/>
         <p:nvPr/>
       </p:nvGrpSpPr>
@@ -1024,9 +1055,11 @@
       <p:sp>
         <p:nvSpPr>
           <p:cNvPr id="117" name="Google Shape;117;g43a3fc9292_0_30:notes"/>
-          <p:cNvSpPr/>
+          <p:cNvSpPr>
+            <a:spLocks noGrp="1" noRot="1" noChangeAspect="1"/>
+          </p:cNvSpPr>
           <p:nvPr>
-            <p:ph idx="2" type="sldImg"/>
+            <p:ph type="sldImg" idx="2"/>
           </p:nvPr>
         </p:nvSpPr>
         <p:spPr>
@@ -1035,9 +1068,13 @@
             <a:ext cx="6096000" cy="3429000"/>
           </a:xfrm>
           <a:custGeom>
-            <a:rect b="b" l="l" r="r" t="t"/>
+            <a:avLst/>
+            <a:gdLst/>
+            <a:ahLst/>
+            <a:cxnLst/>
+            <a:rect l="l" t="t" r="r" b="b"/>
             <a:pathLst>
-              <a:path extrusionOk="0" h="120000" w="120000">
+              <a:path w="120000" h="120000" extrusionOk="0">
                 <a:moveTo>
                   <a:pt x="0" y="0"/>
                 </a:moveTo>
@@ -1059,9 +1096,11 @@
       <p:sp>
         <p:nvSpPr>
           <p:cNvPr id="118" name="Google Shape;118;g43a3fc9292_0_30:notes"/>
-          <p:cNvSpPr txBox="1"/>
+          <p:cNvSpPr txBox="1">
+            <a:spLocks noGrp="1"/>
+          </p:cNvSpPr>
           <p:nvPr>
-            <p:ph idx="1" type="body"/>
+            <p:ph type="body" idx="1"/>
           </p:nvPr>
         </p:nvSpPr>
         <p:spPr>
@@ -1074,23 +1113,20 @@
           </a:prstGeom>
         </p:spPr>
         <p:txBody>
-          <a:bodyPr anchorCtr="0" anchor="t" bIns="91425" lIns="91425" spcFirstLastPara="1" rIns="91425" wrap="square" tIns="91425">
+          <a:bodyPr spcFirstLastPara="1" wrap="square" lIns="91425" tIns="91425" rIns="91425" bIns="91425" anchor="t" anchorCtr="0">
             <a:noAutofit/>
           </a:bodyPr>
           <a:lstStyle/>
           <a:p>
-            <a:pPr indent="0" lvl="0" marL="0" rtl="0" algn="l">
-              <a:spcBef>
-                <a:spcPts val="0"/>
-              </a:spcBef>
-              <a:spcAft>
-                <a:spcPts val="0"/>
-              </a:spcAft>
-              <a:buNone/>
-            </a:pPr>
-            <a:r>
-              <a:t/>
-            </a:r>
+            <a:pPr marL="0" lvl="0" indent="0" algn="l" rtl="0">
+              <a:spcBef>
+                <a:spcPts val="0"/>
+              </a:spcBef>
+              <a:spcAft>
+                <a:spcPts val="0"/>
+              </a:spcAft>
+              <a:buNone/>
+            </a:pPr>
             <a:endParaRPr/>
           </a:p>
         </p:txBody>
@@ -1104,11 +1140,11 @@
 </file>
 
 <file path=ppt/notesSlides/notesSlide13.xml><?xml version="1.0" encoding="utf-8"?>
-<p:notes xmlns:a="http://schemas.openxmlformats.org/drawingml/2006/main" xmlns:r="http://schemas.openxmlformats.org/officeDocument/2006/relationships" xmlns:mc="http://schemas.openxmlformats.org/markup-compatibility/2006" xmlns:mv="urn:schemas-microsoft-com:mac:vml" xmlns:p="http://schemas.openxmlformats.org/presentationml/2006/main" xmlns:c="http://schemas.openxmlformats.org/drawingml/2006/chart" xmlns:dgm="http://schemas.openxmlformats.org/drawingml/2006/diagram" xmlns:o="urn:schemas-microsoft-com:office:office" xmlns:v="urn:schemas-microsoft-com:vml" xmlns:pvml="urn:schemas-microsoft-com:office:powerpoint" xmlns:com="http://schemas.openxmlformats.org/drawingml/2006/compatibility" xmlns:p14="http://schemas.microsoft.com/office/powerpoint/2010/main" xmlns:p15="http://schemas.microsoft.com/office/powerpoint/2012/main" showMasterPhAnim="0" showMasterSp="0">
+<p:notes xmlns:a="http://schemas.openxmlformats.org/drawingml/2006/main" xmlns:r="http://schemas.openxmlformats.org/officeDocument/2006/relationships" xmlns:p="http://schemas.openxmlformats.org/presentationml/2006/main" showMasterSp="0" showMasterPhAnim="0">
   <p:cSld>
     <p:spTree>
       <p:nvGrpSpPr>
-        <p:cNvPr id="122" name="Shape 122"/>
+        <p:cNvPr id="1" name="Shape 122"/>
         <p:cNvGrpSpPr/>
         <p:nvPr/>
       </p:nvGrpSpPr>
@@ -1123,9 +1159,11 @@
       <p:sp>
         <p:nvSpPr>
           <p:cNvPr id="123" name="Google Shape;123;g43a3fc9292_0_35:notes"/>
-          <p:cNvSpPr/>
+          <p:cNvSpPr>
+            <a:spLocks noGrp="1" noRot="1" noChangeAspect="1"/>
+          </p:cNvSpPr>
           <p:nvPr>
-            <p:ph idx="2" type="sldImg"/>
+            <p:ph type="sldImg" idx="2"/>
           </p:nvPr>
         </p:nvSpPr>
         <p:spPr>
@@ -1134,9 +1172,13 @@
             <a:ext cx="6096000" cy="3429000"/>
           </a:xfrm>
           <a:custGeom>
-            <a:rect b="b" l="l" r="r" t="t"/>
+            <a:avLst/>
+            <a:gdLst/>
+            <a:ahLst/>
+            <a:cxnLst/>
+            <a:rect l="l" t="t" r="r" b="b"/>
             <a:pathLst>
-              <a:path extrusionOk="0" h="120000" w="120000">
+              <a:path w="120000" h="120000" extrusionOk="0">
                 <a:moveTo>
                   <a:pt x="0" y="0"/>
                 </a:moveTo>
@@ -1158,9 +1200,11 @@
       <p:sp>
         <p:nvSpPr>
           <p:cNvPr id="124" name="Google Shape;124;g43a3fc9292_0_35:notes"/>
-          <p:cNvSpPr txBox="1"/>
+          <p:cNvSpPr txBox="1">
+            <a:spLocks noGrp="1"/>
+          </p:cNvSpPr>
           <p:nvPr>
-            <p:ph idx="1" type="body"/>
+            <p:ph type="body" idx="1"/>
           </p:nvPr>
         </p:nvSpPr>
         <p:spPr>
@@ -1173,23 +1217,20 @@
           </a:prstGeom>
         </p:spPr>
         <p:txBody>
-          <a:bodyPr anchorCtr="0" anchor="t" bIns="91425" lIns="91425" spcFirstLastPara="1" rIns="91425" wrap="square" tIns="91425">
+          <a:bodyPr spcFirstLastPara="1" wrap="square" lIns="91425" tIns="91425" rIns="91425" bIns="91425" anchor="t" anchorCtr="0">
             <a:noAutofit/>
           </a:bodyPr>
           <a:lstStyle/>
           <a:p>
-            <a:pPr indent="0" lvl="0" marL="0" rtl="0" algn="l">
-              <a:spcBef>
-                <a:spcPts val="0"/>
-              </a:spcBef>
-              <a:spcAft>
-                <a:spcPts val="0"/>
-              </a:spcAft>
-              <a:buNone/>
-            </a:pPr>
-            <a:r>
-              <a:t/>
-            </a:r>
+            <a:pPr marL="0" lvl="0" indent="0" algn="l" rtl="0">
+              <a:spcBef>
+                <a:spcPts val="0"/>
+              </a:spcBef>
+              <a:spcAft>
+                <a:spcPts val="0"/>
+              </a:spcAft>
+              <a:buNone/>
+            </a:pPr>
             <a:endParaRPr/>
           </a:p>
         </p:txBody>
@@ -1203,11 +1244,11 @@
 </file>
 
 <file path=ppt/notesSlides/notesSlide14.xml><?xml version="1.0" encoding="utf-8"?>
-<p:notes xmlns:a="http://schemas.openxmlformats.org/drawingml/2006/main" xmlns:r="http://schemas.openxmlformats.org/officeDocument/2006/relationships" xmlns:mc="http://schemas.openxmlformats.org/markup-compatibility/2006" xmlns:mv="urn:schemas-microsoft-com:mac:vml" xmlns:p="http://schemas.openxmlformats.org/presentationml/2006/main" xmlns:c="http://schemas.openxmlformats.org/drawingml/2006/chart" xmlns:dgm="http://schemas.openxmlformats.org/drawingml/2006/diagram" xmlns:o="urn:schemas-microsoft-com:office:office" xmlns:v="urn:schemas-microsoft-com:vml" xmlns:pvml="urn:schemas-microsoft-com:office:powerpoint" xmlns:com="http://schemas.openxmlformats.org/drawingml/2006/compatibility" xmlns:p14="http://schemas.microsoft.com/office/powerpoint/2010/main" xmlns:p15="http://schemas.microsoft.com/office/powerpoint/2012/main" showMasterPhAnim="0" showMasterSp="0">
+<p:notes xmlns:a="http://schemas.openxmlformats.org/drawingml/2006/main" xmlns:r="http://schemas.openxmlformats.org/officeDocument/2006/relationships" xmlns:p="http://schemas.openxmlformats.org/presentationml/2006/main" showMasterSp="0" showMasterPhAnim="0">
   <p:cSld>
     <p:spTree>
       <p:nvGrpSpPr>
-        <p:cNvPr id="128" name="Shape 128"/>
+        <p:cNvPr id="1" name="Shape 128"/>
         <p:cNvGrpSpPr/>
         <p:nvPr/>
       </p:nvGrpSpPr>
@@ -1222,9 +1263,11 @@
       <p:sp>
         <p:nvSpPr>
           <p:cNvPr id="129" name="Google Shape;129;g43a3fc9292_0_43:notes"/>
-          <p:cNvSpPr/>
+          <p:cNvSpPr>
+            <a:spLocks noGrp="1" noRot="1" noChangeAspect="1"/>
+          </p:cNvSpPr>
           <p:nvPr>
-            <p:ph idx="2" type="sldImg"/>
+            <p:ph type="sldImg" idx="2"/>
           </p:nvPr>
         </p:nvSpPr>
         <p:spPr>
@@ -1233,9 +1276,13 @@
             <a:ext cx="6096000" cy="3429000"/>
           </a:xfrm>
           <a:custGeom>
-            <a:rect b="b" l="l" r="r" t="t"/>
+            <a:avLst/>
+            <a:gdLst/>
+            <a:ahLst/>
+            <a:cxnLst/>
+            <a:rect l="l" t="t" r="r" b="b"/>
             <a:pathLst>
-              <a:path extrusionOk="0" h="120000" w="120000">
+              <a:path w="120000" h="120000" extrusionOk="0">
                 <a:moveTo>
                   <a:pt x="0" y="0"/>
                 </a:moveTo>
@@ -1257,9 +1304,11 @@
       <p:sp>
         <p:nvSpPr>
           <p:cNvPr id="130" name="Google Shape;130;g43a3fc9292_0_43:notes"/>
-          <p:cNvSpPr txBox="1"/>
+          <p:cNvSpPr txBox="1">
+            <a:spLocks noGrp="1"/>
+          </p:cNvSpPr>
           <p:nvPr>
-            <p:ph idx="1" type="body"/>
+            <p:ph type="body" idx="1"/>
           </p:nvPr>
         </p:nvSpPr>
         <p:spPr>
@@ -1272,23 +1321,20 @@
           </a:prstGeom>
         </p:spPr>
         <p:txBody>
-          <a:bodyPr anchorCtr="0" anchor="t" bIns="91425" lIns="91425" spcFirstLastPara="1" rIns="91425" wrap="square" tIns="91425">
+          <a:bodyPr spcFirstLastPara="1" wrap="square" lIns="91425" tIns="91425" rIns="91425" bIns="91425" anchor="t" anchorCtr="0">
             <a:noAutofit/>
           </a:bodyPr>
           <a:lstStyle/>
           <a:p>
-            <a:pPr indent="0" lvl="0" marL="0" rtl="0" algn="l">
-              <a:spcBef>
-                <a:spcPts val="0"/>
-              </a:spcBef>
-              <a:spcAft>
-                <a:spcPts val="0"/>
-              </a:spcAft>
-              <a:buNone/>
-            </a:pPr>
-            <a:r>
-              <a:t/>
-            </a:r>
+            <a:pPr marL="0" lvl="0" indent="0" algn="l" rtl="0">
+              <a:spcBef>
+                <a:spcPts val="0"/>
+              </a:spcBef>
+              <a:spcAft>
+                <a:spcPts val="0"/>
+              </a:spcAft>
+              <a:buNone/>
+            </a:pPr>
             <a:endParaRPr/>
           </a:p>
         </p:txBody>
@@ -1302,11 +1348,11 @@
 </file>
 
 <file path=ppt/notesSlides/notesSlide15.xml><?xml version="1.0" encoding="utf-8"?>
-<p:notes xmlns:a="http://schemas.openxmlformats.org/drawingml/2006/main" xmlns:r="http://schemas.openxmlformats.org/officeDocument/2006/relationships" xmlns:mc="http://schemas.openxmlformats.org/markup-compatibility/2006" xmlns:mv="urn:schemas-microsoft-com:mac:vml" xmlns:p="http://schemas.openxmlformats.org/presentationml/2006/main" xmlns:c="http://schemas.openxmlformats.org/drawingml/2006/chart" xmlns:dgm="http://schemas.openxmlformats.org/drawingml/2006/diagram" xmlns:o="urn:schemas-microsoft-com:office:office" xmlns:v="urn:schemas-microsoft-com:vml" xmlns:pvml="urn:schemas-microsoft-com:office:powerpoint" xmlns:com="http://schemas.openxmlformats.org/drawingml/2006/compatibility" xmlns:p14="http://schemas.microsoft.com/office/powerpoint/2010/main" xmlns:p15="http://schemas.microsoft.com/office/powerpoint/2012/main" showMasterPhAnim="0" showMasterSp="0">
+<p:notes xmlns:a="http://schemas.openxmlformats.org/drawingml/2006/main" xmlns:r="http://schemas.openxmlformats.org/officeDocument/2006/relationships" xmlns:p="http://schemas.openxmlformats.org/presentationml/2006/main" showMasterSp="0" showMasterPhAnim="0">
   <p:cSld>
     <p:spTree>
       <p:nvGrpSpPr>
-        <p:cNvPr id="134" name="Shape 134"/>
+        <p:cNvPr id="1" name="Shape 134"/>
         <p:cNvGrpSpPr/>
         <p:nvPr/>
       </p:nvGrpSpPr>
@@ -1321,9 +1367,11 @@
       <p:sp>
         <p:nvSpPr>
           <p:cNvPr id="135" name="Google Shape;135;g43a3fc9292_0_55:notes"/>
-          <p:cNvSpPr/>
+          <p:cNvSpPr>
+            <a:spLocks noGrp="1" noRot="1" noChangeAspect="1"/>
+          </p:cNvSpPr>
           <p:nvPr>
-            <p:ph idx="2" type="sldImg"/>
+            <p:ph type="sldImg" idx="2"/>
           </p:nvPr>
         </p:nvSpPr>
         <p:spPr>
@@ -1332,9 +1380,13 @@
             <a:ext cx="6096000" cy="3429000"/>
           </a:xfrm>
           <a:custGeom>
-            <a:rect b="b" l="l" r="r" t="t"/>
+            <a:avLst/>
+            <a:gdLst/>
+            <a:ahLst/>
+            <a:cxnLst/>
+            <a:rect l="l" t="t" r="r" b="b"/>
             <a:pathLst>
-              <a:path extrusionOk="0" h="120000" w="120000">
+              <a:path w="120000" h="120000" extrusionOk="0">
                 <a:moveTo>
                   <a:pt x="0" y="0"/>
                 </a:moveTo>
@@ -1356,9 +1408,11 @@
       <p:sp>
         <p:nvSpPr>
           <p:cNvPr id="136" name="Google Shape;136;g43a3fc9292_0_55:notes"/>
-          <p:cNvSpPr txBox="1"/>
+          <p:cNvSpPr txBox="1">
+            <a:spLocks noGrp="1"/>
+          </p:cNvSpPr>
           <p:nvPr>
-            <p:ph idx="1" type="body"/>
+            <p:ph type="body" idx="1"/>
           </p:nvPr>
         </p:nvSpPr>
         <p:spPr>
@@ -1371,23 +1425,20 @@
           </a:prstGeom>
         </p:spPr>
         <p:txBody>
-          <a:bodyPr anchorCtr="0" anchor="t" bIns="91425" lIns="91425" spcFirstLastPara="1" rIns="91425" wrap="square" tIns="91425">
+          <a:bodyPr spcFirstLastPara="1" wrap="square" lIns="91425" tIns="91425" rIns="91425" bIns="91425" anchor="t" anchorCtr="0">
             <a:noAutofit/>
           </a:bodyPr>
           <a:lstStyle/>
           <a:p>
-            <a:pPr indent="0" lvl="0" marL="0" rtl="0" algn="l">
-              <a:spcBef>
-                <a:spcPts val="0"/>
-              </a:spcBef>
-              <a:spcAft>
-                <a:spcPts val="0"/>
-              </a:spcAft>
-              <a:buNone/>
-            </a:pPr>
-            <a:r>
-              <a:t/>
-            </a:r>
+            <a:pPr marL="0" lvl="0" indent="0" algn="l" rtl="0">
+              <a:spcBef>
+                <a:spcPts val="0"/>
+              </a:spcBef>
+              <a:spcAft>
+                <a:spcPts val="0"/>
+              </a:spcAft>
+              <a:buNone/>
+            </a:pPr>
             <a:endParaRPr/>
           </a:p>
         </p:txBody>
@@ -1401,11 +1452,11 @@
 </file>
 
 <file path=ppt/notesSlides/notesSlide2.xml><?xml version="1.0" encoding="utf-8"?>
-<p:notes xmlns:a="http://schemas.openxmlformats.org/drawingml/2006/main" xmlns:r="http://schemas.openxmlformats.org/officeDocument/2006/relationships" xmlns:mc="http://schemas.openxmlformats.org/markup-compatibility/2006" xmlns:mv="urn:schemas-microsoft-com:mac:vml" xmlns:p="http://schemas.openxmlformats.org/presentationml/2006/main" xmlns:c="http://schemas.openxmlformats.org/drawingml/2006/chart" xmlns:dgm="http://schemas.openxmlformats.org/drawingml/2006/diagram" xmlns:o="urn:schemas-microsoft-com:office:office" xmlns:v="urn:schemas-microsoft-com:vml" xmlns:pvml="urn:schemas-microsoft-com:office:powerpoint" xmlns:com="http://schemas.openxmlformats.org/drawingml/2006/compatibility" xmlns:p14="http://schemas.microsoft.com/office/powerpoint/2010/main" xmlns:p15="http://schemas.microsoft.com/office/powerpoint/2012/main" showMasterPhAnim="0" showMasterSp="0">
+<p:notes xmlns:a="http://schemas.openxmlformats.org/drawingml/2006/main" xmlns:r="http://schemas.openxmlformats.org/officeDocument/2006/relationships" xmlns:p="http://schemas.openxmlformats.org/presentationml/2006/main" showMasterSp="0" showMasterPhAnim="0">
   <p:cSld>
     <p:spTree>
       <p:nvGrpSpPr>
-        <p:cNvPr id="56" name="Shape 56"/>
+        <p:cNvPr id="1" name="Shape 56"/>
         <p:cNvGrpSpPr/>
         <p:nvPr/>
       </p:nvGrpSpPr>
@@ -1420,9 +1471,11 @@
       <p:sp>
         <p:nvSpPr>
           <p:cNvPr id="57" name="Google Shape;57;g4323c5077e_0_0:notes"/>
-          <p:cNvSpPr/>
+          <p:cNvSpPr>
+            <a:spLocks noGrp="1" noRot="1" noChangeAspect="1"/>
+          </p:cNvSpPr>
           <p:nvPr>
-            <p:ph idx="2" type="sldImg"/>
+            <p:ph type="sldImg" idx="2"/>
           </p:nvPr>
         </p:nvSpPr>
         <p:spPr>
@@ -1431,9 +1484,13 @@
             <a:ext cx="6096000" cy="3429000"/>
           </a:xfrm>
           <a:custGeom>
-            <a:rect b="b" l="l" r="r" t="t"/>
+            <a:avLst/>
+            <a:gdLst/>
+            <a:ahLst/>
+            <a:cxnLst/>
+            <a:rect l="l" t="t" r="r" b="b"/>
             <a:pathLst>
-              <a:path extrusionOk="0" h="120000" w="120000">
+              <a:path w="120000" h="120000" extrusionOk="0">
                 <a:moveTo>
                   <a:pt x="0" y="0"/>
                 </a:moveTo>
@@ -1455,9 +1512,11 @@
       <p:sp>
         <p:nvSpPr>
           <p:cNvPr id="58" name="Google Shape;58;g4323c5077e_0_0:notes"/>
-          <p:cNvSpPr txBox="1"/>
+          <p:cNvSpPr txBox="1">
+            <a:spLocks noGrp="1"/>
+          </p:cNvSpPr>
           <p:nvPr>
-            <p:ph idx="1" type="body"/>
+            <p:ph type="body" idx="1"/>
           </p:nvPr>
         </p:nvSpPr>
         <p:spPr>
@@ -1470,23 +1529,20 @@
           </a:prstGeom>
         </p:spPr>
         <p:txBody>
-          <a:bodyPr anchorCtr="0" anchor="t" bIns="91425" lIns="91425" spcFirstLastPara="1" rIns="91425" wrap="square" tIns="91425">
+          <a:bodyPr spcFirstLastPara="1" wrap="square" lIns="91425" tIns="91425" rIns="91425" bIns="91425" anchor="t" anchorCtr="0">
             <a:noAutofit/>
           </a:bodyPr>
           <a:lstStyle/>
           <a:p>
-            <a:pPr indent="0" lvl="0" marL="0" rtl="0" algn="l">
-              <a:spcBef>
-                <a:spcPts val="0"/>
-              </a:spcBef>
-              <a:spcAft>
-                <a:spcPts val="0"/>
-              </a:spcAft>
-              <a:buNone/>
-            </a:pPr>
-            <a:r>
-              <a:t/>
-            </a:r>
+            <a:pPr marL="0" lvl="0" indent="0" algn="l" rtl="0">
+              <a:spcBef>
+                <a:spcPts val="0"/>
+              </a:spcBef>
+              <a:spcAft>
+                <a:spcPts val="0"/>
+              </a:spcAft>
+              <a:buNone/>
+            </a:pPr>
             <a:endParaRPr/>
           </a:p>
         </p:txBody>
@@ -1500,11 +1556,11 @@
 </file>
 
 <file path=ppt/notesSlides/notesSlide3.xml><?xml version="1.0" encoding="utf-8"?>
-<p:notes xmlns:a="http://schemas.openxmlformats.org/drawingml/2006/main" xmlns:r="http://schemas.openxmlformats.org/officeDocument/2006/relationships" xmlns:mc="http://schemas.openxmlformats.org/markup-compatibility/2006" xmlns:mv="urn:schemas-microsoft-com:mac:vml" xmlns:p="http://schemas.openxmlformats.org/presentationml/2006/main" xmlns:c="http://schemas.openxmlformats.org/drawingml/2006/chart" xmlns:dgm="http://schemas.openxmlformats.org/drawingml/2006/diagram" xmlns:o="urn:schemas-microsoft-com:office:office" xmlns:v="urn:schemas-microsoft-com:vml" xmlns:pvml="urn:schemas-microsoft-com:office:powerpoint" xmlns:com="http://schemas.openxmlformats.org/drawingml/2006/compatibility" xmlns:p14="http://schemas.microsoft.com/office/powerpoint/2010/main" xmlns:p15="http://schemas.microsoft.com/office/powerpoint/2012/main" showMasterPhAnim="0" showMasterSp="0">
+<p:notes xmlns:a="http://schemas.openxmlformats.org/drawingml/2006/main" xmlns:r="http://schemas.openxmlformats.org/officeDocument/2006/relationships" xmlns:p="http://schemas.openxmlformats.org/presentationml/2006/main" showMasterSp="0" showMasterPhAnim="0">
   <p:cSld>
     <p:spTree>
       <p:nvGrpSpPr>
-        <p:cNvPr id="62" name="Shape 62"/>
+        <p:cNvPr id="1" name="Shape 62"/>
         <p:cNvGrpSpPr/>
         <p:nvPr/>
       </p:nvGrpSpPr>
@@ -1519,9 +1575,11 @@
       <p:sp>
         <p:nvSpPr>
           <p:cNvPr id="63" name="Google Shape;63;g4323c5077e_0_115:notes"/>
-          <p:cNvSpPr/>
+          <p:cNvSpPr>
+            <a:spLocks noGrp="1" noRot="1" noChangeAspect="1"/>
+          </p:cNvSpPr>
           <p:nvPr>
-            <p:ph idx="2" type="sldImg"/>
+            <p:ph type="sldImg" idx="2"/>
           </p:nvPr>
         </p:nvSpPr>
         <p:spPr>
@@ -1530,9 +1588,13 @@
             <a:ext cx="6096000" cy="3429000"/>
           </a:xfrm>
           <a:custGeom>
-            <a:rect b="b" l="l" r="r" t="t"/>
+            <a:avLst/>
+            <a:gdLst/>
+            <a:ahLst/>
+            <a:cxnLst/>
+            <a:rect l="l" t="t" r="r" b="b"/>
             <a:pathLst>
-              <a:path extrusionOk="0" h="120000" w="120000">
+              <a:path w="120000" h="120000" extrusionOk="0">
                 <a:moveTo>
                   <a:pt x="0" y="0"/>
                 </a:moveTo>
@@ -1554,9 +1616,11 @@
       <p:sp>
         <p:nvSpPr>
           <p:cNvPr id="64" name="Google Shape;64;g4323c5077e_0_115:notes"/>
-          <p:cNvSpPr txBox="1"/>
+          <p:cNvSpPr txBox="1">
+            <a:spLocks noGrp="1"/>
+          </p:cNvSpPr>
           <p:nvPr>
-            <p:ph idx="1" type="body"/>
+            <p:ph type="body" idx="1"/>
           </p:nvPr>
         </p:nvSpPr>
         <p:spPr>
@@ -1569,23 +1633,20 @@
           </a:prstGeom>
         </p:spPr>
         <p:txBody>
-          <a:bodyPr anchorCtr="0" anchor="t" bIns="91425" lIns="91425" spcFirstLastPara="1" rIns="91425" wrap="square" tIns="91425">
+          <a:bodyPr spcFirstLastPara="1" wrap="square" lIns="91425" tIns="91425" rIns="91425" bIns="91425" anchor="t" anchorCtr="0">
             <a:noAutofit/>
           </a:bodyPr>
           <a:lstStyle/>
           <a:p>
-            <a:pPr indent="0" lvl="0" marL="0" rtl="0" algn="l">
-              <a:spcBef>
-                <a:spcPts val="0"/>
-              </a:spcBef>
-              <a:spcAft>
-                <a:spcPts val="0"/>
-              </a:spcAft>
-              <a:buNone/>
-            </a:pPr>
-            <a:r>
-              <a:t/>
-            </a:r>
+            <a:pPr marL="0" lvl="0" indent="0" algn="l" rtl="0">
+              <a:spcBef>
+                <a:spcPts val="0"/>
+              </a:spcBef>
+              <a:spcAft>
+                <a:spcPts val="0"/>
+              </a:spcAft>
+              <a:buNone/>
+            </a:pPr>
             <a:endParaRPr/>
           </a:p>
         </p:txBody>
@@ -1599,11 +1660,11 @@
 </file>
 
 <file path=ppt/notesSlides/notesSlide4.xml><?xml version="1.0" encoding="utf-8"?>
-<p:notes xmlns:a="http://schemas.openxmlformats.org/drawingml/2006/main" xmlns:r="http://schemas.openxmlformats.org/officeDocument/2006/relationships" xmlns:mc="http://schemas.openxmlformats.org/markup-compatibility/2006" xmlns:mv="urn:schemas-microsoft-com:mac:vml" xmlns:p="http://schemas.openxmlformats.org/presentationml/2006/main" xmlns:c="http://schemas.openxmlformats.org/drawingml/2006/chart" xmlns:dgm="http://schemas.openxmlformats.org/drawingml/2006/diagram" xmlns:o="urn:schemas-microsoft-com:office:office" xmlns:v="urn:schemas-microsoft-com:vml" xmlns:pvml="urn:schemas-microsoft-com:office:powerpoint" xmlns:com="http://schemas.openxmlformats.org/drawingml/2006/compatibility" xmlns:p14="http://schemas.microsoft.com/office/powerpoint/2010/main" xmlns:p15="http://schemas.microsoft.com/office/powerpoint/2012/main" showMasterPhAnim="0" showMasterSp="0">
+<p:notes xmlns:a="http://schemas.openxmlformats.org/drawingml/2006/main" xmlns:r="http://schemas.openxmlformats.org/officeDocument/2006/relationships" xmlns:p="http://schemas.openxmlformats.org/presentationml/2006/main" showMasterSp="0" showMasterPhAnim="0">
   <p:cSld>
     <p:spTree>
       <p:nvGrpSpPr>
-        <p:cNvPr id="68" name="Shape 68"/>
+        <p:cNvPr id="1" name="Shape 68"/>
         <p:cNvGrpSpPr/>
         <p:nvPr/>
       </p:nvGrpSpPr>
@@ -1618,9 +1679,11 @@
       <p:sp>
         <p:nvSpPr>
           <p:cNvPr id="69" name="Google Shape;69;g4323c5077e_0_13:notes"/>
-          <p:cNvSpPr/>
+          <p:cNvSpPr>
+            <a:spLocks noGrp="1" noRot="1" noChangeAspect="1"/>
+          </p:cNvSpPr>
           <p:nvPr>
-            <p:ph idx="2" type="sldImg"/>
+            <p:ph type="sldImg" idx="2"/>
           </p:nvPr>
         </p:nvSpPr>
         <p:spPr>
@@ -1629,9 +1692,13 @@
             <a:ext cx="6096000" cy="3429000"/>
           </a:xfrm>
           <a:custGeom>
-            <a:rect b="b" l="l" r="r" t="t"/>
+            <a:avLst/>
+            <a:gdLst/>
+            <a:ahLst/>
+            <a:cxnLst/>
+            <a:rect l="l" t="t" r="r" b="b"/>
             <a:pathLst>
-              <a:path extrusionOk="0" h="120000" w="120000">
+              <a:path w="120000" h="120000" extrusionOk="0">
                 <a:moveTo>
                   <a:pt x="0" y="0"/>
                 </a:moveTo>
@@ -1653,9 +1720,11 @@
       <p:sp>
         <p:nvSpPr>
           <p:cNvPr id="70" name="Google Shape;70;g4323c5077e_0_13:notes"/>
-          <p:cNvSpPr txBox="1"/>
+          <p:cNvSpPr txBox="1">
+            <a:spLocks noGrp="1"/>
+          </p:cNvSpPr>
           <p:nvPr>
-            <p:ph idx="1" type="body"/>
+            <p:ph type="body" idx="1"/>
           </p:nvPr>
         </p:nvSpPr>
         <p:spPr>
@@ -1668,23 +1737,20 @@
           </a:prstGeom>
         </p:spPr>
         <p:txBody>
-          <a:bodyPr anchorCtr="0" anchor="t" bIns="91425" lIns="91425" spcFirstLastPara="1" rIns="91425" wrap="square" tIns="91425">
+          <a:bodyPr spcFirstLastPara="1" wrap="square" lIns="91425" tIns="91425" rIns="91425" bIns="91425" anchor="t" anchorCtr="0">
             <a:noAutofit/>
           </a:bodyPr>
           <a:lstStyle/>
           <a:p>
-            <a:pPr indent="0" lvl="0" marL="0" rtl="0" algn="l">
-              <a:spcBef>
-                <a:spcPts val="0"/>
-              </a:spcBef>
-              <a:spcAft>
-                <a:spcPts val="0"/>
-              </a:spcAft>
-              <a:buNone/>
-            </a:pPr>
-            <a:r>
-              <a:t/>
-            </a:r>
+            <a:pPr marL="0" lvl="0" indent="0" algn="l" rtl="0">
+              <a:spcBef>
+                <a:spcPts val="0"/>
+              </a:spcBef>
+              <a:spcAft>
+                <a:spcPts val="0"/>
+              </a:spcAft>
+              <a:buNone/>
+            </a:pPr>
             <a:endParaRPr/>
           </a:p>
         </p:txBody>
@@ -1698,11 +1764,11 @@
 </file>
 
 <file path=ppt/notesSlides/notesSlide5.xml><?xml version="1.0" encoding="utf-8"?>
-<p:notes xmlns:a="http://schemas.openxmlformats.org/drawingml/2006/main" xmlns:r="http://schemas.openxmlformats.org/officeDocument/2006/relationships" xmlns:mc="http://schemas.openxmlformats.org/markup-compatibility/2006" xmlns:mv="urn:schemas-microsoft-com:mac:vml" xmlns:p="http://schemas.openxmlformats.org/presentationml/2006/main" xmlns:c="http://schemas.openxmlformats.org/drawingml/2006/chart" xmlns:dgm="http://schemas.openxmlformats.org/drawingml/2006/diagram" xmlns:o="urn:schemas-microsoft-com:office:office" xmlns:v="urn:schemas-microsoft-com:vml" xmlns:pvml="urn:schemas-microsoft-com:office:powerpoint" xmlns:com="http://schemas.openxmlformats.org/drawingml/2006/compatibility" xmlns:p14="http://schemas.microsoft.com/office/powerpoint/2010/main" xmlns:p15="http://schemas.microsoft.com/office/powerpoint/2012/main" showMasterPhAnim="0" showMasterSp="0">
+<p:notes xmlns:a="http://schemas.openxmlformats.org/drawingml/2006/main" xmlns:r="http://schemas.openxmlformats.org/officeDocument/2006/relationships" xmlns:p="http://schemas.openxmlformats.org/presentationml/2006/main" showMasterSp="0" showMasterPhAnim="0">
   <p:cSld>
     <p:spTree>
       <p:nvGrpSpPr>
-        <p:cNvPr id="74" name="Shape 74"/>
+        <p:cNvPr id="1" name="Shape 74"/>
         <p:cNvGrpSpPr/>
         <p:nvPr/>
       </p:nvGrpSpPr>
@@ -1717,9 +1783,11 @@
       <p:sp>
         <p:nvSpPr>
           <p:cNvPr id="75" name="Google Shape;75;g4323c5077e_0_120:notes"/>
-          <p:cNvSpPr/>
+          <p:cNvSpPr>
+            <a:spLocks noGrp="1" noRot="1" noChangeAspect="1"/>
+          </p:cNvSpPr>
           <p:nvPr>
-            <p:ph idx="2" type="sldImg"/>
+            <p:ph type="sldImg" idx="2"/>
           </p:nvPr>
         </p:nvSpPr>
         <p:spPr>
@@ -1728,9 +1796,13 @@
             <a:ext cx="6096000" cy="3429000"/>
           </a:xfrm>
           <a:custGeom>
-            <a:rect b="b" l="l" r="r" t="t"/>
+            <a:avLst/>
+            <a:gdLst/>
+            <a:ahLst/>
+            <a:cxnLst/>
+            <a:rect l="l" t="t" r="r" b="b"/>
             <a:pathLst>
-              <a:path extrusionOk="0" h="120000" w="120000">
+              <a:path w="120000" h="120000" extrusionOk="0">
                 <a:moveTo>
                   <a:pt x="0" y="0"/>
                 </a:moveTo>
@@ -1752,9 +1824,11 @@
       <p:sp>
         <p:nvSpPr>
           <p:cNvPr id="76" name="Google Shape;76;g4323c5077e_0_120:notes"/>
-          <p:cNvSpPr txBox="1"/>
+          <p:cNvSpPr txBox="1">
+            <a:spLocks noGrp="1"/>
+          </p:cNvSpPr>
           <p:nvPr>
-            <p:ph idx="1" type="body"/>
+            <p:ph type="body" idx="1"/>
           </p:nvPr>
         </p:nvSpPr>
         <p:spPr>
@@ -1767,23 +1841,20 @@
           </a:prstGeom>
         </p:spPr>
         <p:txBody>
-          <a:bodyPr anchorCtr="0" anchor="t" bIns="91425" lIns="91425" spcFirstLastPara="1" rIns="91425" wrap="square" tIns="91425">
+          <a:bodyPr spcFirstLastPara="1" wrap="square" lIns="91425" tIns="91425" rIns="91425" bIns="91425" anchor="t" anchorCtr="0">
             <a:noAutofit/>
           </a:bodyPr>
           <a:lstStyle/>
           <a:p>
-            <a:pPr indent="0" lvl="0" marL="0" rtl="0" algn="l">
-              <a:spcBef>
-                <a:spcPts val="0"/>
-              </a:spcBef>
-              <a:spcAft>
-                <a:spcPts val="0"/>
-              </a:spcAft>
-              <a:buNone/>
-            </a:pPr>
-            <a:r>
-              <a:t/>
-            </a:r>
+            <a:pPr marL="0" lvl="0" indent="0" algn="l" rtl="0">
+              <a:spcBef>
+                <a:spcPts val="0"/>
+              </a:spcBef>
+              <a:spcAft>
+                <a:spcPts val="0"/>
+              </a:spcAft>
+              <a:buNone/>
+            </a:pPr>
             <a:endParaRPr/>
           </a:p>
         </p:txBody>
@@ -1797,11 +1868,11 @@
 </file>
 
 <file path=ppt/notesSlides/notesSlide6.xml><?xml version="1.0" encoding="utf-8"?>
-<p:notes xmlns:a="http://schemas.openxmlformats.org/drawingml/2006/main" xmlns:r="http://schemas.openxmlformats.org/officeDocument/2006/relationships" xmlns:mc="http://schemas.openxmlformats.org/markup-compatibility/2006" xmlns:mv="urn:schemas-microsoft-com:mac:vml" xmlns:p="http://schemas.openxmlformats.org/presentationml/2006/main" xmlns:c="http://schemas.openxmlformats.org/drawingml/2006/chart" xmlns:dgm="http://schemas.openxmlformats.org/drawingml/2006/diagram" xmlns:o="urn:schemas-microsoft-com:office:office" xmlns:v="urn:schemas-microsoft-com:vml" xmlns:pvml="urn:schemas-microsoft-com:office:powerpoint" xmlns:com="http://schemas.openxmlformats.org/drawingml/2006/compatibility" xmlns:p14="http://schemas.microsoft.com/office/powerpoint/2010/main" xmlns:p15="http://schemas.microsoft.com/office/powerpoint/2012/main" showMasterPhAnim="0" showMasterSp="0">
+<p:notes xmlns:a="http://schemas.openxmlformats.org/drawingml/2006/main" xmlns:r="http://schemas.openxmlformats.org/officeDocument/2006/relationships" xmlns:p="http://schemas.openxmlformats.org/presentationml/2006/main" showMasterSp="0" showMasterPhAnim="0">
   <p:cSld>
     <p:spTree>
       <p:nvGrpSpPr>
-        <p:cNvPr id="80" name="Shape 80"/>
+        <p:cNvPr id="1" name="Shape 80"/>
         <p:cNvGrpSpPr/>
         <p:nvPr/>
       </p:nvGrpSpPr>
@@ -1816,9 +1887,11 @@
       <p:sp>
         <p:nvSpPr>
           <p:cNvPr id="81" name="Google Shape;81;g4323c5077e_0_132:notes"/>
-          <p:cNvSpPr/>
+          <p:cNvSpPr>
+            <a:spLocks noGrp="1" noRot="1" noChangeAspect="1"/>
+          </p:cNvSpPr>
           <p:nvPr>
-            <p:ph idx="2" type="sldImg"/>
+            <p:ph type="sldImg" idx="2"/>
           </p:nvPr>
         </p:nvSpPr>
         <p:spPr>
@@ -1827,9 +1900,13 @@
             <a:ext cx="6096000" cy="3429000"/>
           </a:xfrm>
           <a:custGeom>
-            <a:rect b="b" l="l" r="r" t="t"/>
+            <a:avLst/>
+            <a:gdLst/>
+            <a:ahLst/>
+            <a:cxnLst/>
+            <a:rect l="l" t="t" r="r" b="b"/>
             <a:pathLst>
-              <a:path extrusionOk="0" h="120000" w="120000">
+              <a:path w="120000" h="120000" extrusionOk="0">
                 <a:moveTo>
                   <a:pt x="0" y="0"/>
                 </a:moveTo>
@@ -1851,9 +1928,11 @@
       <p:sp>
         <p:nvSpPr>
           <p:cNvPr id="82" name="Google Shape;82;g4323c5077e_0_132:notes"/>
-          <p:cNvSpPr txBox="1"/>
+          <p:cNvSpPr txBox="1">
+            <a:spLocks noGrp="1"/>
+          </p:cNvSpPr>
           <p:nvPr>
-            <p:ph idx="1" type="body"/>
+            <p:ph type="body" idx="1"/>
           </p:nvPr>
         </p:nvSpPr>
         <p:spPr>
@@ -1866,23 +1945,20 @@
           </a:prstGeom>
         </p:spPr>
         <p:txBody>
-          <a:bodyPr anchorCtr="0" anchor="t" bIns="91425" lIns="91425" spcFirstLastPara="1" rIns="91425" wrap="square" tIns="91425">
+          <a:bodyPr spcFirstLastPara="1" wrap="square" lIns="91425" tIns="91425" rIns="91425" bIns="91425" anchor="t" anchorCtr="0">
             <a:noAutofit/>
           </a:bodyPr>
           <a:lstStyle/>
           <a:p>
-            <a:pPr indent="0" lvl="0" marL="0" rtl="0" algn="l">
-              <a:spcBef>
-                <a:spcPts val="0"/>
-              </a:spcBef>
-              <a:spcAft>
-                <a:spcPts val="0"/>
-              </a:spcAft>
-              <a:buNone/>
-            </a:pPr>
-            <a:r>
-              <a:t/>
-            </a:r>
+            <a:pPr marL="0" lvl="0" indent="0" algn="l" rtl="0">
+              <a:spcBef>
+                <a:spcPts val="0"/>
+              </a:spcBef>
+              <a:spcAft>
+                <a:spcPts val="0"/>
+              </a:spcAft>
+              <a:buNone/>
+            </a:pPr>
             <a:endParaRPr/>
           </a:p>
         </p:txBody>
@@ -1896,11 +1972,11 @@
 </file>
 
 <file path=ppt/notesSlides/notesSlide7.xml><?xml version="1.0" encoding="utf-8"?>
-<p:notes xmlns:a="http://schemas.openxmlformats.org/drawingml/2006/main" xmlns:r="http://schemas.openxmlformats.org/officeDocument/2006/relationships" xmlns:mc="http://schemas.openxmlformats.org/markup-compatibility/2006" xmlns:mv="urn:schemas-microsoft-com:mac:vml" xmlns:p="http://schemas.openxmlformats.org/presentationml/2006/main" xmlns:c="http://schemas.openxmlformats.org/drawingml/2006/chart" xmlns:dgm="http://schemas.openxmlformats.org/drawingml/2006/diagram" xmlns:o="urn:schemas-microsoft-com:office:office" xmlns:v="urn:schemas-microsoft-com:vml" xmlns:pvml="urn:schemas-microsoft-com:office:powerpoint" xmlns:com="http://schemas.openxmlformats.org/drawingml/2006/compatibility" xmlns:p14="http://schemas.microsoft.com/office/powerpoint/2010/main" xmlns:p15="http://schemas.microsoft.com/office/powerpoint/2012/main" showMasterPhAnim="0" showMasterSp="0">
+<p:notes xmlns:a="http://schemas.openxmlformats.org/drawingml/2006/main" xmlns:r="http://schemas.openxmlformats.org/officeDocument/2006/relationships" xmlns:p="http://schemas.openxmlformats.org/presentationml/2006/main" showMasterSp="0" showMasterPhAnim="0">
   <p:cSld>
     <p:spTree>
       <p:nvGrpSpPr>
-        <p:cNvPr id="86" name="Shape 86"/>
+        <p:cNvPr id="1" name="Shape 86"/>
         <p:cNvGrpSpPr/>
         <p:nvPr/>
       </p:nvGrpSpPr>
@@ -1915,9 +1991,11 @@
       <p:sp>
         <p:nvSpPr>
           <p:cNvPr id="87" name="Google Shape;87;g4323c5077e_0_142:notes"/>
-          <p:cNvSpPr/>
+          <p:cNvSpPr>
+            <a:spLocks noGrp="1" noRot="1" noChangeAspect="1"/>
+          </p:cNvSpPr>
           <p:nvPr>
-            <p:ph idx="2" type="sldImg"/>
+            <p:ph type="sldImg" idx="2"/>
           </p:nvPr>
         </p:nvSpPr>
         <p:spPr>
@@ -1926,9 +2004,13 @@
             <a:ext cx="6096000" cy="3429000"/>
           </a:xfrm>
           <a:custGeom>
-            <a:rect b="b" l="l" r="r" t="t"/>
+            <a:avLst/>
+            <a:gdLst/>
+            <a:ahLst/>
+            <a:cxnLst/>
+            <a:rect l="l" t="t" r="r" b="b"/>
             <a:pathLst>
-              <a:path extrusionOk="0" h="120000" w="120000">
+              <a:path w="120000" h="120000" extrusionOk="0">
                 <a:moveTo>
                   <a:pt x="0" y="0"/>
                 </a:moveTo>
@@ -1950,9 +2032,11 @@
       <p:sp>
         <p:nvSpPr>
           <p:cNvPr id="88" name="Google Shape;88;g4323c5077e_0_142:notes"/>
-          <p:cNvSpPr txBox="1"/>
+          <p:cNvSpPr txBox="1">
+            <a:spLocks noGrp="1"/>
+          </p:cNvSpPr>
           <p:nvPr>
-            <p:ph idx="1" type="body"/>
+            <p:ph type="body" idx="1"/>
           </p:nvPr>
         </p:nvSpPr>
         <p:spPr>
@@ -1965,23 +2049,20 @@
           </a:prstGeom>
         </p:spPr>
         <p:txBody>
-          <a:bodyPr anchorCtr="0" anchor="t" bIns="91425" lIns="91425" spcFirstLastPara="1" rIns="91425" wrap="square" tIns="91425">
+          <a:bodyPr spcFirstLastPara="1" wrap="square" lIns="91425" tIns="91425" rIns="91425" bIns="91425" anchor="t" anchorCtr="0">
             <a:noAutofit/>
           </a:bodyPr>
           <a:lstStyle/>
           <a:p>
-            <a:pPr indent="0" lvl="0" marL="0" rtl="0" algn="l">
-              <a:spcBef>
-                <a:spcPts val="0"/>
-              </a:spcBef>
-              <a:spcAft>
-                <a:spcPts val="0"/>
-              </a:spcAft>
-              <a:buNone/>
-            </a:pPr>
-            <a:r>
-              <a:t/>
-            </a:r>
+            <a:pPr marL="0" lvl="0" indent="0" algn="l" rtl="0">
+              <a:spcBef>
+                <a:spcPts val="0"/>
+              </a:spcBef>
+              <a:spcAft>
+                <a:spcPts val="0"/>
+              </a:spcAft>
+              <a:buNone/>
+            </a:pPr>
             <a:endParaRPr/>
           </a:p>
         </p:txBody>
@@ -1995,11 +2076,11 @@
 </file>
 
 <file path=ppt/notesSlides/notesSlide8.xml><?xml version="1.0" encoding="utf-8"?>
-<p:notes xmlns:a="http://schemas.openxmlformats.org/drawingml/2006/main" xmlns:r="http://schemas.openxmlformats.org/officeDocument/2006/relationships" xmlns:mc="http://schemas.openxmlformats.org/markup-compatibility/2006" xmlns:mv="urn:schemas-microsoft-com:mac:vml" xmlns:p="http://schemas.openxmlformats.org/presentationml/2006/main" xmlns:c="http://schemas.openxmlformats.org/drawingml/2006/chart" xmlns:dgm="http://schemas.openxmlformats.org/drawingml/2006/diagram" xmlns:o="urn:schemas-microsoft-com:office:office" xmlns:v="urn:schemas-microsoft-com:vml" xmlns:pvml="urn:schemas-microsoft-com:office:powerpoint" xmlns:com="http://schemas.openxmlformats.org/drawingml/2006/compatibility" xmlns:p14="http://schemas.microsoft.com/office/powerpoint/2010/main" xmlns:p15="http://schemas.microsoft.com/office/powerpoint/2012/main" showMasterPhAnim="0" showMasterSp="0">
+<p:notes xmlns:a="http://schemas.openxmlformats.org/drawingml/2006/main" xmlns:r="http://schemas.openxmlformats.org/officeDocument/2006/relationships" xmlns:p="http://schemas.openxmlformats.org/presentationml/2006/main" showMasterSp="0" showMasterPhAnim="0">
   <p:cSld>
     <p:spTree>
       <p:nvGrpSpPr>
-        <p:cNvPr id="92" name="Shape 92"/>
+        <p:cNvPr id="1" name="Shape 92"/>
         <p:cNvGrpSpPr/>
         <p:nvPr/>
       </p:nvGrpSpPr>
@@ -2014,9 +2095,11 @@
       <p:sp>
         <p:nvSpPr>
           <p:cNvPr id="93" name="Google Shape;93;g4323c5077e_0_161:notes"/>
-          <p:cNvSpPr/>
+          <p:cNvSpPr>
+            <a:spLocks noGrp="1" noRot="1" noChangeAspect="1"/>
+          </p:cNvSpPr>
           <p:nvPr>
-            <p:ph idx="2" type="sldImg"/>
+            <p:ph type="sldImg" idx="2"/>
           </p:nvPr>
         </p:nvSpPr>
         <p:spPr>
@@ -2025,9 +2108,13 @@
             <a:ext cx="6096000" cy="3429000"/>
           </a:xfrm>
           <a:custGeom>
-            <a:rect b="b" l="l" r="r" t="t"/>
+            <a:avLst/>
+            <a:gdLst/>
+            <a:ahLst/>
+            <a:cxnLst/>
+            <a:rect l="l" t="t" r="r" b="b"/>
             <a:pathLst>
-              <a:path extrusionOk="0" h="120000" w="120000">
+              <a:path w="120000" h="120000" extrusionOk="0">
                 <a:moveTo>
                   <a:pt x="0" y="0"/>
                 </a:moveTo>
@@ -2049,9 +2136,11 @@
       <p:sp>
         <p:nvSpPr>
           <p:cNvPr id="94" name="Google Shape;94;g4323c5077e_0_161:notes"/>
-          <p:cNvSpPr txBox="1"/>
+          <p:cNvSpPr txBox="1">
+            <a:spLocks noGrp="1"/>
+          </p:cNvSpPr>
           <p:nvPr>
-            <p:ph idx="1" type="body"/>
+            <p:ph type="body" idx="1"/>
           </p:nvPr>
         </p:nvSpPr>
         <p:spPr>
@@ -2064,23 +2153,20 @@
           </a:prstGeom>
         </p:spPr>
         <p:txBody>
-          <a:bodyPr anchorCtr="0" anchor="t" bIns="91425" lIns="91425" spcFirstLastPara="1" rIns="91425" wrap="square" tIns="91425">
+          <a:bodyPr spcFirstLastPara="1" wrap="square" lIns="91425" tIns="91425" rIns="91425" bIns="91425" anchor="t" anchorCtr="0">
             <a:noAutofit/>
           </a:bodyPr>
           <a:lstStyle/>
           <a:p>
-            <a:pPr indent="0" lvl="0" marL="0" rtl="0" algn="l">
-              <a:spcBef>
-                <a:spcPts val="0"/>
-              </a:spcBef>
-              <a:spcAft>
-                <a:spcPts val="0"/>
-              </a:spcAft>
-              <a:buNone/>
-            </a:pPr>
-            <a:r>
-              <a:t/>
-            </a:r>
+            <a:pPr marL="0" lvl="0" indent="0" algn="l" rtl="0">
+              <a:spcBef>
+                <a:spcPts val="0"/>
+              </a:spcBef>
+              <a:spcAft>
+                <a:spcPts val="0"/>
+              </a:spcAft>
+              <a:buNone/>
+            </a:pPr>
             <a:endParaRPr/>
           </a:p>
         </p:txBody>
@@ -2094,11 +2180,11 @@
 </file>
 
 <file path=ppt/notesSlides/notesSlide9.xml><?xml version="1.0" encoding="utf-8"?>
-<p:notes xmlns:a="http://schemas.openxmlformats.org/drawingml/2006/main" xmlns:r="http://schemas.openxmlformats.org/officeDocument/2006/relationships" xmlns:mc="http://schemas.openxmlformats.org/markup-compatibility/2006" xmlns:mv="urn:schemas-microsoft-com:mac:vml" xmlns:p="http://schemas.openxmlformats.org/presentationml/2006/main" xmlns:c="http://schemas.openxmlformats.org/drawingml/2006/chart" xmlns:dgm="http://schemas.openxmlformats.org/drawingml/2006/diagram" xmlns:o="urn:schemas-microsoft-com:office:office" xmlns:v="urn:schemas-microsoft-com:vml" xmlns:pvml="urn:schemas-microsoft-com:office:powerpoint" xmlns:com="http://schemas.openxmlformats.org/drawingml/2006/compatibility" xmlns:p14="http://schemas.microsoft.com/office/powerpoint/2010/main" xmlns:p15="http://schemas.microsoft.com/office/powerpoint/2012/main" showMasterPhAnim="0" showMasterSp="0">
+<p:notes xmlns:a="http://schemas.openxmlformats.org/drawingml/2006/main" xmlns:r="http://schemas.openxmlformats.org/officeDocument/2006/relationships" xmlns:p="http://schemas.openxmlformats.org/presentationml/2006/main" showMasterSp="0" showMasterPhAnim="0">
   <p:cSld>
     <p:spTree>
       <p:nvGrpSpPr>
-        <p:cNvPr id="98" name="Shape 98"/>
+        <p:cNvPr id="1" name="Shape 98"/>
         <p:cNvGrpSpPr/>
         <p:nvPr/>
       </p:nvGrpSpPr>
@@ -2113,9 +2199,11 @@
       <p:sp>
         <p:nvSpPr>
           <p:cNvPr id="99" name="Google Shape;99;g43a3fc9292_0_12:notes"/>
-          <p:cNvSpPr/>
+          <p:cNvSpPr>
+            <a:spLocks noGrp="1" noRot="1" noChangeAspect="1"/>
+          </p:cNvSpPr>
           <p:nvPr>
-            <p:ph idx="2" type="sldImg"/>
+            <p:ph type="sldImg" idx="2"/>
           </p:nvPr>
         </p:nvSpPr>
         <p:spPr>
@@ -2124,9 +2212,13 @@
             <a:ext cx="6096000" cy="3429000"/>
           </a:xfrm>
           <a:custGeom>
-            <a:rect b="b" l="l" r="r" t="t"/>
+            <a:avLst/>
+            <a:gdLst/>
+            <a:ahLst/>
+            <a:cxnLst/>
+            <a:rect l="l" t="t" r="r" b="b"/>
             <a:pathLst>
-              <a:path extrusionOk="0" h="120000" w="120000">
+              <a:path w="120000" h="120000" extrusionOk="0">
                 <a:moveTo>
                   <a:pt x="0" y="0"/>
                 </a:moveTo>
@@ -2148,9 +2240,11 @@
       <p:sp>
         <p:nvSpPr>
           <p:cNvPr id="100" name="Google Shape;100;g43a3fc9292_0_12:notes"/>
-          <p:cNvSpPr txBox="1"/>
+          <p:cNvSpPr txBox="1">
+            <a:spLocks noGrp="1"/>
+          </p:cNvSpPr>
           <p:nvPr>
-            <p:ph idx="1" type="body"/>
+            <p:ph type="body" idx="1"/>
           </p:nvPr>
         </p:nvSpPr>
         <p:spPr>
@@ -2163,23 +2257,20 @@
           </a:prstGeom>
         </p:spPr>
         <p:txBody>
-          <a:bodyPr anchorCtr="0" anchor="t" bIns="91425" lIns="91425" spcFirstLastPara="1" rIns="91425" wrap="square" tIns="91425">
+          <a:bodyPr spcFirstLastPara="1" wrap="square" lIns="91425" tIns="91425" rIns="91425" bIns="91425" anchor="t" anchorCtr="0">
             <a:noAutofit/>
           </a:bodyPr>
           <a:lstStyle/>
           <a:p>
-            <a:pPr indent="0" lvl="0" marL="0" rtl="0" algn="l">
-              <a:spcBef>
-                <a:spcPts val="0"/>
-              </a:spcBef>
-              <a:spcAft>
-                <a:spcPts val="0"/>
-              </a:spcAft>
-              <a:buNone/>
-            </a:pPr>
-            <a:r>
-              <a:t/>
-            </a:r>
+            <a:pPr marL="0" lvl="0" indent="0" algn="l" rtl="0">
+              <a:spcBef>
+                <a:spcPts val="0"/>
+              </a:spcBef>
+              <a:spcAft>
+                <a:spcPts val="0"/>
+              </a:spcAft>
+              <a:buNone/>
+            </a:pPr>
             <a:endParaRPr/>
           </a:p>
         </p:txBody>
@@ -2193,11 +2284,11 @@
 </file>
 
 <file path=ppt/slideLayouts/slideLayout1.xml><?xml version="1.0" encoding="utf-8"?>
-<p:sldLayout xmlns:a="http://schemas.openxmlformats.org/drawingml/2006/main" xmlns:r="http://schemas.openxmlformats.org/officeDocument/2006/relationships" xmlns:mc="http://schemas.openxmlformats.org/markup-compatibility/2006" xmlns:mv="urn:schemas-microsoft-com:mac:vml" xmlns:p="http://schemas.openxmlformats.org/presentationml/2006/main" xmlns:c="http://schemas.openxmlformats.org/drawingml/2006/chart" xmlns:dgm="http://schemas.openxmlformats.org/drawingml/2006/diagram" xmlns:o="urn:schemas-microsoft-com:office:office" xmlns:v="urn:schemas-microsoft-com:vml" xmlns:pvml="urn:schemas-microsoft-com:office:powerpoint" xmlns:com="http://schemas.openxmlformats.org/drawingml/2006/compatibility" xmlns:p14="http://schemas.microsoft.com/office/powerpoint/2010/main" xmlns:p15="http://schemas.microsoft.com/office/powerpoint/2012/main" matchingName="Title slide" type="title">
+<p:sldLayout xmlns:a="http://schemas.openxmlformats.org/drawingml/2006/main" xmlns:r="http://schemas.openxmlformats.org/officeDocument/2006/relationships" xmlns:p="http://schemas.openxmlformats.org/presentationml/2006/main" matchingName="Title slide" type="title">
   <p:cSld name="TITLE">
     <p:spTree>
       <p:nvGrpSpPr>
-        <p:cNvPr id="9" name="Shape 9"/>
+        <p:cNvPr id="1" name="Shape 9"/>
         <p:cNvGrpSpPr/>
         <p:nvPr/>
       </p:nvGrpSpPr>
@@ -2212,7 +2303,9 @@
       <p:sp>
         <p:nvSpPr>
           <p:cNvPr id="10" name="Google Shape;10;p2"/>
-          <p:cNvSpPr txBox="1"/>
+          <p:cNvSpPr txBox="1">
+            <a:spLocks noGrp="1"/>
+          </p:cNvSpPr>
           <p:nvPr>
             <p:ph type="ctrTitle"/>
           </p:nvPr>
@@ -2227,9 +2320,9 @@
           </a:prstGeom>
         </p:spPr>
         <p:txBody>
-          <a:bodyPr anchorCtr="0" anchor="b" bIns="91425" lIns="91425" spcFirstLastPara="1" rIns="91425" wrap="square" tIns="91425"/>
+          <a:bodyPr spcFirstLastPara="1" wrap="square" lIns="91425" tIns="91425" rIns="91425" bIns="91425" anchor="b" anchorCtr="0"/>
           <a:lstStyle>
-            <a:lvl1pPr lvl="0" rtl="0" algn="ctr">
+            <a:lvl1pPr lvl="0" algn="ctr" rtl="0">
               <a:spcBef>
                 <a:spcPts val="0"/>
               </a:spcBef>
@@ -2240,7 +2333,7 @@
               <a:buNone/>
               <a:defRPr sz="5200"/>
             </a:lvl1pPr>
-            <a:lvl2pPr lvl="1" rtl="0" algn="ctr">
+            <a:lvl2pPr lvl="1" algn="ctr" rtl="0">
               <a:spcBef>
                 <a:spcPts val="0"/>
               </a:spcBef>
@@ -2251,7 +2344,7 @@
               <a:buNone/>
               <a:defRPr sz="5200"/>
             </a:lvl2pPr>
-            <a:lvl3pPr lvl="2" rtl="0" algn="ctr">
+            <a:lvl3pPr lvl="2" algn="ctr" rtl="0">
               <a:spcBef>
                 <a:spcPts val="0"/>
               </a:spcBef>
@@ -2262,7 +2355,7 @@
               <a:buNone/>
               <a:defRPr sz="5200"/>
             </a:lvl3pPr>
-            <a:lvl4pPr lvl="3" rtl="0" algn="ctr">
+            <a:lvl4pPr lvl="3" algn="ctr" rtl="0">
               <a:spcBef>
                 <a:spcPts val="0"/>
               </a:spcBef>
@@ -2273,7 +2366,7 @@
               <a:buNone/>
               <a:defRPr sz="5200"/>
             </a:lvl4pPr>
-            <a:lvl5pPr lvl="4" rtl="0" algn="ctr">
+            <a:lvl5pPr lvl="4" algn="ctr" rtl="0">
               <a:spcBef>
                 <a:spcPts val="0"/>
               </a:spcBef>
@@ -2284,7 +2377,7 @@
               <a:buNone/>
               <a:defRPr sz="5200"/>
             </a:lvl5pPr>
-            <a:lvl6pPr lvl="5" rtl="0" algn="ctr">
+            <a:lvl6pPr lvl="5" algn="ctr" rtl="0">
               <a:spcBef>
                 <a:spcPts val="0"/>
               </a:spcBef>
@@ -2295,7 +2388,7 @@
               <a:buNone/>
               <a:defRPr sz="5200"/>
             </a:lvl6pPr>
-            <a:lvl7pPr lvl="6" rtl="0" algn="ctr">
+            <a:lvl7pPr lvl="6" algn="ctr" rtl="0">
               <a:spcBef>
                 <a:spcPts val="0"/>
               </a:spcBef>
@@ -2306,7 +2399,7 @@
               <a:buNone/>
               <a:defRPr sz="5200"/>
             </a:lvl7pPr>
-            <a:lvl8pPr lvl="7" rtl="0" algn="ctr">
+            <a:lvl8pPr lvl="7" algn="ctr" rtl="0">
               <a:spcBef>
                 <a:spcPts val="0"/>
               </a:spcBef>
@@ -2317,7 +2410,7 @@
               <a:buNone/>
               <a:defRPr sz="5200"/>
             </a:lvl8pPr>
-            <a:lvl9pPr lvl="8" rtl="0" algn="ctr">
+            <a:lvl9pPr lvl="8" algn="ctr" rtl="0">
               <a:spcBef>
                 <a:spcPts val="0"/>
               </a:spcBef>
@@ -2329,15 +2422,19 @@
               <a:defRPr sz="5200"/>
             </a:lvl9pPr>
           </a:lstStyle>
-          <a:p/>
+          <a:p>
+            <a:endParaRPr/>
+          </a:p>
         </p:txBody>
       </p:sp>
       <p:sp>
         <p:nvSpPr>
           <p:cNvPr id="11" name="Google Shape;11;p2"/>
-          <p:cNvSpPr txBox="1"/>
+          <p:cNvSpPr txBox="1">
+            <a:spLocks noGrp="1"/>
+          </p:cNvSpPr>
           <p:nvPr>
-            <p:ph idx="1" type="subTitle"/>
+            <p:ph type="subTitle" idx="1"/>
           </p:nvPr>
         </p:nvSpPr>
         <p:spPr>
@@ -2350,9 +2447,9 @@
           </a:prstGeom>
         </p:spPr>
         <p:txBody>
-          <a:bodyPr anchorCtr="0" anchor="t" bIns="91425" lIns="91425" spcFirstLastPara="1" rIns="91425" wrap="square" tIns="91425"/>
+          <a:bodyPr spcFirstLastPara="1" wrap="square" lIns="91425" tIns="91425" rIns="91425" bIns="91425" anchor="t" anchorCtr="0"/>
           <a:lstStyle>
-            <a:lvl1pPr lvl="0" rtl="0" algn="ctr">
+            <a:lvl1pPr lvl="0" algn="ctr" rtl="0">
               <a:lnSpc>
                 <a:spcPct val="100000"/>
               </a:lnSpc>
@@ -2366,7 +2463,7 @@
               <a:buNone/>
               <a:defRPr sz="2800"/>
             </a:lvl1pPr>
-            <a:lvl2pPr lvl="1" rtl="0" algn="ctr">
+            <a:lvl2pPr lvl="1" algn="ctr" rtl="0">
               <a:lnSpc>
                 <a:spcPct val="100000"/>
               </a:lnSpc>
@@ -2380,7 +2477,7 @@
               <a:buNone/>
               <a:defRPr sz="2800"/>
             </a:lvl2pPr>
-            <a:lvl3pPr lvl="2" rtl="0" algn="ctr">
+            <a:lvl3pPr lvl="2" algn="ctr" rtl="0">
               <a:lnSpc>
                 <a:spcPct val="100000"/>
               </a:lnSpc>
@@ -2394,7 +2491,7 @@
               <a:buNone/>
               <a:defRPr sz="2800"/>
             </a:lvl3pPr>
-            <a:lvl4pPr lvl="3" rtl="0" algn="ctr">
+            <a:lvl4pPr lvl="3" algn="ctr" rtl="0">
               <a:lnSpc>
                 <a:spcPct val="100000"/>
               </a:lnSpc>
@@ -2408,7 +2505,7 @@
               <a:buNone/>
               <a:defRPr sz="2800"/>
             </a:lvl4pPr>
-            <a:lvl5pPr lvl="4" rtl="0" algn="ctr">
+            <a:lvl5pPr lvl="4" algn="ctr" rtl="0">
               <a:lnSpc>
                 <a:spcPct val="100000"/>
               </a:lnSpc>
@@ -2422,7 +2519,7 @@
               <a:buNone/>
               <a:defRPr sz="2800"/>
             </a:lvl5pPr>
-            <a:lvl6pPr lvl="5" rtl="0" algn="ctr">
+            <a:lvl6pPr lvl="5" algn="ctr" rtl="0">
               <a:lnSpc>
                 <a:spcPct val="100000"/>
               </a:lnSpc>
@@ -2436,7 +2533,7 @@
               <a:buNone/>
               <a:defRPr sz="2800"/>
             </a:lvl6pPr>
-            <a:lvl7pPr lvl="6" rtl="0" algn="ctr">
+            <a:lvl7pPr lvl="6" algn="ctr" rtl="0">
               <a:lnSpc>
                 <a:spcPct val="100000"/>
               </a:lnSpc>
@@ -2450,7 +2547,7 @@
               <a:buNone/>
               <a:defRPr sz="2800"/>
             </a:lvl7pPr>
-            <a:lvl8pPr lvl="7" rtl="0" algn="ctr">
+            <a:lvl8pPr lvl="7" algn="ctr" rtl="0">
               <a:lnSpc>
                 <a:spcPct val="100000"/>
               </a:lnSpc>
@@ -2464,7 +2561,7 @@
               <a:buNone/>
               <a:defRPr sz="2800"/>
             </a:lvl8pPr>
-            <a:lvl9pPr lvl="8" rtl="0" algn="ctr">
+            <a:lvl9pPr lvl="8" algn="ctr" rtl="0">
               <a:lnSpc>
                 <a:spcPct val="100000"/>
               </a:lnSpc>
@@ -2479,15 +2576,19 @@
               <a:defRPr sz="2800"/>
             </a:lvl9pPr>
           </a:lstStyle>
-          <a:p/>
+          <a:p>
+            <a:endParaRPr/>
+          </a:p>
         </p:txBody>
       </p:sp>
       <p:sp>
         <p:nvSpPr>
           <p:cNvPr id="12" name="Google Shape;12;p2"/>
-          <p:cNvSpPr txBox="1"/>
+          <p:cNvSpPr txBox="1">
+            <a:spLocks noGrp="1"/>
+          </p:cNvSpPr>
           <p:nvPr>
-            <p:ph idx="12" type="sldNum"/>
+            <p:ph type="sldNum" idx="12"/>
           </p:nvPr>
         </p:nvSpPr>
         <p:spPr>
@@ -2500,7 +2601,7 @@
           </a:prstGeom>
         </p:spPr>
         <p:txBody>
-          <a:bodyPr anchorCtr="0" anchor="ctr" bIns="91425" lIns="91425" spcFirstLastPara="1" rIns="91425" wrap="square" tIns="91425">
+          <a:bodyPr spcFirstLastPara="1" wrap="square" lIns="91425" tIns="91425" rIns="91425" bIns="91425" anchor="ctr" anchorCtr="0">
             <a:noAutofit/>
           </a:bodyPr>
           <a:lstStyle>
@@ -2542,7 +2643,7 @@
             </a:lvl9pPr>
           </a:lstStyle>
           <a:p>
-            <a:pPr indent="0" lvl="0" marL="0" rtl="0" algn="r">
+            <a:pPr marL="0" lvl="0" indent="0" algn="r" rtl="0">
               <a:spcBef>
                 <a:spcPts val="0"/>
               </a:spcBef>
@@ -2568,11 +2669,11 @@
 </file>
 
 <file path=ppt/slideLayouts/slideLayout10.xml><?xml version="1.0" encoding="utf-8"?>
-<p:sldLayout xmlns:a="http://schemas.openxmlformats.org/drawingml/2006/main" xmlns:r="http://schemas.openxmlformats.org/officeDocument/2006/relationships" xmlns:mc="http://schemas.openxmlformats.org/markup-compatibility/2006" xmlns:mv="urn:schemas-microsoft-com:mac:vml" xmlns:p="http://schemas.openxmlformats.org/presentationml/2006/main" xmlns:c="http://schemas.openxmlformats.org/drawingml/2006/chart" xmlns:dgm="http://schemas.openxmlformats.org/drawingml/2006/diagram" xmlns:o="urn:schemas-microsoft-com:office:office" xmlns:v="urn:schemas-microsoft-com:vml" xmlns:pvml="urn:schemas-microsoft-com:office:powerpoint" xmlns:com="http://schemas.openxmlformats.org/drawingml/2006/compatibility" xmlns:p14="http://schemas.microsoft.com/office/powerpoint/2010/main" xmlns:p15="http://schemas.microsoft.com/office/powerpoint/2012/main" matchingName="Big number">
+<p:sldLayout xmlns:a="http://schemas.openxmlformats.org/drawingml/2006/main" xmlns:r="http://schemas.openxmlformats.org/officeDocument/2006/relationships" xmlns:p="http://schemas.openxmlformats.org/presentationml/2006/main" matchingName="Big number">
   <p:cSld name="BIG_NUMBER">
     <p:spTree>
       <p:nvGrpSpPr>
-        <p:cNvPr id="44" name="Shape 44"/>
+        <p:cNvPr id="1" name="Shape 44"/>
         <p:cNvGrpSpPr/>
         <p:nvPr/>
       </p:nvGrpSpPr>
@@ -2587,9 +2688,11 @@
       <p:sp>
         <p:nvSpPr>
           <p:cNvPr id="45" name="Google Shape;45;p11"/>
-          <p:cNvSpPr txBox="1"/>
+          <p:cNvSpPr txBox="1">
+            <a:spLocks noGrp="1"/>
+          </p:cNvSpPr>
           <p:nvPr>
-            <p:ph hasCustomPrompt="1" type="title"/>
+            <p:ph type="title" hasCustomPrompt="1"/>
           </p:nvPr>
         </p:nvSpPr>
         <p:spPr>
@@ -2602,9 +2705,9 @@
           </a:prstGeom>
         </p:spPr>
         <p:txBody>
-          <a:bodyPr anchorCtr="0" anchor="b" bIns="91425" lIns="91425" spcFirstLastPara="1" rIns="91425" wrap="square" tIns="91425"/>
+          <a:bodyPr spcFirstLastPara="1" wrap="square" lIns="91425" tIns="91425" rIns="91425" bIns="91425" anchor="b" anchorCtr="0"/>
           <a:lstStyle>
-            <a:lvl1pPr lvl="0" rtl="0" algn="ctr">
+            <a:lvl1pPr lvl="0" algn="ctr" rtl="0">
               <a:spcBef>
                 <a:spcPts val="0"/>
               </a:spcBef>
@@ -2615,7 +2718,7 @@
               <a:buNone/>
               <a:defRPr sz="12000"/>
             </a:lvl1pPr>
-            <a:lvl2pPr lvl="1" rtl="0" algn="ctr">
+            <a:lvl2pPr lvl="1" algn="ctr" rtl="0">
               <a:spcBef>
                 <a:spcPts val="0"/>
               </a:spcBef>
@@ -2626,7 +2729,7 @@
               <a:buNone/>
               <a:defRPr sz="12000"/>
             </a:lvl2pPr>
-            <a:lvl3pPr lvl="2" rtl="0" algn="ctr">
+            <a:lvl3pPr lvl="2" algn="ctr" rtl="0">
               <a:spcBef>
                 <a:spcPts val="0"/>
               </a:spcBef>
@@ -2637,7 +2740,7 @@
               <a:buNone/>
               <a:defRPr sz="12000"/>
             </a:lvl3pPr>
-            <a:lvl4pPr lvl="3" rtl="0" algn="ctr">
+            <a:lvl4pPr lvl="3" algn="ctr" rtl="0">
               <a:spcBef>
                 <a:spcPts val="0"/>
               </a:spcBef>
@@ -2648,7 +2751,7 @@
               <a:buNone/>
               <a:defRPr sz="12000"/>
             </a:lvl4pPr>
-            <a:lvl5pPr lvl="4" rtl="0" algn="ctr">
+            <a:lvl5pPr lvl="4" algn="ctr" rtl="0">
               <a:spcBef>
                 <a:spcPts val="0"/>
               </a:spcBef>
@@ -2659,7 +2762,7 @@
               <a:buNone/>
               <a:defRPr sz="12000"/>
             </a:lvl5pPr>
-            <a:lvl6pPr lvl="5" rtl="0" algn="ctr">
+            <a:lvl6pPr lvl="5" algn="ctr" rtl="0">
               <a:spcBef>
                 <a:spcPts val="0"/>
               </a:spcBef>
@@ -2670,7 +2773,7 @@
               <a:buNone/>
               <a:defRPr sz="12000"/>
             </a:lvl6pPr>
-            <a:lvl7pPr lvl="6" rtl="0" algn="ctr">
+            <a:lvl7pPr lvl="6" algn="ctr" rtl="0">
               <a:spcBef>
                 <a:spcPts val="0"/>
               </a:spcBef>
@@ -2681,7 +2784,7 @@
               <a:buNone/>
               <a:defRPr sz="12000"/>
             </a:lvl7pPr>
-            <a:lvl8pPr lvl="7" rtl="0" algn="ctr">
+            <a:lvl8pPr lvl="7" algn="ctr" rtl="0">
               <a:spcBef>
                 <a:spcPts val="0"/>
               </a:spcBef>
@@ -2692,7 +2795,7 @@
               <a:buNone/>
               <a:defRPr sz="12000"/>
             </a:lvl8pPr>
-            <a:lvl9pPr lvl="8" rtl="0" algn="ctr">
+            <a:lvl9pPr lvl="8" algn="ctr" rtl="0">
               <a:spcBef>
                 <a:spcPts val="0"/>
               </a:spcBef>
@@ -2714,9 +2817,11 @@
       <p:sp>
         <p:nvSpPr>
           <p:cNvPr id="46" name="Google Shape;46;p11"/>
-          <p:cNvSpPr txBox="1"/>
+          <p:cNvSpPr txBox="1">
+            <a:spLocks noGrp="1"/>
+          </p:cNvSpPr>
           <p:nvPr>
-            <p:ph idx="1" type="body"/>
+            <p:ph type="body" idx="1"/>
           </p:nvPr>
         </p:nvSpPr>
         <p:spPr>
@@ -2729,9 +2834,9 @@
           </a:prstGeom>
         </p:spPr>
         <p:txBody>
-          <a:bodyPr anchorCtr="0" anchor="t" bIns="91425" lIns="91425" spcFirstLastPara="1" rIns="91425" wrap="square" tIns="91425"/>
+          <a:bodyPr spcFirstLastPara="1" wrap="square" lIns="91425" tIns="91425" rIns="91425" bIns="91425" anchor="t" anchorCtr="0"/>
           <a:lstStyle>
-            <a:lvl1pPr indent="-342900" lvl="0" marL="457200" rtl="0" algn="ctr">
+            <a:lvl1pPr marL="457200" lvl="0" indent="-342900" algn="ctr" rtl="0">
               <a:spcBef>
                 <a:spcPts val="0"/>
               </a:spcBef>
@@ -2742,7 +2847,7 @@
               <a:buChar char="●"/>
               <a:defRPr/>
             </a:lvl1pPr>
-            <a:lvl2pPr indent="-317500" lvl="1" marL="914400" rtl="0" algn="ctr">
+            <a:lvl2pPr marL="914400" lvl="1" indent="-317500" algn="ctr" rtl="0">
               <a:spcBef>
                 <a:spcPts val="1600"/>
               </a:spcBef>
@@ -2753,7 +2858,7 @@
               <a:buChar char="○"/>
               <a:defRPr/>
             </a:lvl2pPr>
-            <a:lvl3pPr indent="-317500" lvl="2" marL="1371600" rtl="0" algn="ctr">
+            <a:lvl3pPr marL="1371600" lvl="2" indent="-317500" algn="ctr" rtl="0">
               <a:spcBef>
                 <a:spcPts val="1600"/>
               </a:spcBef>
@@ -2764,7 +2869,7 @@
               <a:buChar char="■"/>
               <a:defRPr/>
             </a:lvl3pPr>
-            <a:lvl4pPr indent="-317500" lvl="3" marL="1828800" rtl="0" algn="ctr">
+            <a:lvl4pPr marL="1828800" lvl="3" indent="-317500" algn="ctr" rtl="0">
               <a:spcBef>
                 <a:spcPts val="1600"/>
               </a:spcBef>
@@ -2775,7 +2880,7 @@
               <a:buChar char="●"/>
               <a:defRPr/>
             </a:lvl4pPr>
-            <a:lvl5pPr indent="-317500" lvl="4" marL="2286000" rtl="0" algn="ctr">
+            <a:lvl5pPr marL="2286000" lvl="4" indent="-317500" algn="ctr" rtl="0">
               <a:spcBef>
                 <a:spcPts val="1600"/>
               </a:spcBef>
@@ -2786,7 +2891,7 @@
               <a:buChar char="○"/>
               <a:defRPr/>
             </a:lvl5pPr>
-            <a:lvl6pPr indent="-317500" lvl="5" marL="2743200" rtl="0" algn="ctr">
+            <a:lvl6pPr marL="2743200" lvl="5" indent="-317500" algn="ctr" rtl="0">
               <a:spcBef>
                 <a:spcPts val="1600"/>
               </a:spcBef>
@@ -2797,7 +2902,7 @@
               <a:buChar char="■"/>
               <a:defRPr/>
             </a:lvl6pPr>
-            <a:lvl7pPr indent="-317500" lvl="6" marL="3200400" rtl="0" algn="ctr">
+            <a:lvl7pPr marL="3200400" lvl="6" indent="-317500" algn="ctr" rtl="0">
               <a:spcBef>
                 <a:spcPts val="1600"/>
               </a:spcBef>
@@ -2808,7 +2913,7 @@
               <a:buChar char="●"/>
               <a:defRPr/>
             </a:lvl7pPr>
-            <a:lvl8pPr indent="-317500" lvl="7" marL="3657600" rtl="0" algn="ctr">
+            <a:lvl8pPr marL="3657600" lvl="7" indent="-317500" algn="ctr" rtl="0">
               <a:spcBef>
                 <a:spcPts val="1600"/>
               </a:spcBef>
@@ -2819,7 +2924,7 @@
               <a:buChar char="○"/>
               <a:defRPr/>
             </a:lvl8pPr>
-            <a:lvl9pPr indent="-317500" lvl="8" marL="4114800" rtl="0" algn="ctr">
+            <a:lvl9pPr marL="4114800" lvl="8" indent="-317500" algn="ctr" rtl="0">
               <a:spcBef>
                 <a:spcPts val="1600"/>
               </a:spcBef>
@@ -2831,15 +2936,19 @@
               <a:defRPr/>
             </a:lvl9pPr>
           </a:lstStyle>
-          <a:p/>
+          <a:p>
+            <a:endParaRPr/>
+          </a:p>
         </p:txBody>
       </p:sp>
       <p:sp>
         <p:nvSpPr>
           <p:cNvPr id="47" name="Google Shape;47;p11"/>
-          <p:cNvSpPr txBox="1"/>
+          <p:cNvSpPr txBox="1">
+            <a:spLocks noGrp="1"/>
+          </p:cNvSpPr>
           <p:nvPr>
-            <p:ph idx="12" type="sldNum"/>
+            <p:ph type="sldNum" idx="12"/>
           </p:nvPr>
         </p:nvSpPr>
         <p:spPr>
@@ -2852,7 +2961,7 @@
           </a:prstGeom>
         </p:spPr>
         <p:txBody>
-          <a:bodyPr anchorCtr="0" anchor="ctr" bIns="91425" lIns="91425" spcFirstLastPara="1" rIns="91425" wrap="square" tIns="91425">
+          <a:bodyPr spcFirstLastPara="1" wrap="square" lIns="91425" tIns="91425" rIns="91425" bIns="91425" anchor="ctr" anchorCtr="0">
             <a:noAutofit/>
           </a:bodyPr>
           <a:lstStyle>
@@ -2894,7 +3003,7 @@
             </a:lvl9pPr>
           </a:lstStyle>
           <a:p>
-            <a:pPr indent="0" lvl="0" marL="0" rtl="0" algn="r">
+            <a:pPr marL="0" lvl="0" indent="0" algn="r" rtl="0">
               <a:spcBef>
                 <a:spcPts val="0"/>
               </a:spcBef>
@@ -2920,11 +3029,11 @@
 </file>
 
 <file path=ppt/slideLayouts/slideLayout11.xml><?xml version="1.0" encoding="utf-8"?>
-<p:sldLayout xmlns:a="http://schemas.openxmlformats.org/drawingml/2006/main" xmlns:r="http://schemas.openxmlformats.org/officeDocument/2006/relationships" xmlns:mc="http://schemas.openxmlformats.org/markup-compatibility/2006" xmlns:mv="urn:schemas-microsoft-com:mac:vml" xmlns:p="http://schemas.openxmlformats.org/presentationml/2006/main" xmlns:c="http://schemas.openxmlformats.org/drawingml/2006/chart" xmlns:dgm="http://schemas.openxmlformats.org/drawingml/2006/diagram" xmlns:o="urn:schemas-microsoft-com:office:office" xmlns:v="urn:schemas-microsoft-com:vml" xmlns:pvml="urn:schemas-microsoft-com:office:powerpoint" xmlns:com="http://schemas.openxmlformats.org/drawingml/2006/compatibility" xmlns:p14="http://schemas.microsoft.com/office/powerpoint/2010/main" xmlns:p15="http://schemas.microsoft.com/office/powerpoint/2012/main" matchingName="Blank" type="blank">
+<p:sldLayout xmlns:a="http://schemas.openxmlformats.org/drawingml/2006/main" xmlns:r="http://schemas.openxmlformats.org/officeDocument/2006/relationships" xmlns:p="http://schemas.openxmlformats.org/presentationml/2006/main" matchingName="Blank" type="blank">
   <p:cSld name="BLANK">
     <p:spTree>
       <p:nvGrpSpPr>
-        <p:cNvPr id="48" name="Shape 48"/>
+        <p:cNvPr id="1" name="Shape 48"/>
         <p:cNvGrpSpPr/>
         <p:nvPr/>
       </p:nvGrpSpPr>
@@ -2939,9 +3048,11 @@
       <p:sp>
         <p:nvSpPr>
           <p:cNvPr id="49" name="Google Shape;49;p12"/>
-          <p:cNvSpPr txBox="1"/>
+          <p:cNvSpPr txBox="1">
+            <a:spLocks noGrp="1"/>
+          </p:cNvSpPr>
           <p:nvPr>
-            <p:ph idx="12" type="sldNum"/>
+            <p:ph type="sldNum" idx="12"/>
           </p:nvPr>
         </p:nvSpPr>
         <p:spPr>
@@ -2954,7 +3065,7 @@
           </a:prstGeom>
         </p:spPr>
         <p:txBody>
-          <a:bodyPr anchorCtr="0" anchor="ctr" bIns="91425" lIns="91425" spcFirstLastPara="1" rIns="91425" wrap="square" tIns="91425">
+          <a:bodyPr spcFirstLastPara="1" wrap="square" lIns="91425" tIns="91425" rIns="91425" bIns="91425" anchor="ctr" anchorCtr="0">
             <a:noAutofit/>
           </a:bodyPr>
           <a:lstStyle>
@@ -2996,7 +3107,7 @@
             </a:lvl9pPr>
           </a:lstStyle>
           <a:p>
-            <a:pPr indent="0" lvl="0" marL="0" rtl="0" algn="r">
+            <a:pPr marL="0" lvl="0" indent="0" algn="r" rtl="0">
               <a:spcBef>
                 <a:spcPts val="0"/>
               </a:spcBef>
@@ -3022,11 +3133,11 @@
 </file>
 
 <file path=ppt/slideLayouts/slideLayout2.xml><?xml version="1.0" encoding="utf-8"?>
-<p:sldLayout xmlns:a="http://schemas.openxmlformats.org/drawingml/2006/main" xmlns:r="http://schemas.openxmlformats.org/officeDocument/2006/relationships" xmlns:mc="http://schemas.openxmlformats.org/markup-compatibility/2006" xmlns:mv="urn:schemas-microsoft-com:mac:vml" xmlns:p="http://schemas.openxmlformats.org/presentationml/2006/main" xmlns:c="http://schemas.openxmlformats.org/drawingml/2006/chart" xmlns:dgm="http://schemas.openxmlformats.org/drawingml/2006/diagram" xmlns:o="urn:schemas-microsoft-com:office:office" xmlns:v="urn:schemas-microsoft-com:vml" xmlns:pvml="urn:schemas-microsoft-com:office:powerpoint" xmlns:com="http://schemas.openxmlformats.org/drawingml/2006/compatibility" xmlns:p14="http://schemas.microsoft.com/office/powerpoint/2010/main" xmlns:p15="http://schemas.microsoft.com/office/powerpoint/2012/main" matchingName="Section header" type="secHead">
+<p:sldLayout xmlns:a="http://schemas.openxmlformats.org/drawingml/2006/main" xmlns:r="http://schemas.openxmlformats.org/officeDocument/2006/relationships" xmlns:p="http://schemas.openxmlformats.org/presentationml/2006/main" matchingName="Section header" type="secHead">
   <p:cSld name="SECTION_HEADER">
     <p:spTree>
       <p:nvGrpSpPr>
-        <p:cNvPr id="13" name="Shape 13"/>
+        <p:cNvPr id="1" name="Shape 13"/>
         <p:cNvGrpSpPr/>
         <p:nvPr/>
       </p:nvGrpSpPr>
@@ -3041,7 +3152,9 @@
       <p:sp>
         <p:nvSpPr>
           <p:cNvPr id="14" name="Google Shape;14;p3"/>
-          <p:cNvSpPr txBox="1"/>
+          <p:cNvSpPr txBox="1">
+            <a:spLocks noGrp="1"/>
+          </p:cNvSpPr>
           <p:nvPr>
             <p:ph type="title"/>
           </p:nvPr>
@@ -3056,9 +3169,9 @@
           </a:prstGeom>
         </p:spPr>
         <p:txBody>
-          <a:bodyPr anchorCtr="0" anchor="ctr" bIns="91425" lIns="91425" spcFirstLastPara="1" rIns="91425" wrap="square" tIns="91425"/>
+          <a:bodyPr spcFirstLastPara="1" wrap="square" lIns="91425" tIns="91425" rIns="91425" bIns="91425" anchor="ctr" anchorCtr="0"/>
           <a:lstStyle>
-            <a:lvl1pPr lvl="0" rtl="0" algn="ctr">
+            <a:lvl1pPr lvl="0" algn="ctr" rtl="0">
               <a:spcBef>
                 <a:spcPts val="0"/>
               </a:spcBef>
@@ -3069,7 +3182,7 @@
               <a:buNone/>
               <a:defRPr sz="3600"/>
             </a:lvl1pPr>
-            <a:lvl2pPr lvl="1" rtl="0" algn="ctr">
+            <a:lvl2pPr lvl="1" algn="ctr" rtl="0">
               <a:spcBef>
                 <a:spcPts val="0"/>
               </a:spcBef>
@@ -3080,7 +3193,7 @@
               <a:buNone/>
               <a:defRPr sz="3600"/>
             </a:lvl2pPr>
-            <a:lvl3pPr lvl="2" rtl="0" algn="ctr">
+            <a:lvl3pPr lvl="2" algn="ctr" rtl="0">
               <a:spcBef>
                 <a:spcPts val="0"/>
               </a:spcBef>
@@ -3091,7 +3204,7 @@
               <a:buNone/>
               <a:defRPr sz="3600"/>
             </a:lvl3pPr>
-            <a:lvl4pPr lvl="3" rtl="0" algn="ctr">
+            <a:lvl4pPr lvl="3" algn="ctr" rtl="0">
               <a:spcBef>
                 <a:spcPts val="0"/>
               </a:spcBef>
@@ -3102,7 +3215,7 @@
               <a:buNone/>
               <a:defRPr sz="3600"/>
             </a:lvl4pPr>
-            <a:lvl5pPr lvl="4" rtl="0" algn="ctr">
+            <a:lvl5pPr lvl="4" algn="ctr" rtl="0">
               <a:spcBef>
                 <a:spcPts val="0"/>
               </a:spcBef>
@@ -3113,7 +3226,7 @@
               <a:buNone/>
               <a:defRPr sz="3600"/>
             </a:lvl5pPr>
-            <a:lvl6pPr lvl="5" rtl="0" algn="ctr">
+            <a:lvl6pPr lvl="5" algn="ctr" rtl="0">
               <a:spcBef>
                 <a:spcPts val="0"/>
               </a:spcBef>
@@ -3124,7 +3237,7 @@
               <a:buNone/>
               <a:defRPr sz="3600"/>
             </a:lvl6pPr>
-            <a:lvl7pPr lvl="6" rtl="0" algn="ctr">
+            <a:lvl7pPr lvl="6" algn="ctr" rtl="0">
               <a:spcBef>
                 <a:spcPts val="0"/>
               </a:spcBef>
@@ -3135,7 +3248,7 @@
               <a:buNone/>
               <a:defRPr sz="3600"/>
             </a:lvl7pPr>
-            <a:lvl8pPr lvl="7" rtl="0" algn="ctr">
+            <a:lvl8pPr lvl="7" algn="ctr" rtl="0">
               <a:spcBef>
                 <a:spcPts val="0"/>
               </a:spcBef>
@@ -3146,7 +3259,7 @@
               <a:buNone/>
               <a:defRPr sz="3600"/>
             </a:lvl8pPr>
-            <a:lvl9pPr lvl="8" rtl="0" algn="ctr">
+            <a:lvl9pPr lvl="8" algn="ctr" rtl="0">
               <a:spcBef>
                 <a:spcPts val="0"/>
               </a:spcBef>
@@ -3158,15 +3271,19 @@
               <a:defRPr sz="3600"/>
             </a:lvl9pPr>
           </a:lstStyle>
-          <a:p/>
+          <a:p>
+            <a:endParaRPr/>
+          </a:p>
         </p:txBody>
       </p:sp>
       <p:sp>
         <p:nvSpPr>
           <p:cNvPr id="15" name="Google Shape;15;p3"/>
-          <p:cNvSpPr txBox="1"/>
+          <p:cNvSpPr txBox="1">
+            <a:spLocks noGrp="1"/>
+          </p:cNvSpPr>
           <p:nvPr>
-            <p:ph idx="12" type="sldNum"/>
+            <p:ph type="sldNum" idx="12"/>
           </p:nvPr>
         </p:nvSpPr>
         <p:spPr>
@@ -3179,7 +3296,7 @@
           </a:prstGeom>
         </p:spPr>
         <p:txBody>
-          <a:bodyPr anchorCtr="0" anchor="ctr" bIns="91425" lIns="91425" spcFirstLastPara="1" rIns="91425" wrap="square" tIns="91425">
+          <a:bodyPr spcFirstLastPara="1" wrap="square" lIns="91425" tIns="91425" rIns="91425" bIns="91425" anchor="ctr" anchorCtr="0">
             <a:noAutofit/>
           </a:bodyPr>
           <a:lstStyle>
@@ -3221,7 +3338,7 @@
             </a:lvl9pPr>
           </a:lstStyle>
           <a:p>
-            <a:pPr indent="0" lvl="0" marL="0" rtl="0" algn="r">
+            <a:pPr marL="0" lvl="0" indent="0" algn="r" rtl="0">
               <a:spcBef>
                 <a:spcPts val="0"/>
               </a:spcBef>
@@ -3247,11 +3364,11 @@
 </file>
 
 <file path=ppt/slideLayouts/slideLayout3.xml><?xml version="1.0" encoding="utf-8"?>
-<p:sldLayout xmlns:a="http://schemas.openxmlformats.org/drawingml/2006/main" xmlns:r="http://schemas.openxmlformats.org/officeDocument/2006/relationships" xmlns:mc="http://schemas.openxmlformats.org/markup-compatibility/2006" xmlns:mv="urn:schemas-microsoft-com:mac:vml" xmlns:p="http://schemas.openxmlformats.org/presentationml/2006/main" xmlns:c="http://schemas.openxmlformats.org/drawingml/2006/chart" xmlns:dgm="http://schemas.openxmlformats.org/drawingml/2006/diagram" xmlns:o="urn:schemas-microsoft-com:office:office" xmlns:v="urn:schemas-microsoft-com:vml" xmlns:pvml="urn:schemas-microsoft-com:office:powerpoint" xmlns:com="http://schemas.openxmlformats.org/drawingml/2006/compatibility" xmlns:p14="http://schemas.microsoft.com/office/powerpoint/2010/main" xmlns:p15="http://schemas.microsoft.com/office/powerpoint/2012/main" matchingName="Title and body" type="tx">
+<p:sldLayout xmlns:a="http://schemas.openxmlformats.org/drawingml/2006/main" xmlns:r="http://schemas.openxmlformats.org/officeDocument/2006/relationships" xmlns:p="http://schemas.openxmlformats.org/presentationml/2006/main" matchingName="Title and body" type="tx">
   <p:cSld name="TITLE_AND_BODY">
     <p:spTree>
       <p:nvGrpSpPr>
-        <p:cNvPr id="16" name="Shape 16"/>
+        <p:cNvPr id="1" name="Shape 16"/>
         <p:cNvGrpSpPr/>
         <p:nvPr/>
       </p:nvGrpSpPr>
@@ -3266,7 +3383,9 @@
       <p:sp>
         <p:nvSpPr>
           <p:cNvPr id="17" name="Google Shape;17;p4"/>
-          <p:cNvSpPr txBox="1"/>
+          <p:cNvSpPr txBox="1">
+            <a:spLocks noGrp="1"/>
+          </p:cNvSpPr>
           <p:nvPr>
             <p:ph type="title"/>
           </p:nvPr>
@@ -3281,7 +3400,7 @@
           </a:prstGeom>
         </p:spPr>
         <p:txBody>
-          <a:bodyPr anchorCtr="0" anchor="t" bIns="91425" lIns="91425" spcFirstLastPara="1" rIns="91425" wrap="square" tIns="91425"/>
+          <a:bodyPr spcFirstLastPara="1" wrap="square" lIns="91425" tIns="91425" rIns="91425" bIns="91425" anchor="t" anchorCtr="0"/>
           <a:lstStyle>
             <a:lvl1pPr lvl="0" rtl="0">
               <a:spcBef>
@@ -3383,15 +3502,19 @@
               <a:defRPr/>
             </a:lvl9pPr>
           </a:lstStyle>
-          <a:p/>
+          <a:p>
+            <a:endParaRPr/>
+          </a:p>
         </p:txBody>
       </p:sp>
       <p:sp>
         <p:nvSpPr>
           <p:cNvPr id="18" name="Google Shape;18;p4"/>
-          <p:cNvSpPr txBox="1"/>
+          <p:cNvSpPr txBox="1">
+            <a:spLocks noGrp="1"/>
+          </p:cNvSpPr>
           <p:nvPr>
-            <p:ph idx="1" type="body"/>
+            <p:ph type="body" idx="1"/>
           </p:nvPr>
         </p:nvSpPr>
         <p:spPr>
@@ -3404,9 +3527,9 @@
           </a:prstGeom>
         </p:spPr>
         <p:txBody>
-          <a:bodyPr anchorCtr="0" anchor="t" bIns="91425" lIns="91425" spcFirstLastPara="1" rIns="91425" wrap="square" tIns="91425"/>
+          <a:bodyPr spcFirstLastPara="1" wrap="square" lIns="91425" tIns="91425" rIns="91425" bIns="91425" anchor="t" anchorCtr="0"/>
           <a:lstStyle>
-            <a:lvl1pPr indent="-342900" lvl="0" marL="457200" rtl="0">
+            <a:lvl1pPr marL="457200" lvl="0" indent="-342900" rtl="0">
               <a:spcBef>
                 <a:spcPts val="0"/>
               </a:spcBef>
@@ -3417,7 +3540,7 @@
               <a:buChar char="●"/>
               <a:defRPr/>
             </a:lvl1pPr>
-            <a:lvl2pPr indent="-317500" lvl="1" marL="914400" rtl="0">
+            <a:lvl2pPr marL="914400" lvl="1" indent="-317500" rtl="0">
               <a:spcBef>
                 <a:spcPts val="1600"/>
               </a:spcBef>
@@ -3428,7 +3551,7 @@
               <a:buChar char="○"/>
               <a:defRPr/>
             </a:lvl2pPr>
-            <a:lvl3pPr indent="-317500" lvl="2" marL="1371600" rtl="0">
+            <a:lvl3pPr marL="1371600" lvl="2" indent="-317500" rtl="0">
               <a:spcBef>
                 <a:spcPts val="1600"/>
               </a:spcBef>
@@ -3439,7 +3562,7 @@
               <a:buChar char="■"/>
               <a:defRPr/>
             </a:lvl3pPr>
-            <a:lvl4pPr indent="-317500" lvl="3" marL="1828800" rtl="0">
+            <a:lvl4pPr marL="1828800" lvl="3" indent="-317500" rtl="0">
               <a:spcBef>
                 <a:spcPts val="1600"/>
               </a:spcBef>
@@ -3450,7 +3573,7 @@
               <a:buChar char="●"/>
               <a:defRPr/>
             </a:lvl4pPr>
-            <a:lvl5pPr indent="-317500" lvl="4" marL="2286000" rtl="0">
+            <a:lvl5pPr marL="2286000" lvl="4" indent="-317500" rtl="0">
               <a:spcBef>
                 <a:spcPts val="1600"/>
               </a:spcBef>
@@ -3461,7 +3584,7 @@
               <a:buChar char="○"/>
               <a:defRPr/>
             </a:lvl5pPr>
-            <a:lvl6pPr indent="-317500" lvl="5" marL="2743200" rtl="0">
+            <a:lvl6pPr marL="2743200" lvl="5" indent="-317500" rtl="0">
               <a:spcBef>
                 <a:spcPts val="1600"/>
               </a:spcBef>
@@ -3472,7 +3595,7 @@
               <a:buChar char="■"/>
               <a:defRPr/>
             </a:lvl6pPr>
-            <a:lvl7pPr indent="-317500" lvl="6" marL="3200400" rtl="0">
+            <a:lvl7pPr marL="3200400" lvl="6" indent="-317500" rtl="0">
               <a:spcBef>
                 <a:spcPts val="1600"/>
               </a:spcBef>
@@ -3483,7 +3606,7 @@
               <a:buChar char="●"/>
               <a:defRPr/>
             </a:lvl7pPr>
-            <a:lvl8pPr indent="-317500" lvl="7" marL="3657600" rtl="0">
+            <a:lvl8pPr marL="3657600" lvl="7" indent="-317500" rtl="0">
               <a:spcBef>
                 <a:spcPts val="1600"/>
               </a:spcBef>
@@ -3494,7 +3617,7 @@
               <a:buChar char="○"/>
               <a:defRPr/>
             </a:lvl8pPr>
-            <a:lvl9pPr indent="-317500" lvl="8" marL="4114800" rtl="0">
+            <a:lvl9pPr marL="4114800" lvl="8" indent="-317500" rtl="0">
               <a:spcBef>
                 <a:spcPts val="1600"/>
               </a:spcBef>
@@ -3506,15 +3629,19 @@
               <a:defRPr/>
             </a:lvl9pPr>
           </a:lstStyle>
-          <a:p/>
+          <a:p>
+            <a:endParaRPr/>
+          </a:p>
         </p:txBody>
       </p:sp>
       <p:sp>
         <p:nvSpPr>
           <p:cNvPr id="19" name="Google Shape;19;p4"/>
-          <p:cNvSpPr txBox="1"/>
+          <p:cNvSpPr txBox="1">
+            <a:spLocks noGrp="1"/>
+          </p:cNvSpPr>
           <p:nvPr>
-            <p:ph idx="12" type="sldNum"/>
+            <p:ph type="sldNum" idx="12"/>
           </p:nvPr>
         </p:nvSpPr>
         <p:spPr>
@@ -3527,7 +3654,7 @@
           </a:prstGeom>
         </p:spPr>
         <p:txBody>
-          <a:bodyPr anchorCtr="0" anchor="ctr" bIns="91425" lIns="91425" spcFirstLastPara="1" rIns="91425" wrap="square" tIns="91425">
+          <a:bodyPr spcFirstLastPara="1" wrap="square" lIns="91425" tIns="91425" rIns="91425" bIns="91425" anchor="ctr" anchorCtr="0">
             <a:noAutofit/>
           </a:bodyPr>
           <a:lstStyle>
@@ -3569,7 +3696,7 @@
             </a:lvl9pPr>
           </a:lstStyle>
           <a:p>
-            <a:pPr indent="0" lvl="0" marL="0" rtl="0" algn="r">
+            <a:pPr marL="0" lvl="0" indent="0" algn="r" rtl="0">
               <a:spcBef>
                 <a:spcPts val="0"/>
               </a:spcBef>
@@ -3595,11 +3722,11 @@
 </file>
 
 <file path=ppt/slideLayouts/slideLayout4.xml><?xml version="1.0" encoding="utf-8"?>
-<p:sldLayout xmlns:a="http://schemas.openxmlformats.org/drawingml/2006/main" xmlns:r="http://schemas.openxmlformats.org/officeDocument/2006/relationships" xmlns:mc="http://schemas.openxmlformats.org/markup-compatibility/2006" xmlns:mv="urn:schemas-microsoft-com:mac:vml" xmlns:p="http://schemas.openxmlformats.org/presentationml/2006/main" xmlns:c="http://schemas.openxmlformats.org/drawingml/2006/chart" xmlns:dgm="http://schemas.openxmlformats.org/drawingml/2006/diagram" xmlns:o="urn:schemas-microsoft-com:office:office" xmlns:v="urn:schemas-microsoft-com:vml" xmlns:pvml="urn:schemas-microsoft-com:office:powerpoint" xmlns:com="http://schemas.openxmlformats.org/drawingml/2006/compatibility" xmlns:p14="http://schemas.microsoft.com/office/powerpoint/2010/main" xmlns:p15="http://schemas.microsoft.com/office/powerpoint/2012/main" matchingName="Title and two columns" type="twoColTx">
+<p:sldLayout xmlns:a="http://schemas.openxmlformats.org/drawingml/2006/main" xmlns:r="http://schemas.openxmlformats.org/officeDocument/2006/relationships" xmlns:p="http://schemas.openxmlformats.org/presentationml/2006/main" matchingName="Title and two columns" type="twoColTx">
   <p:cSld name="TITLE_AND_TWO_COLUMNS">
     <p:spTree>
       <p:nvGrpSpPr>
-        <p:cNvPr id="20" name="Shape 20"/>
+        <p:cNvPr id="1" name="Shape 20"/>
         <p:cNvGrpSpPr/>
         <p:nvPr/>
       </p:nvGrpSpPr>
@@ -3614,7 +3741,9 @@
       <p:sp>
         <p:nvSpPr>
           <p:cNvPr id="21" name="Google Shape;21;p5"/>
-          <p:cNvSpPr txBox="1"/>
+          <p:cNvSpPr txBox="1">
+            <a:spLocks noGrp="1"/>
+          </p:cNvSpPr>
           <p:nvPr>
             <p:ph type="title"/>
           </p:nvPr>
@@ -3629,7 +3758,7 @@
           </a:prstGeom>
         </p:spPr>
         <p:txBody>
-          <a:bodyPr anchorCtr="0" anchor="t" bIns="91425" lIns="91425" spcFirstLastPara="1" rIns="91425" wrap="square" tIns="91425"/>
+          <a:bodyPr spcFirstLastPara="1" wrap="square" lIns="91425" tIns="91425" rIns="91425" bIns="91425" anchor="t" anchorCtr="0"/>
           <a:lstStyle>
             <a:lvl1pPr lvl="0" rtl="0">
               <a:spcBef>
@@ -3731,15 +3860,19 @@
               <a:defRPr/>
             </a:lvl9pPr>
           </a:lstStyle>
-          <a:p/>
+          <a:p>
+            <a:endParaRPr/>
+          </a:p>
         </p:txBody>
       </p:sp>
       <p:sp>
         <p:nvSpPr>
           <p:cNvPr id="22" name="Google Shape;22;p5"/>
-          <p:cNvSpPr txBox="1"/>
+          <p:cNvSpPr txBox="1">
+            <a:spLocks noGrp="1"/>
+          </p:cNvSpPr>
           <p:nvPr>
-            <p:ph idx="1" type="body"/>
+            <p:ph type="body" idx="1"/>
           </p:nvPr>
         </p:nvSpPr>
         <p:spPr>
@@ -3752,9 +3885,9 @@
           </a:prstGeom>
         </p:spPr>
         <p:txBody>
-          <a:bodyPr anchorCtr="0" anchor="t" bIns="91425" lIns="91425" spcFirstLastPara="1" rIns="91425" wrap="square" tIns="91425"/>
+          <a:bodyPr spcFirstLastPara="1" wrap="square" lIns="91425" tIns="91425" rIns="91425" bIns="91425" anchor="t" anchorCtr="0"/>
           <a:lstStyle>
-            <a:lvl1pPr indent="-317500" lvl="0" marL="457200" rtl="0">
+            <a:lvl1pPr marL="457200" lvl="0" indent="-317500" rtl="0">
               <a:spcBef>
                 <a:spcPts val="0"/>
               </a:spcBef>
@@ -3765,7 +3898,7 @@
               <a:buChar char="●"/>
               <a:defRPr sz="1400"/>
             </a:lvl1pPr>
-            <a:lvl2pPr indent="-304800" lvl="1" marL="914400" rtl="0">
+            <a:lvl2pPr marL="914400" lvl="1" indent="-304800" rtl="0">
               <a:spcBef>
                 <a:spcPts val="1600"/>
               </a:spcBef>
@@ -3776,7 +3909,7 @@
               <a:buChar char="○"/>
               <a:defRPr sz="1200"/>
             </a:lvl2pPr>
-            <a:lvl3pPr indent="-304800" lvl="2" marL="1371600" rtl="0">
+            <a:lvl3pPr marL="1371600" lvl="2" indent="-304800" rtl="0">
               <a:spcBef>
                 <a:spcPts val="1600"/>
               </a:spcBef>
@@ -3787,7 +3920,7 @@
               <a:buChar char="■"/>
               <a:defRPr sz="1200"/>
             </a:lvl3pPr>
-            <a:lvl4pPr indent="-304800" lvl="3" marL="1828800" rtl="0">
+            <a:lvl4pPr marL="1828800" lvl="3" indent="-304800" rtl="0">
               <a:spcBef>
                 <a:spcPts val="1600"/>
               </a:spcBef>
@@ -3798,7 +3931,7 @@
               <a:buChar char="●"/>
               <a:defRPr sz="1200"/>
             </a:lvl4pPr>
-            <a:lvl5pPr indent="-304800" lvl="4" marL="2286000" rtl="0">
+            <a:lvl5pPr marL="2286000" lvl="4" indent="-304800" rtl="0">
               <a:spcBef>
                 <a:spcPts val="1600"/>
               </a:spcBef>
@@ -3809,7 +3942,7 @@
               <a:buChar char="○"/>
               <a:defRPr sz="1200"/>
             </a:lvl5pPr>
-            <a:lvl6pPr indent="-304800" lvl="5" marL="2743200" rtl="0">
+            <a:lvl6pPr marL="2743200" lvl="5" indent="-304800" rtl="0">
               <a:spcBef>
                 <a:spcPts val="1600"/>
               </a:spcBef>
@@ -3820,7 +3953,7 @@
               <a:buChar char="■"/>
               <a:defRPr sz="1200"/>
             </a:lvl6pPr>
-            <a:lvl7pPr indent="-304800" lvl="6" marL="3200400" rtl="0">
+            <a:lvl7pPr marL="3200400" lvl="6" indent="-304800" rtl="0">
               <a:spcBef>
                 <a:spcPts val="1600"/>
               </a:spcBef>
@@ -3831,7 +3964,7 @@
               <a:buChar char="●"/>
               <a:defRPr sz="1200"/>
             </a:lvl7pPr>
-            <a:lvl8pPr indent="-304800" lvl="7" marL="3657600" rtl="0">
+            <a:lvl8pPr marL="3657600" lvl="7" indent="-304800" rtl="0">
               <a:spcBef>
                 <a:spcPts val="1600"/>
               </a:spcBef>
@@ -3842,7 +3975,7 @@
               <a:buChar char="○"/>
               <a:defRPr sz="1200"/>
             </a:lvl8pPr>
-            <a:lvl9pPr indent="-304800" lvl="8" marL="4114800" rtl="0">
+            <a:lvl9pPr marL="4114800" lvl="8" indent="-304800" rtl="0">
               <a:spcBef>
                 <a:spcPts val="1600"/>
               </a:spcBef>
@@ -3854,15 +3987,19 @@
               <a:defRPr sz="1200"/>
             </a:lvl9pPr>
           </a:lstStyle>
-          <a:p/>
+          <a:p>
+            <a:endParaRPr/>
+          </a:p>
         </p:txBody>
       </p:sp>
       <p:sp>
         <p:nvSpPr>
           <p:cNvPr id="23" name="Google Shape;23;p5"/>
-          <p:cNvSpPr txBox="1"/>
+          <p:cNvSpPr txBox="1">
+            <a:spLocks noGrp="1"/>
+          </p:cNvSpPr>
           <p:nvPr>
-            <p:ph idx="2" type="body"/>
+            <p:ph type="body" idx="2"/>
           </p:nvPr>
         </p:nvSpPr>
         <p:spPr>
@@ -3875,9 +4012,9 @@
           </a:prstGeom>
         </p:spPr>
         <p:txBody>
-          <a:bodyPr anchorCtr="0" anchor="t" bIns="91425" lIns="91425" spcFirstLastPara="1" rIns="91425" wrap="square" tIns="91425"/>
+          <a:bodyPr spcFirstLastPara="1" wrap="square" lIns="91425" tIns="91425" rIns="91425" bIns="91425" anchor="t" anchorCtr="0"/>
           <a:lstStyle>
-            <a:lvl1pPr indent="-317500" lvl="0" marL="457200" rtl="0">
+            <a:lvl1pPr marL="457200" lvl="0" indent="-317500" rtl="0">
               <a:spcBef>
                 <a:spcPts val="0"/>
               </a:spcBef>
@@ -3888,7 +4025,7 @@
               <a:buChar char="●"/>
               <a:defRPr sz="1400"/>
             </a:lvl1pPr>
-            <a:lvl2pPr indent="-304800" lvl="1" marL="914400" rtl="0">
+            <a:lvl2pPr marL="914400" lvl="1" indent="-304800" rtl="0">
               <a:spcBef>
                 <a:spcPts val="1600"/>
               </a:spcBef>
@@ -3899,7 +4036,7 @@
               <a:buChar char="○"/>
               <a:defRPr sz="1200"/>
             </a:lvl2pPr>
-            <a:lvl3pPr indent="-304800" lvl="2" marL="1371600" rtl="0">
+            <a:lvl3pPr marL="1371600" lvl="2" indent="-304800" rtl="0">
               <a:spcBef>
                 <a:spcPts val="1600"/>
               </a:spcBef>
@@ -3910,7 +4047,7 @@
               <a:buChar char="■"/>
               <a:defRPr sz="1200"/>
             </a:lvl3pPr>
-            <a:lvl4pPr indent="-304800" lvl="3" marL="1828800" rtl="0">
+            <a:lvl4pPr marL="1828800" lvl="3" indent="-304800" rtl="0">
               <a:spcBef>
                 <a:spcPts val="1600"/>
               </a:spcBef>
@@ -3921,7 +4058,7 @@
               <a:buChar char="●"/>
               <a:defRPr sz="1200"/>
             </a:lvl4pPr>
-            <a:lvl5pPr indent="-304800" lvl="4" marL="2286000" rtl="0">
+            <a:lvl5pPr marL="2286000" lvl="4" indent="-304800" rtl="0">
               <a:spcBef>
                 <a:spcPts val="1600"/>
               </a:spcBef>
@@ -3932,7 +4069,7 @@
               <a:buChar char="○"/>
               <a:defRPr sz="1200"/>
             </a:lvl5pPr>
-            <a:lvl6pPr indent="-304800" lvl="5" marL="2743200" rtl="0">
+            <a:lvl6pPr marL="2743200" lvl="5" indent="-304800" rtl="0">
               <a:spcBef>
                 <a:spcPts val="1600"/>
               </a:spcBef>
@@ -3943,7 +4080,7 @@
               <a:buChar char="■"/>
               <a:defRPr sz="1200"/>
             </a:lvl6pPr>
-            <a:lvl7pPr indent="-304800" lvl="6" marL="3200400" rtl="0">
+            <a:lvl7pPr marL="3200400" lvl="6" indent="-304800" rtl="0">
               <a:spcBef>
                 <a:spcPts val="1600"/>
               </a:spcBef>
@@ -3954,7 +4091,7 @@
               <a:buChar char="●"/>
               <a:defRPr sz="1200"/>
             </a:lvl7pPr>
-            <a:lvl8pPr indent="-304800" lvl="7" marL="3657600" rtl="0">
+            <a:lvl8pPr marL="3657600" lvl="7" indent="-304800" rtl="0">
               <a:spcBef>
                 <a:spcPts val="1600"/>
               </a:spcBef>
@@ -3965,7 +4102,7 @@
               <a:buChar char="○"/>
               <a:defRPr sz="1200"/>
             </a:lvl8pPr>
-            <a:lvl9pPr indent="-304800" lvl="8" marL="4114800" rtl="0">
+            <a:lvl9pPr marL="4114800" lvl="8" indent="-304800" rtl="0">
               <a:spcBef>
                 <a:spcPts val="1600"/>
               </a:spcBef>
@@ -3977,15 +4114,19 @@
               <a:defRPr sz="1200"/>
             </a:lvl9pPr>
           </a:lstStyle>
-          <a:p/>
+          <a:p>
+            <a:endParaRPr/>
+          </a:p>
         </p:txBody>
       </p:sp>
       <p:sp>
         <p:nvSpPr>
           <p:cNvPr id="24" name="Google Shape;24;p5"/>
-          <p:cNvSpPr txBox="1"/>
+          <p:cNvSpPr txBox="1">
+            <a:spLocks noGrp="1"/>
+          </p:cNvSpPr>
           <p:nvPr>
-            <p:ph idx="12" type="sldNum"/>
+            <p:ph type="sldNum" idx="12"/>
           </p:nvPr>
         </p:nvSpPr>
         <p:spPr>
@@ -3998,7 +4139,7 @@
           </a:prstGeom>
         </p:spPr>
         <p:txBody>
-          <a:bodyPr anchorCtr="0" anchor="ctr" bIns="91425" lIns="91425" spcFirstLastPara="1" rIns="91425" wrap="square" tIns="91425">
+          <a:bodyPr spcFirstLastPara="1" wrap="square" lIns="91425" tIns="91425" rIns="91425" bIns="91425" anchor="ctr" anchorCtr="0">
             <a:noAutofit/>
           </a:bodyPr>
           <a:lstStyle>
@@ -4040,7 +4181,7 @@
             </a:lvl9pPr>
           </a:lstStyle>
           <a:p>
-            <a:pPr indent="0" lvl="0" marL="0" rtl="0" algn="r">
+            <a:pPr marL="0" lvl="0" indent="0" algn="r" rtl="0">
               <a:spcBef>
                 <a:spcPts val="0"/>
               </a:spcBef>
@@ -4066,11 +4207,11 @@
 </file>
 
 <file path=ppt/slideLayouts/slideLayout5.xml><?xml version="1.0" encoding="utf-8"?>
-<p:sldLayout xmlns:a="http://schemas.openxmlformats.org/drawingml/2006/main" xmlns:r="http://schemas.openxmlformats.org/officeDocument/2006/relationships" xmlns:mc="http://schemas.openxmlformats.org/markup-compatibility/2006" xmlns:mv="urn:schemas-microsoft-com:mac:vml" xmlns:p="http://schemas.openxmlformats.org/presentationml/2006/main" xmlns:c="http://schemas.openxmlformats.org/drawingml/2006/chart" xmlns:dgm="http://schemas.openxmlformats.org/drawingml/2006/diagram" xmlns:o="urn:schemas-microsoft-com:office:office" xmlns:v="urn:schemas-microsoft-com:vml" xmlns:pvml="urn:schemas-microsoft-com:office:powerpoint" xmlns:com="http://schemas.openxmlformats.org/drawingml/2006/compatibility" xmlns:p14="http://schemas.microsoft.com/office/powerpoint/2010/main" xmlns:p15="http://schemas.microsoft.com/office/powerpoint/2012/main" matchingName="Title only" type="titleOnly">
+<p:sldLayout xmlns:a="http://schemas.openxmlformats.org/drawingml/2006/main" xmlns:r="http://schemas.openxmlformats.org/officeDocument/2006/relationships" xmlns:p="http://schemas.openxmlformats.org/presentationml/2006/main" matchingName="Title only" type="titleOnly">
   <p:cSld name="TITLE_ONLY">
     <p:spTree>
       <p:nvGrpSpPr>
-        <p:cNvPr id="25" name="Shape 25"/>
+        <p:cNvPr id="1" name="Shape 25"/>
         <p:cNvGrpSpPr/>
         <p:nvPr/>
       </p:nvGrpSpPr>
@@ -4085,7 +4226,9 @@
       <p:sp>
         <p:nvSpPr>
           <p:cNvPr id="26" name="Google Shape;26;p6"/>
-          <p:cNvSpPr txBox="1"/>
+          <p:cNvSpPr txBox="1">
+            <a:spLocks noGrp="1"/>
+          </p:cNvSpPr>
           <p:nvPr>
             <p:ph type="title"/>
           </p:nvPr>
@@ -4100,7 +4243,7 @@
           </a:prstGeom>
         </p:spPr>
         <p:txBody>
-          <a:bodyPr anchorCtr="0" anchor="t" bIns="91425" lIns="91425" spcFirstLastPara="1" rIns="91425" wrap="square" tIns="91425"/>
+          <a:bodyPr spcFirstLastPara="1" wrap="square" lIns="91425" tIns="91425" rIns="91425" bIns="91425" anchor="t" anchorCtr="0"/>
           <a:lstStyle>
             <a:lvl1pPr lvl="0" rtl="0">
               <a:spcBef>
@@ -4202,15 +4345,19 @@
               <a:defRPr/>
             </a:lvl9pPr>
           </a:lstStyle>
-          <a:p/>
+          <a:p>
+            <a:endParaRPr/>
+          </a:p>
         </p:txBody>
       </p:sp>
       <p:sp>
         <p:nvSpPr>
           <p:cNvPr id="27" name="Google Shape;27;p6"/>
-          <p:cNvSpPr txBox="1"/>
+          <p:cNvSpPr txBox="1">
+            <a:spLocks noGrp="1"/>
+          </p:cNvSpPr>
           <p:nvPr>
-            <p:ph idx="12" type="sldNum"/>
+            <p:ph type="sldNum" idx="12"/>
           </p:nvPr>
         </p:nvSpPr>
         <p:spPr>
@@ -4223,7 +4370,7 @@
           </a:prstGeom>
         </p:spPr>
         <p:txBody>
-          <a:bodyPr anchorCtr="0" anchor="ctr" bIns="91425" lIns="91425" spcFirstLastPara="1" rIns="91425" wrap="square" tIns="91425">
+          <a:bodyPr spcFirstLastPara="1" wrap="square" lIns="91425" tIns="91425" rIns="91425" bIns="91425" anchor="ctr" anchorCtr="0">
             <a:noAutofit/>
           </a:bodyPr>
           <a:lstStyle>
@@ -4265,7 +4412,7 @@
             </a:lvl9pPr>
           </a:lstStyle>
           <a:p>
-            <a:pPr indent="0" lvl="0" marL="0" rtl="0" algn="r">
+            <a:pPr marL="0" lvl="0" indent="0" algn="r" rtl="0">
               <a:spcBef>
                 <a:spcPts val="0"/>
               </a:spcBef>
@@ -4291,11 +4438,11 @@
 </file>
 
 <file path=ppt/slideLayouts/slideLayout6.xml><?xml version="1.0" encoding="utf-8"?>
-<p:sldLayout xmlns:a="http://schemas.openxmlformats.org/drawingml/2006/main" xmlns:r="http://schemas.openxmlformats.org/officeDocument/2006/relationships" xmlns:mc="http://schemas.openxmlformats.org/markup-compatibility/2006" xmlns:mv="urn:schemas-microsoft-com:mac:vml" xmlns:p="http://schemas.openxmlformats.org/presentationml/2006/main" xmlns:c="http://schemas.openxmlformats.org/drawingml/2006/chart" xmlns:dgm="http://schemas.openxmlformats.org/drawingml/2006/diagram" xmlns:o="urn:schemas-microsoft-com:office:office" xmlns:v="urn:schemas-microsoft-com:vml" xmlns:pvml="urn:schemas-microsoft-com:office:powerpoint" xmlns:com="http://schemas.openxmlformats.org/drawingml/2006/compatibility" xmlns:p14="http://schemas.microsoft.com/office/powerpoint/2010/main" xmlns:p15="http://schemas.microsoft.com/office/powerpoint/2012/main" matchingName="One column text">
+<p:sldLayout xmlns:a="http://schemas.openxmlformats.org/drawingml/2006/main" xmlns:r="http://schemas.openxmlformats.org/officeDocument/2006/relationships" xmlns:p="http://schemas.openxmlformats.org/presentationml/2006/main" matchingName="One column text">
   <p:cSld name="ONE_COLUMN_TEXT">
     <p:spTree>
       <p:nvGrpSpPr>
-        <p:cNvPr id="28" name="Shape 28"/>
+        <p:cNvPr id="1" name="Shape 28"/>
         <p:cNvGrpSpPr/>
         <p:nvPr/>
       </p:nvGrpSpPr>
@@ -4310,7 +4457,9 @@
       <p:sp>
         <p:nvSpPr>
           <p:cNvPr id="29" name="Google Shape;29;p7"/>
-          <p:cNvSpPr txBox="1"/>
+          <p:cNvSpPr txBox="1">
+            <a:spLocks noGrp="1"/>
+          </p:cNvSpPr>
           <p:nvPr>
             <p:ph type="title"/>
           </p:nvPr>
@@ -4325,7 +4474,7 @@
           </a:prstGeom>
         </p:spPr>
         <p:txBody>
-          <a:bodyPr anchorCtr="0" anchor="b" bIns="91425" lIns="91425" spcFirstLastPara="1" rIns="91425" wrap="square" tIns="91425"/>
+          <a:bodyPr spcFirstLastPara="1" wrap="square" lIns="91425" tIns="91425" rIns="91425" bIns="91425" anchor="b" anchorCtr="0"/>
           <a:lstStyle>
             <a:lvl1pPr lvl="0" rtl="0">
               <a:spcBef>
@@ -4427,15 +4576,19 @@
               <a:defRPr sz="2400"/>
             </a:lvl9pPr>
           </a:lstStyle>
-          <a:p/>
+          <a:p>
+            <a:endParaRPr/>
+          </a:p>
         </p:txBody>
       </p:sp>
       <p:sp>
         <p:nvSpPr>
           <p:cNvPr id="30" name="Google Shape;30;p7"/>
-          <p:cNvSpPr txBox="1"/>
+          <p:cNvSpPr txBox="1">
+            <a:spLocks noGrp="1"/>
+          </p:cNvSpPr>
           <p:nvPr>
-            <p:ph idx="1" type="body"/>
+            <p:ph type="body" idx="1"/>
           </p:nvPr>
         </p:nvSpPr>
         <p:spPr>
@@ -4448,9 +4601,9 @@
           </a:prstGeom>
         </p:spPr>
         <p:txBody>
-          <a:bodyPr anchorCtr="0" anchor="t" bIns="91425" lIns="91425" spcFirstLastPara="1" rIns="91425" wrap="square" tIns="91425"/>
+          <a:bodyPr spcFirstLastPara="1" wrap="square" lIns="91425" tIns="91425" rIns="91425" bIns="91425" anchor="t" anchorCtr="0"/>
           <a:lstStyle>
-            <a:lvl1pPr indent="-304800" lvl="0" marL="457200" rtl="0">
+            <a:lvl1pPr marL="457200" lvl="0" indent="-304800" rtl="0">
               <a:spcBef>
                 <a:spcPts val="0"/>
               </a:spcBef>
@@ -4461,7 +4614,7 @@
               <a:buChar char="●"/>
               <a:defRPr sz="1200"/>
             </a:lvl1pPr>
-            <a:lvl2pPr indent="-304800" lvl="1" marL="914400" rtl="0">
+            <a:lvl2pPr marL="914400" lvl="1" indent="-304800" rtl="0">
               <a:spcBef>
                 <a:spcPts val="1600"/>
               </a:spcBef>
@@ -4472,7 +4625,7 @@
               <a:buChar char="○"/>
               <a:defRPr sz="1200"/>
             </a:lvl2pPr>
-            <a:lvl3pPr indent="-304800" lvl="2" marL="1371600" rtl="0">
+            <a:lvl3pPr marL="1371600" lvl="2" indent="-304800" rtl="0">
               <a:spcBef>
                 <a:spcPts val="1600"/>
               </a:spcBef>
@@ -4483,7 +4636,7 @@
               <a:buChar char="■"/>
               <a:defRPr sz="1200"/>
             </a:lvl3pPr>
-            <a:lvl4pPr indent="-304800" lvl="3" marL="1828800" rtl="0">
+            <a:lvl4pPr marL="1828800" lvl="3" indent="-304800" rtl="0">
               <a:spcBef>
                 <a:spcPts val="1600"/>
               </a:spcBef>
@@ -4494,7 +4647,7 @@
               <a:buChar char="●"/>
               <a:defRPr sz="1200"/>
             </a:lvl4pPr>
-            <a:lvl5pPr indent="-304800" lvl="4" marL="2286000" rtl="0">
+            <a:lvl5pPr marL="2286000" lvl="4" indent="-304800" rtl="0">
               <a:spcBef>
                 <a:spcPts val="1600"/>
               </a:spcBef>
@@ -4505,7 +4658,7 @@
               <a:buChar char="○"/>
               <a:defRPr sz="1200"/>
             </a:lvl5pPr>
-            <a:lvl6pPr indent="-304800" lvl="5" marL="2743200" rtl="0">
+            <a:lvl6pPr marL="2743200" lvl="5" indent="-304800" rtl="0">
               <a:spcBef>
                 <a:spcPts val="1600"/>
               </a:spcBef>
@@ -4516,7 +4669,7 @@
               <a:buChar char="■"/>
               <a:defRPr sz="1200"/>
             </a:lvl6pPr>
-            <a:lvl7pPr indent="-304800" lvl="6" marL="3200400" rtl="0">
+            <a:lvl7pPr marL="3200400" lvl="6" indent="-304800" rtl="0">
               <a:spcBef>
                 <a:spcPts val="1600"/>
               </a:spcBef>
@@ -4527,7 +4680,7 @@
               <a:buChar char="●"/>
               <a:defRPr sz="1200"/>
             </a:lvl7pPr>
-            <a:lvl8pPr indent="-304800" lvl="7" marL="3657600" rtl="0">
+            <a:lvl8pPr marL="3657600" lvl="7" indent="-304800" rtl="0">
               <a:spcBef>
                 <a:spcPts val="1600"/>
               </a:spcBef>
@@ -4538,7 +4691,7 @@
               <a:buChar char="○"/>
               <a:defRPr sz="1200"/>
             </a:lvl8pPr>
-            <a:lvl9pPr indent="-304800" lvl="8" marL="4114800" rtl="0">
+            <a:lvl9pPr marL="4114800" lvl="8" indent="-304800" rtl="0">
               <a:spcBef>
                 <a:spcPts val="1600"/>
               </a:spcBef>
@@ -4550,15 +4703,19 @@
               <a:defRPr sz="1200"/>
             </a:lvl9pPr>
           </a:lstStyle>
-          <a:p/>
+          <a:p>
+            <a:endParaRPr/>
+          </a:p>
         </p:txBody>
       </p:sp>
       <p:sp>
         <p:nvSpPr>
           <p:cNvPr id="31" name="Google Shape;31;p7"/>
-          <p:cNvSpPr txBox="1"/>
+          <p:cNvSpPr txBox="1">
+            <a:spLocks noGrp="1"/>
+          </p:cNvSpPr>
           <p:nvPr>
-            <p:ph idx="12" type="sldNum"/>
+            <p:ph type="sldNum" idx="12"/>
           </p:nvPr>
         </p:nvSpPr>
         <p:spPr>
@@ -4571,7 +4728,7 @@
           </a:prstGeom>
         </p:spPr>
         <p:txBody>
-          <a:bodyPr anchorCtr="0" anchor="ctr" bIns="91425" lIns="91425" spcFirstLastPara="1" rIns="91425" wrap="square" tIns="91425">
+          <a:bodyPr spcFirstLastPara="1" wrap="square" lIns="91425" tIns="91425" rIns="91425" bIns="91425" anchor="ctr" anchorCtr="0">
             <a:noAutofit/>
           </a:bodyPr>
           <a:lstStyle>
@@ -4613,7 +4770,7 @@
             </a:lvl9pPr>
           </a:lstStyle>
           <a:p>
-            <a:pPr indent="0" lvl="0" marL="0" rtl="0" algn="r">
+            <a:pPr marL="0" lvl="0" indent="0" algn="r" rtl="0">
               <a:spcBef>
                 <a:spcPts val="0"/>
               </a:spcBef>
@@ -4639,11 +4796,11 @@
 </file>
 
 <file path=ppt/slideLayouts/slideLayout7.xml><?xml version="1.0" encoding="utf-8"?>
-<p:sldLayout xmlns:a="http://schemas.openxmlformats.org/drawingml/2006/main" xmlns:r="http://schemas.openxmlformats.org/officeDocument/2006/relationships" xmlns:mc="http://schemas.openxmlformats.org/markup-compatibility/2006" xmlns:mv="urn:schemas-microsoft-com:mac:vml" xmlns:p="http://schemas.openxmlformats.org/presentationml/2006/main" xmlns:c="http://schemas.openxmlformats.org/drawingml/2006/chart" xmlns:dgm="http://schemas.openxmlformats.org/drawingml/2006/diagram" xmlns:o="urn:schemas-microsoft-com:office:office" xmlns:v="urn:schemas-microsoft-com:vml" xmlns:pvml="urn:schemas-microsoft-com:office:powerpoint" xmlns:com="http://schemas.openxmlformats.org/drawingml/2006/compatibility" xmlns:p14="http://schemas.microsoft.com/office/powerpoint/2010/main" xmlns:p15="http://schemas.microsoft.com/office/powerpoint/2012/main" matchingName="Main point">
+<p:sldLayout xmlns:a="http://schemas.openxmlformats.org/drawingml/2006/main" xmlns:r="http://schemas.openxmlformats.org/officeDocument/2006/relationships" xmlns:p="http://schemas.openxmlformats.org/presentationml/2006/main" matchingName="Main point">
   <p:cSld name="MAIN_POINT">
     <p:spTree>
       <p:nvGrpSpPr>
-        <p:cNvPr id="32" name="Shape 32"/>
+        <p:cNvPr id="1" name="Shape 32"/>
         <p:cNvGrpSpPr/>
         <p:nvPr/>
       </p:nvGrpSpPr>
@@ -4658,7 +4815,9 @@
       <p:sp>
         <p:nvSpPr>
           <p:cNvPr id="33" name="Google Shape;33;p8"/>
-          <p:cNvSpPr txBox="1"/>
+          <p:cNvSpPr txBox="1">
+            <a:spLocks noGrp="1"/>
+          </p:cNvSpPr>
           <p:nvPr>
             <p:ph type="title"/>
           </p:nvPr>
@@ -4673,7 +4832,7 @@
           </a:prstGeom>
         </p:spPr>
         <p:txBody>
-          <a:bodyPr anchorCtr="0" anchor="ctr" bIns="91425" lIns="91425" spcFirstLastPara="1" rIns="91425" wrap="square" tIns="91425"/>
+          <a:bodyPr spcFirstLastPara="1" wrap="square" lIns="91425" tIns="91425" rIns="91425" bIns="91425" anchor="ctr" anchorCtr="0"/>
           <a:lstStyle>
             <a:lvl1pPr lvl="0" rtl="0">
               <a:spcBef>
@@ -4775,15 +4934,19 @@
               <a:defRPr sz="4800"/>
             </a:lvl9pPr>
           </a:lstStyle>
-          <a:p/>
+          <a:p>
+            <a:endParaRPr/>
+          </a:p>
         </p:txBody>
       </p:sp>
       <p:sp>
         <p:nvSpPr>
           <p:cNvPr id="34" name="Google Shape;34;p8"/>
-          <p:cNvSpPr txBox="1"/>
+          <p:cNvSpPr txBox="1">
+            <a:spLocks noGrp="1"/>
+          </p:cNvSpPr>
           <p:nvPr>
-            <p:ph idx="12" type="sldNum"/>
+            <p:ph type="sldNum" idx="12"/>
           </p:nvPr>
         </p:nvSpPr>
         <p:spPr>
@@ -4796,7 +4959,7 @@
           </a:prstGeom>
         </p:spPr>
         <p:txBody>
-          <a:bodyPr anchorCtr="0" anchor="ctr" bIns="91425" lIns="91425" spcFirstLastPara="1" rIns="91425" wrap="square" tIns="91425">
+          <a:bodyPr spcFirstLastPara="1" wrap="square" lIns="91425" tIns="91425" rIns="91425" bIns="91425" anchor="ctr" anchorCtr="0">
             <a:noAutofit/>
           </a:bodyPr>
           <a:lstStyle>
@@ -4838,7 +5001,7 @@
             </a:lvl9pPr>
           </a:lstStyle>
           <a:p>
-            <a:pPr indent="0" lvl="0" marL="0" rtl="0" algn="r">
+            <a:pPr marL="0" lvl="0" indent="0" algn="r" rtl="0">
               <a:spcBef>
                 <a:spcPts val="0"/>
               </a:spcBef>
@@ -4864,11 +5027,11 @@
 </file>
 
 <file path=ppt/slideLayouts/slideLayout8.xml><?xml version="1.0" encoding="utf-8"?>
-<p:sldLayout xmlns:a="http://schemas.openxmlformats.org/drawingml/2006/main" xmlns:r="http://schemas.openxmlformats.org/officeDocument/2006/relationships" xmlns:mc="http://schemas.openxmlformats.org/markup-compatibility/2006" xmlns:mv="urn:schemas-microsoft-com:mac:vml" xmlns:p="http://schemas.openxmlformats.org/presentationml/2006/main" xmlns:c="http://schemas.openxmlformats.org/drawingml/2006/chart" xmlns:dgm="http://schemas.openxmlformats.org/drawingml/2006/diagram" xmlns:o="urn:schemas-microsoft-com:office:office" xmlns:v="urn:schemas-microsoft-com:vml" xmlns:pvml="urn:schemas-microsoft-com:office:powerpoint" xmlns:com="http://schemas.openxmlformats.org/drawingml/2006/compatibility" xmlns:p14="http://schemas.microsoft.com/office/powerpoint/2010/main" xmlns:p15="http://schemas.microsoft.com/office/powerpoint/2012/main" matchingName="Section title and description">
+<p:sldLayout xmlns:a="http://schemas.openxmlformats.org/drawingml/2006/main" xmlns:r="http://schemas.openxmlformats.org/officeDocument/2006/relationships" xmlns:p="http://schemas.openxmlformats.org/presentationml/2006/main" matchingName="Section title and description">
   <p:cSld name="SECTION_TITLE_AND_DESCRIPTION">
     <p:spTree>
       <p:nvGrpSpPr>
-        <p:cNvPr id="35" name="Shape 35"/>
+        <p:cNvPr id="1" name="Shape 35"/>
         <p:cNvGrpSpPr/>
         <p:nvPr/>
       </p:nvGrpSpPr>
@@ -4902,23 +5065,20 @@
           </a:ln>
         </p:spPr>
         <p:txBody>
-          <a:bodyPr anchorCtr="0" anchor="ctr" bIns="91425" lIns="91425" spcFirstLastPara="1" rIns="91425" wrap="square" tIns="91425">
+          <a:bodyPr spcFirstLastPara="1" wrap="square" lIns="91425" tIns="91425" rIns="91425" bIns="91425" anchor="ctr" anchorCtr="0">
             <a:noAutofit/>
           </a:bodyPr>
           <a:lstStyle/>
           <a:p>
-            <a:pPr indent="0" lvl="0" marL="0" rtl="0" algn="l">
-              <a:spcBef>
-                <a:spcPts val="0"/>
-              </a:spcBef>
-              <a:spcAft>
-                <a:spcPts val="0"/>
-              </a:spcAft>
-              <a:buNone/>
-            </a:pPr>
-            <a:r>
-              <a:t/>
-            </a:r>
+            <a:pPr marL="0" lvl="0" indent="0" algn="l" rtl="0">
+              <a:spcBef>
+                <a:spcPts val="0"/>
+              </a:spcBef>
+              <a:spcAft>
+                <a:spcPts val="0"/>
+              </a:spcAft>
+              <a:buNone/>
+            </a:pPr>
             <a:endParaRPr/>
           </a:p>
         </p:txBody>
@@ -4926,7 +5086,9 @@
       <p:sp>
         <p:nvSpPr>
           <p:cNvPr id="37" name="Google Shape;37;p9"/>
-          <p:cNvSpPr txBox="1"/>
+          <p:cNvSpPr txBox="1">
+            <a:spLocks noGrp="1"/>
+          </p:cNvSpPr>
           <p:nvPr>
             <p:ph type="title"/>
           </p:nvPr>
@@ -4941,9 +5103,9 @@
           </a:prstGeom>
         </p:spPr>
         <p:txBody>
-          <a:bodyPr anchorCtr="0" anchor="b" bIns="91425" lIns="91425" spcFirstLastPara="1" rIns="91425" wrap="square" tIns="91425"/>
+          <a:bodyPr spcFirstLastPara="1" wrap="square" lIns="91425" tIns="91425" rIns="91425" bIns="91425" anchor="b" anchorCtr="0"/>
           <a:lstStyle>
-            <a:lvl1pPr lvl="0" rtl="0" algn="ctr">
+            <a:lvl1pPr lvl="0" algn="ctr" rtl="0">
               <a:spcBef>
                 <a:spcPts val="0"/>
               </a:spcBef>
@@ -4954,7 +5116,7 @@
               <a:buNone/>
               <a:defRPr sz="4200"/>
             </a:lvl1pPr>
-            <a:lvl2pPr lvl="1" rtl="0" algn="ctr">
+            <a:lvl2pPr lvl="1" algn="ctr" rtl="0">
               <a:spcBef>
                 <a:spcPts val="0"/>
               </a:spcBef>
@@ -4965,7 +5127,7 @@
               <a:buNone/>
               <a:defRPr sz="4200"/>
             </a:lvl2pPr>
-            <a:lvl3pPr lvl="2" rtl="0" algn="ctr">
+            <a:lvl3pPr lvl="2" algn="ctr" rtl="0">
               <a:spcBef>
                 <a:spcPts val="0"/>
               </a:spcBef>
@@ -4976,7 +5138,7 @@
               <a:buNone/>
               <a:defRPr sz="4200"/>
             </a:lvl3pPr>
-            <a:lvl4pPr lvl="3" rtl="0" algn="ctr">
+            <a:lvl4pPr lvl="3" algn="ctr" rtl="0">
               <a:spcBef>
                 <a:spcPts val="0"/>
               </a:spcBef>
@@ -4987,7 +5149,7 @@
               <a:buNone/>
               <a:defRPr sz="4200"/>
             </a:lvl4pPr>
-            <a:lvl5pPr lvl="4" rtl="0" algn="ctr">
+            <a:lvl5pPr lvl="4" algn="ctr" rtl="0">
               <a:spcBef>
                 <a:spcPts val="0"/>
               </a:spcBef>
@@ -4998,7 +5160,7 @@
               <a:buNone/>
               <a:defRPr sz="4200"/>
             </a:lvl5pPr>
-            <a:lvl6pPr lvl="5" rtl="0" algn="ctr">
+            <a:lvl6pPr lvl="5" algn="ctr" rtl="0">
               <a:spcBef>
                 <a:spcPts val="0"/>
               </a:spcBef>
@@ -5009,7 +5171,7 @@
               <a:buNone/>
               <a:defRPr sz="4200"/>
             </a:lvl6pPr>
-            <a:lvl7pPr lvl="6" rtl="0" algn="ctr">
+            <a:lvl7pPr lvl="6" algn="ctr" rtl="0">
               <a:spcBef>
                 <a:spcPts val="0"/>
               </a:spcBef>
@@ -5020,7 +5182,7 @@
               <a:buNone/>
               <a:defRPr sz="4200"/>
             </a:lvl7pPr>
-            <a:lvl8pPr lvl="7" rtl="0" algn="ctr">
+            <a:lvl8pPr lvl="7" algn="ctr" rtl="0">
               <a:spcBef>
                 <a:spcPts val="0"/>
               </a:spcBef>
@@ -5031,7 +5193,7 @@
               <a:buNone/>
               <a:defRPr sz="4200"/>
             </a:lvl8pPr>
-            <a:lvl9pPr lvl="8" rtl="0" algn="ctr">
+            <a:lvl9pPr lvl="8" algn="ctr" rtl="0">
               <a:spcBef>
                 <a:spcPts val="0"/>
               </a:spcBef>
@@ -5043,15 +5205,19 @@
               <a:defRPr sz="4200"/>
             </a:lvl9pPr>
           </a:lstStyle>
-          <a:p/>
+          <a:p>
+            <a:endParaRPr/>
+          </a:p>
         </p:txBody>
       </p:sp>
       <p:sp>
         <p:nvSpPr>
           <p:cNvPr id="38" name="Google Shape;38;p9"/>
-          <p:cNvSpPr txBox="1"/>
+          <p:cNvSpPr txBox="1">
+            <a:spLocks noGrp="1"/>
+          </p:cNvSpPr>
           <p:nvPr>
-            <p:ph idx="1" type="subTitle"/>
+            <p:ph type="subTitle" idx="1"/>
           </p:nvPr>
         </p:nvSpPr>
         <p:spPr>
@@ -5064,9 +5230,9 @@
           </a:prstGeom>
         </p:spPr>
         <p:txBody>
-          <a:bodyPr anchorCtr="0" anchor="t" bIns="91425" lIns="91425" spcFirstLastPara="1" rIns="91425" wrap="square" tIns="91425"/>
+          <a:bodyPr spcFirstLastPara="1" wrap="square" lIns="91425" tIns="91425" rIns="91425" bIns="91425" anchor="t" anchorCtr="0"/>
           <a:lstStyle>
-            <a:lvl1pPr lvl="0" rtl="0" algn="ctr">
+            <a:lvl1pPr lvl="0" algn="ctr" rtl="0">
               <a:lnSpc>
                 <a:spcPct val="100000"/>
               </a:lnSpc>
@@ -5080,7 +5246,7 @@
               <a:buNone/>
               <a:defRPr sz="2100"/>
             </a:lvl1pPr>
-            <a:lvl2pPr lvl="1" rtl="0" algn="ctr">
+            <a:lvl2pPr lvl="1" algn="ctr" rtl="0">
               <a:lnSpc>
                 <a:spcPct val="100000"/>
               </a:lnSpc>
@@ -5094,7 +5260,7 @@
               <a:buNone/>
               <a:defRPr sz="2100"/>
             </a:lvl2pPr>
-            <a:lvl3pPr lvl="2" rtl="0" algn="ctr">
+            <a:lvl3pPr lvl="2" algn="ctr" rtl="0">
               <a:lnSpc>
                 <a:spcPct val="100000"/>
               </a:lnSpc>
@@ -5108,7 +5274,7 @@
               <a:buNone/>
               <a:defRPr sz="2100"/>
             </a:lvl3pPr>
-            <a:lvl4pPr lvl="3" rtl="0" algn="ctr">
+            <a:lvl4pPr lvl="3" algn="ctr" rtl="0">
               <a:lnSpc>
                 <a:spcPct val="100000"/>
               </a:lnSpc>
@@ -5122,7 +5288,7 @@
               <a:buNone/>
               <a:defRPr sz="2100"/>
             </a:lvl4pPr>
-            <a:lvl5pPr lvl="4" rtl="0" algn="ctr">
+            <a:lvl5pPr lvl="4" algn="ctr" rtl="0">
               <a:lnSpc>
                 <a:spcPct val="100000"/>
               </a:lnSpc>
@@ -5136,7 +5302,7 @@
               <a:buNone/>
               <a:defRPr sz="2100"/>
             </a:lvl5pPr>
-            <a:lvl6pPr lvl="5" rtl="0" algn="ctr">
+            <a:lvl6pPr lvl="5" algn="ctr" rtl="0">
               <a:lnSpc>
                 <a:spcPct val="100000"/>
               </a:lnSpc>
@@ -5150,7 +5316,7 @@
               <a:buNone/>
               <a:defRPr sz="2100"/>
             </a:lvl6pPr>
-            <a:lvl7pPr lvl="6" rtl="0" algn="ctr">
+            <a:lvl7pPr lvl="6" algn="ctr" rtl="0">
               <a:lnSpc>
                 <a:spcPct val="100000"/>
               </a:lnSpc>
@@ -5164,7 +5330,7 @@
               <a:buNone/>
               <a:defRPr sz="2100"/>
             </a:lvl7pPr>
-            <a:lvl8pPr lvl="7" rtl="0" algn="ctr">
+            <a:lvl8pPr lvl="7" algn="ctr" rtl="0">
               <a:lnSpc>
                 <a:spcPct val="100000"/>
               </a:lnSpc>
@@ -5178,7 +5344,7 @@
               <a:buNone/>
               <a:defRPr sz="2100"/>
             </a:lvl8pPr>
-            <a:lvl9pPr lvl="8" rtl="0" algn="ctr">
+            <a:lvl9pPr lvl="8" algn="ctr" rtl="0">
               <a:lnSpc>
                 <a:spcPct val="100000"/>
               </a:lnSpc>
@@ -5193,15 +5359,19 @@
               <a:defRPr sz="2100"/>
             </a:lvl9pPr>
           </a:lstStyle>
-          <a:p/>
+          <a:p>
+            <a:endParaRPr/>
+          </a:p>
         </p:txBody>
       </p:sp>
       <p:sp>
         <p:nvSpPr>
           <p:cNvPr id="39" name="Google Shape;39;p9"/>
-          <p:cNvSpPr txBox="1"/>
+          <p:cNvSpPr txBox="1">
+            <a:spLocks noGrp="1"/>
+          </p:cNvSpPr>
           <p:nvPr>
-            <p:ph idx="2" type="body"/>
+            <p:ph type="body" idx="2"/>
           </p:nvPr>
         </p:nvSpPr>
         <p:spPr>
@@ -5214,9 +5384,9 @@
           </a:prstGeom>
         </p:spPr>
         <p:txBody>
-          <a:bodyPr anchorCtr="0" anchor="ctr" bIns="91425" lIns="91425" spcFirstLastPara="1" rIns="91425" wrap="square" tIns="91425"/>
+          <a:bodyPr spcFirstLastPara="1" wrap="square" lIns="91425" tIns="91425" rIns="91425" bIns="91425" anchor="ctr" anchorCtr="0"/>
           <a:lstStyle>
-            <a:lvl1pPr indent="-342900" lvl="0" marL="457200" rtl="0">
+            <a:lvl1pPr marL="457200" lvl="0" indent="-342900" rtl="0">
               <a:spcBef>
                 <a:spcPts val="0"/>
               </a:spcBef>
@@ -5227,7 +5397,7 @@
               <a:buChar char="●"/>
               <a:defRPr/>
             </a:lvl1pPr>
-            <a:lvl2pPr indent="-317500" lvl="1" marL="914400" rtl="0">
+            <a:lvl2pPr marL="914400" lvl="1" indent="-317500" rtl="0">
               <a:spcBef>
                 <a:spcPts val="1600"/>
               </a:spcBef>
@@ -5238,7 +5408,7 @@
               <a:buChar char="○"/>
               <a:defRPr/>
             </a:lvl2pPr>
-            <a:lvl3pPr indent="-317500" lvl="2" marL="1371600" rtl="0">
+            <a:lvl3pPr marL="1371600" lvl="2" indent="-317500" rtl="0">
               <a:spcBef>
                 <a:spcPts val="1600"/>
               </a:spcBef>
@@ -5249,7 +5419,7 @@
               <a:buChar char="■"/>
               <a:defRPr/>
             </a:lvl3pPr>
-            <a:lvl4pPr indent="-317500" lvl="3" marL="1828800" rtl="0">
+            <a:lvl4pPr marL="1828800" lvl="3" indent="-317500" rtl="0">
               <a:spcBef>
                 <a:spcPts val="1600"/>
               </a:spcBef>
@@ -5260,7 +5430,7 @@
               <a:buChar char="●"/>
               <a:defRPr/>
             </a:lvl4pPr>
-            <a:lvl5pPr indent="-317500" lvl="4" marL="2286000" rtl="0">
+            <a:lvl5pPr marL="2286000" lvl="4" indent="-317500" rtl="0">
               <a:spcBef>
                 <a:spcPts val="1600"/>
               </a:spcBef>
@@ -5271,7 +5441,7 @@
               <a:buChar char="○"/>
               <a:defRPr/>
             </a:lvl5pPr>
-            <a:lvl6pPr indent="-317500" lvl="5" marL="2743200" rtl="0">
+            <a:lvl6pPr marL="2743200" lvl="5" indent="-317500" rtl="0">
               <a:spcBef>
                 <a:spcPts val="1600"/>
               </a:spcBef>
@@ -5282,7 +5452,7 @@
               <a:buChar char="■"/>
               <a:defRPr/>
             </a:lvl6pPr>
-            <a:lvl7pPr indent="-317500" lvl="6" marL="3200400" rtl="0">
+            <a:lvl7pPr marL="3200400" lvl="6" indent="-317500" rtl="0">
               <a:spcBef>
                 <a:spcPts val="1600"/>
               </a:spcBef>
@@ -5293,7 +5463,7 @@
               <a:buChar char="●"/>
               <a:defRPr/>
             </a:lvl7pPr>
-            <a:lvl8pPr indent="-317500" lvl="7" marL="3657600" rtl="0">
+            <a:lvl8pPr marL="3657600" lvl="7" indent="-317500" rtl="0">
               <a:spcBef>
                 <a:spcPts val="1600"/>
               </a:spcBef>
@@ -5304,7 +5474,7 @@
               <a:buChar char="○"/>
               <a:defRPr/>
             </a:lvl8pPr>
-            <a:lvl9pPr indent="-317500" lvl="8" marL="4114800" rtl="0">
+            <a:lvl9pPr marL="4114800" lvl="8" indent="-317500" rtl="0">
               <a:spcBef>
                 <a:spcPts val="1600"/>
               </a:spcBef>
@@ -5316,15 +5486,19 @@
               <a:defRPr/>
             </a:lvl9pPr>
           </a:lstStyle>
-          <a:p/>
+          <a:p>
+            <a:endParaRPr/>
+          </a:p>
         </p:txBody>
       </p:sp>
       <p:sp>
         <p:nvSpPr>
           <p:cNvPr id="40" name="Google Shape;40;p9"/>
-          <p:cNvSpPr txBox="1"/>
+          <p:cNvSpPr txBox="1">
+            <a:spLocks noGrp="1"/>
+          </p:cNvSpPr>
           <p:nvPr>
-            <p:ph idx="12" type="sldNum"/>
+            <p:ph type="sldNum" idx="12"/>
           </p:nvPr>
         </p:nvSpPr>
         <p:spPr>
@@ -5337,7 +5511,7 @@
           </a:prstGeom>
         </p:spPr>
         <p:txBody>
-          <a:bodyPr anchorCtr="0" anchor="ctr" bIns="91425" lIns="91425" spcFirstLastPara="1" rIns="91425" wrap="square" tIns="91425">
+          <a:bodyPr spcFirstLastPara="1" wrap="square" lIns="91425" tIns="91425" rIns="91425" bIns="91425" anchor="ctr" anchorCtr="0">
             <a:noAutofit/>
           </a:bodyPr>
           <a:lstStyle>
@@ -5379,7 +5553,7 @@
             </a:lvl9pPr>
           </a:lstStyle>
           <a:p>
-            <a:pPr indent="0" lvl="0" marL="0" rtl="0" algn="r">
+            <a:pPr marL="0" lvl="0" indent="0" algn="r" rtl="0">
               <a:spcBef>
                 <a:spcPts val="0"/>
               </a:spcBef>
@@ -5405,11 +5579,11 @@
 </file>
 
 <file path=ppt/slideLayouts/slideLayout9.xml><?xml version="1.0" encoding="utf-8"?>
-<p:sldLayout xmlns:a="http://schemas.openxmlformats.org/drawingml/2006/main" xmlns:r="http://schemas.openxmlformats.org/officeDocument/2006/relationships" xmlns:mc="http://schemas.openxmlformats.org/markup-compatibility/2006" xmlns:mv="urn:schemas-microsoft-com:mac:vml" xmlns:p="http://schemas.openxmlformats.org/presentationml/2006/main" xmlns:c="http://schemas.openxmlformats.org/drawingml/2006/chart" xmlns:dgm="http://schemas.openxmlformats.org/drawingml/2006/diagram" xmlns:o="urn:schemas-microsoft-com:office:office" xmlns:v="urn:schemas-microsoft-com:vml" xmlns:pvml="urn:schemas-microsoft-com:office:powerpoint" xmlns:com="http://schemas.openxmlformats.org/drawingml/2006/compatibility" xmlns:p14="http://schemas.microsoft.com/office/powerpoint/2010/main" xmlns:p15="http://schemas.microsoft.com/office/powerpoint/2012/main" matchingName="Caption">
+<p:sldLayout xmlns:a="http://schemas.openxmlformats.org/drawingml/2006/main" xmlns:r="http://schemas.openxmlformats.org/officeDocument/2006/relationships" xmlns:p="http://schemas.openxmlformats.org/presentationml/2006/main" matchingName="Caption">
   <p:cSld name="CAPTION_ONLY">
     <p:spTree>
       <p:nvGrpSpPr>
-        <p:cNvPr id="41" name="Shape 41"/>
+        <p:cNvPr id="1" name="Shape 41"/>
         <p:cNvGrpSpPr/>
         <p:nvPr/>
       </p:nvGrpSpPr>
@@ -5424,9 +5598,11 @@
       <p:sp>
         <p:nvSpPr>
           <p:cNvPr id="42" name="Google Shape;42;p10"/>
-          <p:cNvSpPr txBox="1"/>
+          <p:cNvSpPr txBox="1">
+            <a:spLocks noGrp="1"/>
+          </p:cNvSpPr>
           <p:nvPr>
-            <p:ph idx="1" type="body"/>
+            <p:ph type="body" idx="1"/>
           </p:nvPr>
         </p:nvSpPr>
         <p:spPr>
@@ -5439,9 +5615,9 @@
           </a:prstGeom>
         </p:spPr>
         <p:txBody>
-          <a:bodyPr anchorCtr="0" anchor="ctr" bIns="91425" lIns="91425" spcFirstLastPara="1" rIns="91425" wrap="square" tIns="91425"/>
+          <a:bodyPr spcFirstLastPara="1" wrap="square" lIns="91425" tIns="91425" rIns="91425" bIns="91425" anchor="ctr" anchorCtr="0"/>
           <a:lstStyle>
-            <a:lvl1pPr indent="-228600" lvl="0" marL="457200" rtl="0">
+            <a:lvl1pPr marL="457200" lvl="0" indent="-228600" rtl="0">
               <a:lnSpc>
                 <a:spcPct val="100000"/>
               </a:lnSpc>
@@ -5456,15 +5632,19 @@
               <a:defRPr/>
             </a:lvl1pPr>
           </a:lstStyle>
-          <a:p/>
+          <a:p>
+            <a:endParaRPr/>
+          </a:p>
         </p:txBody>
       </p:sp>
       <p:sp>
         <p:nvSpPr>
           <p:cNvPr id="43" name="Google Shape;43;p10"/>
-          <p:cNvSpPr txBox="1"/>
+          <p:cNvSpPr txBox="1">
+            <a:spLocks noGrp="1"/>
+          </p:cNvSpPr>
           <p:nvPr>
-            <p:ph idx="12" type="sldNum"/>
+            <p:ph type="sldNum" idx="12"/>
           </p:nvPr>
         </p:nvSpPr>
         <p:spPr>
@@ -5477,7 +5657,7 @@
           </a:prstGeom>
         </p:spPr>
         <p:txBody>
-          <a:bodyPr anchorCtr="0" anchor="ctr" bIns="91425" lIns="91425" spcFirstLastPara="1" rIns="91425" wrap="square" tIns="91425">
+          <a:bodyPr spcFirstLastPara="1" wrap="square" lIns="91425" tIns="91425" rIns="91425" bIns="91425" anchor="ctr" anchorCtr="0">
             <a:noAutofit/>
           </a:bodyPr>
           <a:lstStyle>
@@ -5519,7 +5699,7 @@
             </a:lvl9pPr>
           </a:lstStyle>
           <a:p>
-            <a:pPr indent="0" lvl="0" marL="0" rtl="0" algn="r">
+            <a:pPr marL="0" lvl="0" indent="0" algn="r" rtl="0">
               <a:spcBef>
                 <a:spcPts val="0"/>
               </a:spcBef>
@@ -5545,18 +5725,19 @@
 </file>
 
 <file path=ppt/slideMasters/slideMaster1.xml><?xml version="1.0" encoding="utf-8"?>
-<p:sldMaster xmlns:a="http://schemas.openxmlformats.org/drawingml/2006/main" xmlns:r="http://schemas.openxmlformats.org/officeDocument/2006/relationships" xmlns:mc="http://schemas.openxmlformats.org/markup-compatibility/2006" xmlns:mv="urn:schemas-microsoft-com:mac:vml" xmlns:p="http://schemas.openxmlformats.org/presentationml/2006/main" xmlns:c="http://schemas.openxmlformats.org/drawingml/2006/chart" xmlns:dgm="http://schemas.openxmlformats.org/drawingml/2006/diagram" xmlns:o="urn:schemas-microsoft-com:office:office" xmlns:v="urn:schemas-microsoft-com:vml" xmlns:pvml="urn:schemas-microsoft-com:office:powerpoint" xmlns:com="http://schemas.openxmlformats.org/drawingml/2006/compatibility" xmlns:p14="http://schemas.microsoft.com/office/powerpoint/2010/main" xmlns:p15="http://schemas.microsoft.com/office/powerpoint/2012/main">
+<p:sldMaster xmlns:a="http://schemas.openxmlformats.org/drawingml/2006/main" xmlns:r="http://schemas.openxmlformats.org/officeDocument/2006/relationships" xmlns:p="http://schemas.openxmlformats.org/presentationml/2006/main">
   <p:cSld name="simple-light-2">
     <p:bg>
       <p:bgPr>
         <a:solidFill>
           <a:schemeClr val="lt1"/>
         </a:solidFill>
+        <a:effectLst/>
       </p:bgPr>
     </p:bg>
     <p:spTree>
       <p:nvGrpSpPr>
-        <p:cNvPr id="5" name="Shape 5"/>
+        <p:cNvPr id="1" name="Shape 5"/>
         <p:cNvGrpSpPr/>
         <p:nvPr/>
       </p:nvGrpSpPr>
@@ -5571,7 +5752,9 @@
       <p:sp>
         <p:nvSpPr>
           <p:cNvPr id="6" name="Google Shape;6;p1"/>
-          <p:cNvSpPr txBox="1"/>
+          <p:cNvSpPr txBox="1">
+            <a:spLocks noGrp="1"/>
+          </p:cNvSpPr>
           <p:nvPr>
             <p:ph type="title"/>
           </p:nvPr>
@@ -5590,7 +5773,7 @@
           </a:ln>
         </p:spPr>
         <p:txBody>
-          <a:bodyPr anchorCtr="0" anchor="t" bIns="91425" lIns="91425" spcFirstLastPara="1" rIns="91425" wrap="square" tIns="91425"/>
+          <a:bodyPr spcFirstLastPara="1" wrap="square" lIns="91425" tIns="91425" rIns="91425" bIns="91425" anchor="t" anchorCtr="0"/>
           <a:lstStyle>
             <a:lvl1pPr lvl="0" rtl="0">
               <a:spcBef>
@@ -5755,15 +5938,19 @@
               </a:defRPr>
             </a:lvl9pPr>
           </a:lstStyle>
-          <a:p/>
+          <a:p>
+            <a:endParaRPr/>
+          </a:p>
         </p:txBody>
       </p:sp>
       <p:sp>
         <p:nvSpPr>
           <p:cNvPr id="7" name="Google Shape;7;p1"/>
-          <p:cNvSpPr txBox="1"/>
+          <p:cNvSpPr txBox="1">
+            <a:spLocks noGrp="1"/>
+          </p:cNvSpPr>
           <p:nvPr>
-            <p:ph idx="1" type="body"/>
+            <p:ph type="body" idx="1"/>
           </p:nvPr>
         </p:nvSpPr>
         <p:spPr>
@@ -5780,9 +5967,9 @@
           </a:ln>
         </p:spPr>
         <p:txBody>
-          <a:bodyPr anchorCtr="0" anchor="t" bIns="91425" lIns="91425" spcFirstLastPara="1" rIns="91425" wrap="square" tIns="91425"/>
+          <a:bodyPr spcFirstLastPara="1" wrap="square" lIns="91425" tIns="91425" rIns="91425" bIns="91425" anchor="t" anchorCtr="0"/>
           <a:lstStyle>
-            <a:lvl1pPr indent="-342900" lvl="0" marL="457200" rtl="0">
+            <a:lvl1pPr marL="457200" lvl="0" indent="-342900" rtl="0">
               <a:lnSpc>
                 <a:spcPct val="115000"/>
               </a:lnSpc>
@@ -5803,7 +5990,7 @@
                 </a:solidFill>
               </a:defRPr>
             </a:lvl1pPr>
-            <a:lvl2pPr indent="-317500" lvl="1" marL="914400" rtl="0">
+            <a:lvl2pPr marL="914400" lvl="1" indent="-317500" rtl="0">
               <a:lnSpc>
                 <a:spcPct val="115000"/>
               </a:lnSpc>
@@ -5824,7 +6011,7 @@
                 </a:solidFill>
               </a:defRPr>
             </a:lvl2pPr>
-            <a:lvl3pPr indent="-317500" lvl="2" marL="1371600" rtl="0">
+            <a:lvl3pPr marL="1371600" lvl="2" indent="-317500" rtl="0">
               <a:lnSpc>
                 <a:spcPct val="115000"/>
               </a:lnSpc>
@@ -5845,7 +6032,7 @@
                 </a:solidFill>
               </a:defRPr>
             </a:lvl3pPr>
-            <a:lvl4pPr indent="-317500" lvl="3" marL="1828800" rtl="0">
+            <a:lvl4pPr marL="1828800" lvl="3" indent="-317500" rtl="0">
               <a:lnSpc>
                 <a:spcPct val="115000"/>
               </a:lnSpc>
@@ -5866,7 +6053,7 @@
                 </a:solidFill>
               </a:defRPr>
             </a:lvl4pPr>
-            <a:lvl5pPr indent="-317500" lvl="4" marL="2286000" rtl="0">
+            <a:lvl5pPr marL="2286000" lvl="4" indent="-317500" rtl="0">
               <a:lnSpc>
                 <a:spcPct val="115000"/>
               </a:lnSpc>
@@ -5887,7 +6074,7 @@
                 </a:solidFill>
               </a:defRPr>
             </a:lvl5pPr>
-            <a:lvl6pPr indent="-317500" lvl="5" marL="2743200" rtl="0">
+            <a:lvl6pPr marL="2743200" lvl="5" indent="-317500" rtl="0">
               <a:lnSpc>
                 <a:spcPct val="115000"/>
               </a:lnSpc>
@@ -5908,7 +6095,7 @@
                 </a:solidFill>
               </a:defRPr>
             </a:lvl6pPr>
-            <a:lvl7pPr indent="-317500" lvl="6" marL="3200400" rtl="0">
+            <a:lvl7pPr marL="3200400" lvl="6" indent="-317500" rtl="0">
               <a:lnSpc>
                 <a:spcPct val="115000"/>
               </a:lnSpc>
@@ -5929,7 +6116,7 @@
                 </a:solidFill>
               </a:defRPr>
             </a:lvl7pPr>
-            <a:lvl8pPr indent="-317500" lvl="7" marL="3657600" rtl="0">
+            <a:lvl8pPr marL="3657600" lvl="7" indent="-317500" rtl="0">
               <a:lnSpc>
                 <a:spcPct val="115000"/>
               </a:lnSpc>
@@ -5950,7 +6137,7 @@
                 </a:solidFill>
               </a:defRPr>
             </a:lvl8pPr>
-            <a:lvl9pPr indent="-317500" lvl="8" marL="4114800" rtl="0">
+            <a:lvl9pPr marL="4114800" lvl="8" indent="-317500" rtl="0">
               <a:lnSpc>
                 <a:spcPct val="115000"/>
               </a:lnSpc>
@@ -5972,15 +6159,19 @@
               </a:defRPr>
             </a:lvl9pPr>
           </a:lstStyle>
-          <a:p/>
+          <a:p>
+            <a:endParaRPr/>
+          </a:p>
         </p:txBody>
       </p:sp>
       <p:sp>
         <p:nvSpPr>
           <p:cNvPr id="8" name="Google Shape;8;p1"/>
-          <p:cNvSpPr txBox="1"/>
+          <p:cNvSpPr txBox="1">
+            <a:spLocks noGrp="1"/>
+          </p:cNvSpPr>
           <p:nvPr>
-            <p:ph idx="12" type="sldNum"/>
+            <p:ph type="sldNum" idx="12"/>
           </p:nvPr>
         </p:nvSpPr>
         <p:spPr>
@@ -5997,11 +6188,11 @@
           </a:ln>
         </p:spPr>
         <p:txBody>
-          <a:bodyPr anchorCtr="0" anchor="ctr" bIns="91425" lIns="91425" spcFirstLastPara="1" rIns="91425" wrap="square" tIns="91425">
+          <a:bodyPr spcFirstLastPara="1" wrap="square" lIns="91425" tIns="91425" rIns="91425" bIns="91425" anchor="ctr" anchorCtr="0">
             <a:noAutofit/>
           </a:bodyPr>
           <a:lstStyle>
-            <a:lvl1pPr lvl="0" rtl="0" algn="r">
+            <a:lvl1pPr lvl="0" algn="r" rtl="0">
               <a:buNone/>
               <a:defRPr sz="1000">
                 <a:solidFill>
@@ -6009,7 +6200,7 @@
                 </a:solidFill>
               </a:defRPr>
             </a:lvl1pPr>
-            <a:lvl2pPr lvl="1" rtl="0" algn="r">
+            <a:lvl2pPr lvl="1" algn="r" rtl="0">
               <a:buNone/>
               <a:defRPr sz="1000">
                 <a:solidFill>
@@ -6017,7 +6208,7 @@
                 </a:solidFill>
               </a:defRPr>
             </a:lvl2pPr>
-            <a:lvl3pPr lvl="2" rtl="0" algn="r">
+            <a:lvl3pPr lvl="2" algn="r" rtl="0">
               <a:buNone/>
               <a:defRPr sz="1000">
                 <a:solidFill>
@@ -6025,7 +6216,7 @@
                 </a:solidFill>
               </a:defRPr>
             </a:lvl3pPr>
-            <a:lvl4pPr lvl="3" rtl="0" algn="r">
+            <a:lvl4pPr lvl="3" algn="r" rtl="0">
               <a:buNone/>
               <a:defRPr sz="1000">
                 <a:solidFill>
@@ -6033,7 +6224,7 @@
                 </a:solidFill>
               </a:defRPr>
             </a:lvl4pPr>
-            <a:lvl5pPr lvl="4" rtl="0" algn="r">
+            <a:lvl5pPr lvl="4" algn="r" rtl="0">
               <a:buNone/>
               <a:defRPr sz="1000">
                 <a:solidFill>
@@ -6041,7 +6232,7 @@
                 </a:solidFill>
               </a:defRPr>
             </a:lvl5pPr>
-            <a:lvl6pPr lvl="5" rtl="0" algn="r">
+            <a:lvl6pPr lvl="5" algn="r" rtl="0">
               <a:buNone/>
               <a:defRPr sz="1000">
                 <a:solidFill>
@@ -6049,7 +6240,7 @@
                 </a:solidFill>
               </a:defRPr>
             </a:lvl6pPr>
-            <a:lvl7pPr lvl="6" rtl="0" algn="r">
+            <a:lvl7pPr lvl="6" algn="r" rtl="0">
               <a:buNone/>
               <a:defRPr sz="1000">
                 <a:solidFill>
@@ -6057,7 +6248,7 @@
                 </a:solidFill>
               </a:defRPr>
             </a:lvl7pPr>
-            <a:lvl8pPr lvl="7" rtl="0" algn="r">
+            <a:lvl8pPr lvl="7" algn="r" rtl="0">
               <a:buNone/>
               <a:defRPr sz="1000">
                 <a:solidFill>
@@ -6065,7 +6256,7 @@
                 </a:solidFill>
               </a:defRPr>
             </a:lvl8pPr>
-            <a:lvl9pPr lvl="8" rtl="0" algn="r">
+            <a:lvl9pPr lvl="8" algn="r" rtl="0">
               <a:buNone/>
               <a:defRPr sz="1000">
                 <a:solidFill>
@@ -6075,7 +6266,7 @@
             </a:lvl9pPr>
           </a:lstStyle>
           <a:p>
-            <a:pPr indent="0" lvl="0" marL="0" rtl="0" algn="r">
+            <a:pPr marL="0" lvl="0" indent="0" algn="r" rtl="0">
               <a:spcBef>
                 <a:spcPts val="0"/>
               </a:spcBef>
@@ -6094,7 +6285,7 @@
       </p:sp>
     </p:spTree>
   </p:cSld>
-  <p:clrMap accent1="accent1" accent2="accent2" accent3="accent3" accent4="accent4" accent5="accent5" accent6="accent6" bg1="lt1" bg2="dk2" tx1="dk1" tx2="lt2" folHlink="folHlink" hlink="hlink"/>
+  <p:clrMap bg1="lt1" tx1="dk1" bg2="dk2" tx2="lt2" accent1="accent1" accent2="accent2" accent3="accent3" accent4="accent4" accent5="accent5" accent6="accent6" hlink="hlink" folHlink="folHlink"/>
   <p:sldLayoutIdLst>
     <p:sldLayoutId id="2147483648" r:id="rId1"/>
     <p:sldLayoutId id="2147483649" r:id="rId2"/>
@@ -6108,10 +6299,10 @@
     <p:sldLayoutId id="2147483657" r:id="rId10"/>
     <p:sldLayoutId id="2147483658" r:id="rId11"/>
   </p:sldLayoutIdLst>
-  <p:hf dt="0" ftr="0" hdr="0" sldNum="0"/>
+  <p:hf sldNum="0" hdr="0" ftr="0" dt="0"/>
   <p:txStyles>
     <p:titleStyle>
-      <a:defPPr lvl="0" marR="0" rtl="0" algn="l">
+      <a:defPPr marR="0" lvl="0" algn="l" rtl="0">
         <a:lnSpc>
           <a:spcPct val="100000"/>
         </a:lnSpc>
@@ -6122,7 +6313,7 @@
           <a:spcPts val="0"/>
         </a:spcAft>
       </a:defPPr>
-      <a:lvl1pPr lvl="0" marR="0" rtl="0" algn="l">
+      <a:lvl1pPr marR="0" lvl="0" algn="l" rtl="0">
         <a:lnSpc>
           <a:spcPct val="100000"/>
         </a:lnSpc>
@@ -6136,7 +6327,7 @@
           <a:srgbClr val="000000"/>
         </a:buClr>
         <a:buFont typeface="Arial"/>
-        <a:defRPr b="0" i="0" sz="1400" u="none" cap="none" strike="noStrike">
+        <a:defRPr sz="1400" b="0" i="0" u="none" strike="noStrike" cap="none">
           <a:solidFill>
             <a:srgbClr val="000000"/>
           </a:solidFill>
@@ -6146,7 +6337,7 @@
           <a:sym typeface="Arial"/>
         </a:defRPr>
       </a:lvl1pPr>
-      <a:lvl2pPr lvl="1" marR="0" rtl="0" algn="l">
+      <a:lvl2pPr marR="0" lvl="1" algn="l" rtl="0">
         <a:lnSpc>
           <a:spcPct val="100000"/>
         </a:lnSpc>
@@ -6160,7 +6351,7 @@
           <a:srgbClr val="000000"/>
         </a:buClr>
         <a:buFont typeface="Arial"/>
-        <a:defRPr b="0" i="0" sz="1400" u="none" cap="none" strike="noStrike">
+        <a:defRPr sz="1400" b="0" i="0" u="none" strike="noStrike" cap="none">
           <a:solidFill>
             <a:srgbClr val="000000"/>
           </a:solidFill>
@@ -6170,7 +6361,7 @@
           <a:sym typeface="Arial"/>
         </a:defRPr>
       </a:lvl2pPr>
-      <a:lvl3pPr lvl="2" marR="0" rtl="0" algn="l">
+      <a:lvl3pPr marR="0" lvl="2" algn="l" rtl="0">
         <a:lnSpc>
           <a:spcPct val="100000"/>
         </a:lnSpc>
@@ -6184,7 +6375,7 @@
           <a:srgbClr val="000000"/>
         </a:buClr>
         <a:buFont typeface="Arial"/>
-        <a:defRPr b="0" i="0" sz="1400" u="none" cap="none" strike="noStrike">
+        <a:defRPr sz="1400" b="0" i="0" u="none" strike="noStrike" cap="none">
           <a:solidFill>
             <a:srgbClr val="000000"/>
           </a:solidFill>
@@ -6194,7 +6385,7 @@
           <a:sym typeface="Arial"/>
         </a:defRPr>
       </a:lvl3pPr>
-      <a:lvl4pPr lvl="3" marR="0" rtl="0" algn="l">
+      <a:lvl4pPr marR="0" lvl="3" algn="l" rtl="0">
         <a:lnSpc>
           <a:spcPct val="100000"/>
         </a:lnSpc>
@@ -6208,7 +6399,7 @@
           <a:srgbClr val="000000"/>
         </a:buClr>
         <a:buFont typeface="Arial"/>
-        <a:defRPr b="0" i="0" sz="1400" u="none" cap="none" strike="noStrike">
+        <a:defRPr sz="1400" b="0" i="0" u="none" strike="noStrike" cap="none">
           <a:solidFill>
             <a:srgbClr val="000000"/>
           </a:solidFill>
@@ -6218,7 +6409,7 @@
           <a:sym typeface="Arial"/>
         </a:defRPr>
       </a:lvl4pPr>
-      <a:lvl5pPr lvl="4" marR="0" rtl="0" algn="l">
+      <a:lvl5pPr marR="0" lvl="4" algn="l" rtl="0">
         <a:lnSpc>
           <a:spcPct val="100000"/>
         </a:lnSpc>
@@ -6232,7 +6423,7 @@
           <a:srgbClr val="000000"/>
         </a:buClr>
         <a:buFont typeface="Arial"/>
-        <a:defRPr b="0" i="0" sz="1400" u="none" cap="none" strike="noStrike">
+        <a:defRPr sz="1400" b="0" i="0" u="none" strike="noStrike" cap="none">
           <a:solidFill>
             <a:srgbClr val="000000"/>
           </a:solidFill>
@@ -6242,7 +6433,7 @@
           <a:sym typeface="Arial"/>
         </a:defRPr>
       </a:lvl5pPr>
-      <a:lvl6pPr lvl="5" marR="0" rtl="0" algn="l">
+      <a:lvl6pPr marR="0" lvl="5" algn="l" rtl="0">
         <a:lnSpc>
           <a:spcPct val="100000"/>
         </a:lnSpc>
@@ -6256,7 +6447,7 @@
           <a:srgbClr val="000000"/>
         </a:buClr>
         <a:buFont typeface="Arial"/>
-        <a:defRPr b="0" i="0" sz="1400" u="none" cap="none" strike="noStrike">
+        <a:defRPr sz="1400" b="0" i="0" u="none" strike="noStrike" cap="none">
           <a:solidFill>
             <a:srgbClr val="000000"/>
           </a:solidFill>
@@ -6266,7 +6457,7 @@
           <a:sym typeface="Arial"/>
         </a:defRPr>
       </a:lvl6pPr>
-      <a:lvl7pPr lvl="6" marR="0" rtl="0" algn="l">
+      <a:lvl7pPr marR="0" lvl="6" algn="l" rtl="0">
         <a:lnSpc>
           <a:spcPct val="100000"/>
         </a:lnSpc>
@@ -6280,7 +6471,7 @@
           <a:srgbClr val="000000"/>
         </a:buClr>
         <a:buFont typeface="Arial"/>
-        <a:defRPr b="0" i="0" sz="1400" u="none" cap="none" strike="noStrike">
+        <a:defRPr sz="1400" b="0" i="0" u="none" strike="noStrike" cap="none">
           <a:solidFill>
             <a:srgbClr val="000000"/>
           </a:solidFill>
@@ -6290,7 +6481,7 @@
           <a:sym typeface="Arial"/>
         </a:defRPr>
       </a:lvl7pPr>
-      <a:lvl8pPr lvl="7" marR="0" rtl="0" algn="l">
+      <a:lvl8pPr marR="0" lvl="7" algn="l" rtl="0">
         <a:lnSpc>
           <a:spcPct val="100000"/>
         </a:lnSpc>
@@ -6304,7 +6495,7 @@
           <a:srgbClr val="000000"/>
         </a:buClr>
         <a:buFont typeface="Arial"/>
-        <a:defRPr b="0" i="0" sz="1400" u="none" cap="none" strike="noStrike">
+        <a:defRPr sz="1400" b="0" i="0" u="none" strike="noStrike" cap="none">
           <a:solidFill>
             <a:srgbClr val="000000"/>
           </a:solidFill>
@@ -6314,7 +6505,7 @@
           <a:sym typeface="Arial"/>
         </a:defRPr>
       </a:lvl8pPr>
-      <a:lvl9pPr lvl="8" marR="0" rtl="0" algn="l">
+      <a:lvl9pPr marR="0" lvl="8" algn="l" rtl="0">
         <a:lnSpc>
           <a:spcPct val="100000"/>
         </a:lnSpc>
@@ -6328,7 +6519,7 @@
           <a:srgbClr val="000000"/>
         </a:buClr>
         <a:buFont typeface="Arial"/>
-        <a:defRPr b="0" i="0" sz="1400" u="none" cap="none" strike="noStrike">
+        <a:defRPr sz="1400" b="0" i="0" u="none" strike="noStrike" cap="none">
           <a:solidFill>
             <a:srgbClr val="000000"/>
           </a:solidFill>
@@ -6340,7 +6531,7 @@
       </a:lvl9pPr>
     </p:titleStyle>
     <p:bodyStyle>
-      <a:defPPr lvl="0" marR="0" rtl="0" algn="l">
+      <a:defPPr marR="0" lvl="0" algn="l" rtl="0">
         <a:lnSpc>
           <a:spcPct val="100000"/>
         </a:lnSpc>
@@ -6351,7 +6542,7 @@
           <a:spcPts val="0"/>
         </a:spcAft>
       </a:defPPr>
-      <a:lvl1pPr lvl="0" marR="0" rtl="0" algn="l">
+      <a:lvl1pPr marR="0" lvl="0" algn="l" rtl="0">
         <a:lnSpc>
           <a:spcPct val="100000"/>
         </a:lnSpc>
@@ -6365,7 +6556,7 @@
           <a:srgbClr val="000000"/>
         </a:buClr>
         <a:buFont typeface="Arial"/>
-        <a:defRPr b="0" i="0" sz="1400" u="none" cap="none" strike="noStrike">
+        <a:defRPr sz="1400" b="0" i="0" u="none" strike="noStrike" cap="none">
           <a:solidFill>
             <a:srgbClr val="000000"/>
           </a:solidFill>
@@ -6375,7 +6566,7 @@
           <a:sym typeface="Arial"/>
         </a:defRPr>
       </a:lvl1pPr>
-      <a:lvl2pPr lvl="1" marR="0" rtl="0" algn="l">
+      <a:lvl2pPr marR="0" lvl="1" algn="l" rtl="0">
         <a:lnSpc>
           <a:spcPct val="100000"/>
         </a:lnSpc>
@@ -6389,7 +6580,7 @@
           <a:srgbClr val="000000"/>
         </a:buClr>
         <a:buFont typeface="Arial"/>
-        <a:defRPr b="0" i="0" sz="1400" u="none" cap="none" strike="noStrike">
+        <a:defRPr sz="1400" b="0" i="0" u="none" strike="noStrike" cap="none">
           <a:solidFill>
             <a:srgbClr val="000000"/>
           </a:solidFill>
@@ -6399,7 +6590,7 @@
           <a:sym typeface="Arial"/>
         </a:defRPr>
       </a:lvl2pPr>
-      <a:lvl3pPr lvl="2" marR="0" rtl="0" algn="l">
+      <a:lvl3pPr marR="0" lvl="2" algn="l" rtl="0">
         <a:lnSpc>
           <a:spcPct val="100000"/>
         </a:lnSpc>
@@ -6413,7 +6604,7 @@
           <a:srgbClr val="000000"/>
         </a:buClr>
         <a:buFont typeface="Arial"/>
-        <a:defRPr b="0" i="0" sz="1400" u="none" cap="none" strike="noStrike">
+        <a:defRPr sz="1400" b="0" i="0" u="none" strike="noStrike" cap="none">
           <a:solidFill>
             <a:srgbClr val="000000"/>
           </a:solidFill>
@@ -6423,7 +6614,7 @@
           <a:sym typeface="Arial"/>
         </a:defRPr>
       </a:lvl3pPr>
-      <a:lvl4pPr lvl="3" marR="0" rtl="0" algn="l">
+      <a:lvl4pPr marR="0" lvl="3" algn="l" rtl="0">
         <a:lnSpc>
           <a:spcPct val="100000"/>
         </a:lnSpc>
@@ -6437,7 +6628,7 @@
           <a:srgbClr val="000000"/>
         </a:buClr>
         <a:buFont typeface="Arial"/>
-        <a:defRPr b="0" i="0" sz="1400" u="none" cap="none" strike="noStrike">
+        <a:defRPr sz="1400" b="0" i="0" u="none" strike="noStrike" cap="none">
           <a:solidFill>
             <a:srgbClr val="000000"/>
           </a:solidFill>
@@ -6447,7 +6638,7 @@
           <a:sym typeface="Arial"/>
         </a:defRPr>
       </a:lvl4pPr>
-      <a:lvl5pPr lvl="4" marR="0" rtl="0" algn="l">
+      <a:lvl5pPr marR="0" lvl="4" algn="l" rtl="0">
         <a:lnSpc>
           <a:spcPct val="100000"/>
         </a:lnSpc>
@@ -6461,7 +6652,7 @@
           <a:srgbClr val="000000"/>
         </a:buClr>
         <a:buFont typeface="Arial"/>
-        <a:defRPr b="0" i="0" sz="1400" u="none" cap="none" strike="noStrike">
+        <a:defRPr sz="1400" b="0" i="0" u="none" strike="noStrike" cap="none">
           <a:solidFill>
             <a:srgbClr val="000000"/>
           </a:solidFill>
@@ -6471,7 +6662,7 @@
           <a:sym typeface="Arial"/>
         </a:defRPr>
       </a:lvl5pPr>
-      <a:lvl6pPr lvl="5" marR="0" rtl="0" algn="l">
+      <a:lvl6pPr marR="0" lvl="5" algn="l" rtl="0">
         <a:lnSpc>
           <a:spcPct val="100000"/>
         </a:lnSpc>
@@ -6485,7 +6676,7 @@
           <a:srgbClr val="000000"/>
         </a:buClr>
         <a:buFont typeface="Arial"/>
-        <a:defRPr b="0" i="0" sz="1400" u="none" cap="none" strike="noStrike">
+        <a:defRPr sz="1400" b="0" i="0" u="none" strike="noStrike" cap="none">
           <a:solidFill>
             <a:srgbClr val="000000"/>
           </a:solidFill>
@@ -6495,7 +6686,7 @@
           <a:sym typeface="Arial"/>
         </a:defRPr>
       </a:lvl6pPr>
-      <a:lvl7pPr lvl="6" marR="0" rtl="0" algn="l">
+      <a:lvl7pPr marR="0" lvl="6" algn="l" rtl="0">
         <a:lnSpc>
           <a:spcPct val="100000"/>
         </a:lnSpc>
@@ -6509,7 +6700,7 @@
           <a:srgbClr val="000000"/>
         </a:buClr>
         <a:buFont typeface="Arial"/>
-        <a:defRPr b="0" i="0" sz="1400" u="none" cap="none" strike="noStrike">
+        <a:defRPr sz="1400" b="0" i="0" u="none" strike="noStrike" cap="none">
           <a:solidFill>
             <a:srgbClr val="000000"/>
           </a:solidFill>
@@ -6519,7 +6710,7 @@
           <a:sym typeface="Arial"/>
         </a:defRPr>
       </a:lvl7pPr>
-      <a:lvl8pPr lvl="7" marR="0" rtl="0" algn="l">
+      <a:lvl8pPr marR="0" lvl="7" algn="l" rtl="0">
         <a:lnSpc>
           <a:spcPct val="100000"/>
         </a:lnSpc>
@@ -6533,7 +6724,7 @@
           <a:srgbClr val="000000"/>
         </a:buClr>
         <a:buFont typeface="Arial"/>
-        <a:defRPr b="0" i="0" sz="1400" u="none" cap="none" strike="noStrike">
+        <a:defRPr sz="1400" b="0" i="0" u="none" strike="noStrike" cap="none">
           <a:solidFill>
             <a:srgbClr val="000000"/>
           </a:solidFill>
@@ -6543,7 +6734,7 @@
           <a:sym typeface="Arial"/>
         </a:defRPr>
       </a:lvl8pPr>
-      <a:lvl9pPr lvl="8" marR="0" rtl="0" algn="l">
+      <a:lvl9pPr marR="0" lvl="8" algn="l" rtl="0">
         <a:lnSpc>
           <a:spcPct val="100000"/>
         </a:lnSpc>
@@ -6557,7 +6748,7 @@
           <a:srgbClr val="000000"/>
         </a:buClr>
         <a:buFont typeface="Arial"/>
-        <a:defRPr b="0" i="0" sz="1400" u="none" cap="none" strike="noStrike">
+        <a:defRPr sz="1400" b="0" i="0" u="none" strike="noStrike" cap="none">
           <a:solidFill>
             <a:srgbClr val="000000"/>
           </a:solidFill>
@@ -6569,7 +6760,7 @@
       </a:lvl9pPr>
     </p:bodyStyle>
     <p:otherStyle>
-      <a:defPPr lvl="0" marR="0" rtl="0" algn="l">
+      <a:defPPr marR="0" lvl="0" algn="l" rtl="0">
         <a:lnSpc>
           <a:spcPct val="100000"/>
         </a:lnSpc>
@@ -6580,7 +6771,7 @@
           <a:spcPts val="0"/>
         </a:spcAft>
       </a:defPPr>
-      <a:lvl1pPr lvl="0" marR="0" rtl="0" algn="l">
+      <a:lvl1pPr marR="0" lvl="0" algn="l" rtl="0">
         <a:lnSpc>
           <a:spcPct val="100000"/>
         </a:lnSpc>
@@ -6594,7 +6785,7 @@
           <a:srgbClr val="000000"/>
         </a:buClr>
         <a:buFont typeface="Arial"/>
-        <a:defRPr b="0" i="0" sz="1400" u="none" cap="none" strike="noStrike">
+        <a:defRPr sz="1400" b="0" i="0" u="none" strike="noStrike" cap="none">
           <a:solidFill>
             <a:srgbClr val="000000"/>
           </a:solidFill>
@@ -6604,7 +6795,7 @@
           <a:sym typeface="Arial"/>
         </a:defRPr>
       </a:lvl1pPr>
-      <a:lvl2pPr lvl="1" marR="0" rtl="0" algn="l">
+      <a:lvl2pPr marR="0" lvl="1" algn="l" rtl="0">
         <a:lnSpc>
           <a:spcPct val="100000"/>
         </a:lnSpc>
@@ -6618,7 +6809,7 @@
           <a:srgbClr val="000000"/>
         </a:buClr>
         <a:buFont typeface="Arial"/>
-        <a:defRPr b="0" i="0" sz="1400" u="none" cap="none" strike="noStrike">
+        <a:defRPr sz="1400" b="0" i="0" u="none" strike="noStrike" cap="none">
           <a:solidFill>
             <a:srgbClr val="000000"/>
           </a:solidFill>
@@ -6628,7 +6819,7 @@
           <a:sym typeface="Arial"/>
         </a:defRPr>
       </a:lvl2pPr>
-      <a:lvl3pPr lvl="2" marR="0" rtl="0" algn="l">
+      <a:lvl3pPr marR="0" lvl="2" algn="l" rtl="0">
         <a:lnSpc>
           <a:spcPct val="100000"/>
         </a:lnSpc>
@@ -6642,7 +6833,7 @@
           <a:srgbClr val="000000"/>
         </a:buClr>
         <a:buFont typeface="Arial"/>
-        <a:defRPr b="0" i="0" sz="1400" u="none" cap="none" strike="noStrike">
+        <a:defRPr sz="1400" b="0" i="0" u="none" strike="noStrike" cap="none">
           <a:solidFill>
             <a:srgbClr val="000000"/>
           </a:solidFill>
@@ -6652,7 +6843,7 @@
           <a:sym typeface="Arial"/>
         </a:defRPr>
       </a:lvl3pPr>
-      <a:lvl4pPr lvl="3" marR="0" rtl="0" algn="l">
+      <a:lvl4pPr marR="0" lvl="3" algn="l" rtl="0">
         <a:lnSpc>
           <a:spcPct val="100000"/>
         </a:lnSpc>
@@ -6666,7 +6857,7 @@
           <a:srgbClr val="000000"/>
         </a:buClr>
         <a:buFont typeface="Arial"/>
-        <a:defRPr b="0" i="0" sz="1400" u="none" cap="none" strike="noStrike">
+        <a:defRPr sz="1400" b="0" i="0" u="none" strike="noStrike" cap="none">
           <a:solidFill>
             <a:srgbClr val="000000"/>
           </a:solidFill>
@@ -6676,7 +6867,7 @@
           <a:sym typeface="Arial"/>
         </a:defRPr>
       </a:lvl4pPr>
-      <a:lvl5pPr lvl="4" marR="0" rtl="0" algn="l">
+      <a:lvl5pPr marR="0" lvl="4" algn="l" rtl="0">
         <a:lnSpc>
           <a:spcPct val="100000"/>
         </a:lnSpc>
@@ -6690,7 +6881,7 @@
           <a:srgbClr val="000000"/>
         </a:buClr>
         <a:buFont typeface="Arial"/>
-        <a:defRPr b="0" i="0" sz="1400" u="none" cap="none" strike="noStrike">
+        <a:defRPr sz="1400" b="0" i="0" u="none" strike="noStrike" cap="none">
           <a:solidFill>
             <a:srgbClr val="000000"/>
           </a:solidFill>
@@ -6700,7 +6891,7 @@
           <a:sym typeface="Arial"/>
         </a:defRPr>
       </a:lvl5pPr>
-      <a:lvl6pPr lvl="5" marR="0" rtl="0" algn="l">
+      <a:lvl6pPr marR="0" lvl="5" algn="l" rtl="0">
         <a:lnSpc>
           <a:spcPct val="100000"/>
         </a:lnSpc>
@@ -6714,7 +6905,7 @@
           <a:srgbClr val="000000"/>
         </a:buClr>
         <a:buFont typeface="Arial"/>
-        <a:defRPr b="0" i="0" sz="1400" u="none" cap="none" strike="noStrike">
+        <a:defRPr sz="1400" b="0" i="0" u="none" strike="noStrike" cap="none">
           <a:solidFill>
             <a:srgbClr val="000000"/>
           </a:solidFill>
@@ -6724,7 +6915,7 @@
           <a:sym typeface="Arial"/>
         </a:defRPr>
       </a:lvl6pPr>
-      <a:lvl7pPr lvl="6" marR="0" rtl="0" algn="l">
+      <a:lvl7pPr marR="0" lvl="6" algn="l" rtl="0">
         <a:lnSpc>
           <a:spcPct val="100000"/>
         </a:lnSpc>
@@ -6738,7 +6929,7 @@
           <a:srgbClr val="000000"/>
         </a:buClr>
         <a:buFont typeface="Arial"/>
-        <a:defRPr b="0" i="0" sz="1400" u="none" cap="none" strike="noStrike">
+        <a:defRPr sz="1400" b="0" i="0" u="none" strike="noStrike" cap="none">
           <a:solidFill>
             <a:srgbClr val="000000"/>
           </a:solidFill>
@@ -6748,7 +6939,7 @@
           <a:sym typeface="Arial"/>
         </a:defRPr>
       </a:lvl7pPr>
-      <a:lvl8pPr lvl="7" marR="0" rtl="0" algn="l">
+      <a:lvl8pPr marR="0" lvl="7" algn="l" rtl="0">
         <a:lnSpc>
           <a:spcPct val="100000"/>
         </a:lnSpc>
@@ -6762,7 +6953,7 @@
           <a:srgbClr val="000000"/>
         </a:buClr>
         <a:buFont typeface="Arial"/>
-        <a:defRPr b="0" i="0" sz="1400" u="none" cap="none" strike="noStrike">
+        <a:defRPr sz="1400" b="0" i="0" u="none" strike="noStrike" cap="none">
           <a:solidFill>
             <a:srgbClr val="000000"/>
           </a:solidFill>
@@ -6772,7 +6963,7 @@
           <a:sym typeface="Arial"/>
         </a:defRPr>
       </a:lvl8pPr>
-      <a:lvl9pPr lvl="8" marR="0" rtl="0" algn="l">
+      <a:lvl9pPr marR="0" lvl="8" algn="l" rtl="0">
         <a:lnSpc>
           <a:spcPct val="100000"/>
         </a:lnSpc>
@@ -6786,7 +6977,7 @@
           <a:srgbClr val="000000"/>
         </a:buClr>
         <a:buFont typeface="Arial"/>
-        <a:defRPr b="0" i="0" sz="1400" u="none" cap="none" strike="noStrike">
+        <a:defRPr sz="1400" b="0" i="0" u="none" strike="noStrike" cap="none">
           <a:solidFill>
             <a:srgbClr val="000000"/>
           </a:solidFill>
@@ -6802,11 +6993,11 @@
 </file>
 
 <file path=ppt/slides/slide1.xml><?xml version="1.0" encoding="utf-8"?>
-<p:sld xmlns:a="http://schemas.openxmlformats.org/drawingml/2006/main" xmlns:r="http://schemas.openxmlformats.org/officeDocument/2006/relationships" xmlns:mc="http://schemas.openxmlformats.org/markup-compatibility/2006" xmlns:mv="urn:schemas-microsoft-com:mac:vml" xmlns:p="http://schemas.openxmlformats.org/presentationml/2006/main" xmlns:c="http://schemas.openxmlformats.org/drawingml/2006/chart" xmlns:dgm="http://schemas.openxmlformats.org/drawingml/2006/diagram" xmlns:o="urn:schemas-microsoft-com:office:office" xmlns:v="urn:schemas-microsoft-com:vml" xmlns:pvml="urn:schemas-microsoft-com:office:powerpoint" xmlns:com="http://schemas.openxmlformats.org/drawingml/2006/compatibility" xmlns:p14="http://schemas.microsoft.com/office/powerpoint/2010/main" xmlns:p15="http://schemas.microsoft.com/office/powerpoint/2012/main">
+<p:sld xmlns:a="http://schemas.openxmlformats.org/drawingml/2006/main" xmlns:r="http://schemas.openxmlformats.org/officeDocument/2006/relationships" xmlns:p="http://schemas.openxmlformats.org/presentationml/2006/main">
   <p:cSld>
     <p:spTree>
       <p:nvGrpSpPr>
-        <p:cNvPr id="53" name="Shape 53"/>
+        <p:cNvPr id="1" name="Shape 53"/>
         <p:cNvGrpSpPr/>
         <p:nvPr/>
       </p:nvGrpSpPr>
@@ -6821,7 +7012,9 @@
       <p:sp>
         <p:nvSpPr>
           <p:cNvPr id="54" name="Google Shape;54;p13"/>
-          <p:cNvSpPr txBox="1"/>
+          <p:cNvSpPr txBox="1">
+            <a:spLocks noGrp="1"/>
+          </p:cNvSpPr>
           <p:nvPr>
             <p:ph type="ctrTitle"/>
           </p:nvPr>
@@ -6836,12 +7029,12 @@
           </a:prstGeom>
         </p:spPr>
         <p:txBody>
-          <a:bodyPr anchorCtr="0" anchor="b" bIns="91425" lIns="91425" spcFirstLastPara="1" rIns="91425" wrap="square" tIns="91425">
+          <a:bodyPr spcFirstLastPara="1" wrap="square" lIns="91425" tIns="91425" rIns="91425" bIns="91425" anchor="b" anchorCtr="0">
             <a:noAutofit/>
           </a:bodyPr>
           <a:lstStyle/>
           <a:p>
-            <a:pPr indent="0" lvl="0" marL="0" rtl="0" algn="ctr">
+            <a:pPr marL="0" lvl="0" indent="0" algn="ctr" rtl="0">
               <a:spcBef>
                 <a:spcPts val="0"/>
               </a:spcBef>
@@ -6861,9 +7054,11 @@
       <p:sp>
         <p:nvSpPr>
           <p:cNvPr id="55" name="Google Shape;55;p13"/>
-          <p:cNvSpPr txBox="1"/>
+          <p:cNvSpPr txBox="1">
+            <a:spLocks noGrp="1"/>
+          </p:cNvSpPr>
           <p:nvPr>
-            <p:ph idx="1" type="subTitle"/>
+            <p:ph type="subTitle" idx="1"/>
           </p:nvPr>
         </p:nvSpPr>
         <p:spPr>
@@ -6876,12 +7071,12 @@
           </a:prstGeom>
         </p:spPr>
         <p:txBody>
-          <a:bodyPr anchorCtr="0" anchor="t" bIns="91425" lIns="91425" spcFirstLastPara="1" rIns="91425" wrap="square" tIns="91425">
+          <a:bodyPr spcFirstLastPara="1" wrap="square" lIns="91425" tIns="91425" rIns="91425" bIns="91425" anchor="t" anchorCtr="0">
             <a:noAutofit/>
           </a:bodyPr>
           <a:lstStyle/>
           <a:p>
-            <a:pPr indent="0" lvl="0" marL="0" rtl="0" algn="ctr">
+            <a:pPr marL="0" lvl="0" indent="0" algn="ctr" rtl="0">
               <a:spcBef>
                 <a:spcPts val="0"/>
               </a:spcBef>
@@ -6907,11 +7102,11 @@
 </file>
 
 <file path=ppt/slides/slide10.xml><?xml version="1.0" encoding="utf-8"?>
-<p:sld xmlns:a="http://schemas.openxmlformats.org/drawingml/2006/main" xmlns:r="http://schemas.openxmlformats.org/officeDocument/2006/relationships" xmlns:mc="http://schemas.openxmlformats.org/markup-compatibility/2006" xmlns:mv="urn:schemas-microsoft-com:mac:vml" xmlns:p="http://schemas.openxmlformats.org/presentationml/2006/main" xmlns:c="http://schemas.openxmlformats.org/drawingml/2006/chart" xmlns:dgm="http://schemas.openxmlformats.org/drawingml/2006/diagram" xmlns:o="urn:schemas-microsoft-com:office:office" xmlns:v="urn:schemas-microsoft-com:vml" xmlns:pvml="urn:schemas-microsoft-com:office:powerpoint" xmlns:com="http://schemas.openxmlformats.org/drawingml/2006/compatibility" xmlns:p14="http://schemas.microsoft.com/office/powerpoint/2010/main" xmlns:p15="http://schemas.microsoft.com/office/powerpoint/2012/main">
+<p:sld xmlns:a="http://schemas.openxmlformats.org/drawingml/2006/main" xmlns:r="http://schemas.openxmlformats.org/officeDocument/2006/relationships" xmlns:p="http://schemas.openxmlformats.org/presentationml/2006/main">
   <p:cSld>
     <p:spTree>
       <p:nvGrpSpPr>
-        <p:cNvPr id="107" name="Shape 107"/>
+        <p:cNvPr id="1" name="Shape 107"/>
         <p:cNvGrpSpPr/>
         <p:nvPr/>
       </p:nvGrpSpPr>
@@ -6926,7 +7121,9 @@
       <p:sp>
         <p:nvSpPr>
           <p:cNvPr id="108" name="Google Shape;108;p22"/>
-          <p:cNvSpPr txBox="1"/>
+          <p:cNvSpPr txBox="1">
+            <a:spLocks noGrp="1"/>
+          </p:cNvSpPr>
           <p:nvPr>
             <p:ph type="title"/>
           </p:nvPr>
@@ -6941,12 +7138,12 @@
           </a:prstGeom>
         </p:spPr>
         <p:txBody>
-          <a:bodyPr anchorCtr="0" anchor="t" bIns="91425" lIns="91425" spcFirstLastPara="1" rIns="91425" wrap="square" tIns="91425">
+          <a:bodyPr spcFirstLastPara="1" wrap="square" lIns="91425" tIns="91425" rIns="91425" bIns="91425" anchor="t" anchorCtr="0">
             <a:noAutofit/>
           </a:bodyPr>
           <a:lstStyle/>
           <a:p>
-            <a:pPr indent="0" lvl="0" marL="0" rtl="0" algn="l">
+            <a:pPr marL="0" lvl="0" indent="0" algn="l" rtl="0">
               <a:spcBef>
                 <a:spcPts val="0"/>
               </a:spcBef>
@@ -6967,18 +7164,15 @@
             <a:endParaRPr/>
           </a:p>
           <a:p>
-            <a:pPr indent="0" lvl="0" marL="0" rtl="0" algn="l">
-              <a:spcBef>
-                <a:spcPts val="0"/>
-              </a:spcBef>
-              <a:spcAft>
-                <a:spcPts val="0"/>
-              </a:spcAft>
-              <a:buNone/>
-            </a:pPr>
-            <a:r>
-              <a:t/>
-            </a:r>
+            <a:pPr marL="0" lvl="0" indent="0" algn="l" rtl="0">
+              <a:spcBef>
+                <a:spcPts val="0"/>
+              </a:spcBef>
+              <a:spcAft>
+                <a:spcPts val="0"/>
+              </a:spcAft>
+              <a:buNone/>
+            </a:pPr>
             <a:endParaRPr/>
           </a:p>
         </p:txBody>
@@ -6986,9 +7180,11 @@
       <p:sp>
         <p:nvSpPr>
           <p:cNvPr id="109" name="Google Shape;109;p22"/>
-          <p:cNvSpPr txBox="1"/>
+          <p:cNvSpPr txBox="1">
+            <a:spLocks noGrp="1"/>
+          </p:cNvSpPr>
           <p:nvPr>
-            <p:ph idx="1" type="body"/>
+            <p:ph type="body" idx="1"/>
           </p:nvPr>
         </p:nvSpPr>
         <p:spPr>
@@ -7001,12 +7197,12 @@
           </a:prstGeom>
         </p:spPr>
         <p:txBody>
-          <a:bodyPr anchorCtr="0" anchor="t" bIns="91425" lIns="91425" spcFirstLastPara="1" rIns="91425" wrap="square" tIns="91425">
+          <a:bodyPr spcFirstLastPara="1" wrap="square" lIns="91425" tIns="91425" rIns="91425" bIns="91425" anchor="t" anchorCtr="0">
             <a:noAutofit/>
           </a:bodyPr>
           <a:lstStyle/>
           <a:p>
-            <a:pPr indent="0" lvl="0" marL="0" marR="0" rtl="0" algn="l">
+            <a:pPr marL="0" marR="0" lvl="0" indent="0" algn="l" rtl="0">
               <a:lnSpc>
                 <a:spcPct val="115000"/>
               </a:lnSpc>
@@ -7019,7 +7215,7 @@
               <a:buNone/>
             </a:pPr>
             <a:r>
-              <a:rPr b="1" lang="en"/>
+              <a:rPr lang="en" b="1"/>
               <a:t>Linkable</a:t>
             </a:r>
             <a:r>
@@ -7029,7 +7225,7 @@
             <a:endParaRPr/>
           </a:p>
           <a:p>
-            <a:pPr indent="0" lvl="0" marL="0" marR="0" rtl="0" algn="l">
+            <a:pPr marL="0" marR="0" lvl="0" indent="0" algn="l" rtl="0">
               <a:lnSpc>
                 <a:spcPct val="115000"/>
               </a:lnSpc>
@@ -7046,13 +7242,10 @@
               <a:buFont typeface="Arial"/>
               <a:buNone/>
             </a:pPr>
-            <a:r>
-              <a:t/>
-            </a:r>
-            <a:endParaRPr/>
-          </a:p>
-          <a:p>
-            <a:pPr indent="0" lvl="0" marL="0" marR="0" rtl="0" algn="l">
+            <a:endParaRPr/>
+          </a:p>
+          <a:p>
+            <a:pPr marL="0" marR="0" lvl="0" indent="0" algn="l" rtl="0">
               <a:lnSpc>
                 <a:spcPct val="115000"/>
               </a:lnSpc>
@@ -7065,7 +7258,7 @@
               <a:buNone/>
             </a:pPr>
             <a:r>
-              <a:rPr b="1" lang="en"/>
+              <a:rPr lang="en" b="1"/>
               <a:t>Retention </a:t>
             </a:r>
             <a:r>
@@ -7075,7 +7268,7 @@
             <a:endParaRPr/>
           </a:p>
           <a:p>
-            <a:pPr indent="0" lvl="0" marL="0" marR="0" rtl="0" algn="l">
+            <a:pPr marL="0" marR="0" lvl="0" indent="0" algn="l" rtl="0">
               <a:lnSpc>
                 <a:spcPct val="115000"/>
               </a:lnSpc>
@@ -7087,13 +7280,10 @@
               </a:spcAft>
               <a:buNone/>
             </a:pPr>
-            <a:r>
-              <a:t/>
-            </a:r>
-            <a:endParaRPr/>
-          </a:p>
-          <a:p>
-            <a:pPr indent="0" lvl="0" marL="0" marR="0" rtl="0" algn="l">
+            <a:endParaRPr/>
+          </a:p>
+          <a:p>
+            <a:pPr marL="0" marR="0" lvl="0" indent="0" algn="l" rtl="0">
               <a:lnSpc>
                 <a:spcPct val="115000"/>
               </a:lnSpc>
@@ -7106,7 +7296,7 @@
               <a:buNone/>
             </a:pPr>
             <a:r>
-              <a:rPr b="1" lang="en"/>
+              <a:rPr lang="en" b="1"/>
               <a:t>Small</a:t>
             </a:r>
             <a:r>
@@ -7116,7 +7306,7 @@
             <a:endParaRPr/>
           </a:p>
           <a:p>
-            <a:pPr indent="0" lvl="0" marL="0" marR="0" rtl="0" algn="l">
+            <a:pPr marL="0" marR="0" lvl="0" indent="0" algn="l" rtl="0">
               <a:lnSpc>
                 <a:spcPct val="115000"/>
               </a:lnSpc>
@@ -7133,13 +7323,10 @@
               <a:buFont typeface="Arial"/>
               <a:buNone/>
             </a:pPr>
-            <a:r>
-              <a:t/>
-            </a:r>
-            <a:endParaRPr/>
-          </a:p>
-          <a:p>
-            <a:pPr indent="0" lvl="0" marL="0" marR="0" rtl="0" algn="l">
+            <a:endParaRPr/>
+          </a:p>
+          <a:p>
+            <a:pPr marL="0" marR="0" lvl="0" indent="0" algn="l" rtl="0">
               <a:lnSpc>
                 <a:spcPct val="115000"/>
               </a:lnSpc>
@@ -7152,7 +7339,7 @@
               <a:buNone/>
             </a:pPr>
             <a:r>
-              <a:rPr b="1" lang="en"/>
+              <a:rPr lang="en" b="1"/>
               <a:t>App like</a:t>
             </a:r>
             <a:r>
@@ -7162,7 +7349,7 @@
             <a:endParaRPr/>
           </a:p>
           <a:p>
-            <a:pPr indent="0" lvl="0" marL="0" marR="0" rtl="0" algn="l">
+            <a:pPr marL="0" marR="0" lvl="0" indent="0" algn="l" rtl="0">
               <a:lnSpc>
                 <a:spcPct val="115000"/>
               </a:lnSpc>
@@ -7174,13 +7361,10 @@
               </a:spcAft>
               <a:buNone/>
             </a:pPr>
-            <a:r>
-              <a:t/>
-            </a:r>
-            <a:endParaRPr/>
-          </a:p>
-          <a:p>
-            <a:pPr indent="0" lvl="0" marL="0" marR="0" rtl="0" algn="l">
+            <a:endParaRPr/>
+          </a:p>
+          <a:p>
+            <a:pPr marL="0" marR="0" lvl="0" indent="0" algn="l" rtl="0">
               <a:lnSpc>
                 <a:spcPct val="115000"/>
               </a:lnSpc>
@@ -7193,7 +7377,7 @@
               <a:buNone/>
             </a:pPr>
             <a:r>
-              <a:rPr b="1" lang="en"/>
+              <a:rPr lang="en" b="1"/>
               <a:t>Web-based </a:t>
             </a:r>
             <a:r>
@@ -7211,7 +7395,7 @@
             </a:endParaRPr>
           </a:p>
           <a:p>
-            <a:pPr indent="0" lvl="0" marL="0" marR="0" rtl="0" algn="l">
+            <a:pPr marL="0" marR="0" lvl="0" indent="0" algn="l" rtl="0">
               <a:lnSpc>
                 <a:spcPct val="115000"/>
               </a:lnSpc>
@@ -7228,13 +7412,10 @@
               <a:buFont typeface="Arial"/>
               <a:buNone/>
             </a:pPr>
-            <a:r>
-              <a:t/>
-            </a:r>
-            <a:endParaRPr/>
-          </a:p>
-          <a:p>
-            <a:pPr indent="0" lvl="0" marL="0" marR="0" rtl="0" algn="l">
+            <a:endParaRPr/>
+          </a:p>
+          <a:p>
+            <a:pPr marL="0" marR="0" lvl="0" indent="0" algn="l" rtl="0">
               <a:lnSpc>
                 <a:spcPct val="115000"/>
               </a:lnSpc>
@@ -7251,13 +7432,10 @@
               <a:buFont typeface="Arial"/>
               <a:buNone/>
             </a:pPr>
-            <a:r>
-              <a:t/>
-            </a:r>
-            <a:endParaRPr/>
-          </a:p>
-          <a:p>
-            <a:pPr indent="0" lvl="0" marL="0" rtl="0" algn="l">
+            <a:endParaRPr/>
+          </a:p>
+          <a:p>
+            <a:pPr marL="0" lvl="0" indent="0" algn="l" rtl="0">
               <a:spcBef>
                 <a:spcPts val="0"/>
               </a:spcBef>
@@ -7266,9 +7444,6 @@
               </a:spcAft>
               <a:buNone/>
             </a:pPr>
-            <a:r>
-              <a:t/>
-            </a:r>
             <a:endParaRPr/>
           </a:p>
         </p:txBody>
@@ -7282,11 +7457,11 @@
 </file>
 
 <file path=ppt/slides/slide11.xml><?xml version="1.0" encoding="utf-8"?>
-<p:sld xmlns:a="http://schemas.openxmlformats.org/drawingml/2006/main" xmlns:r="http://schemas.openxmlformats.org/officeDocument/2006/relationships" xmlns:mc="http://schemas.openxmlformats.org/markup-compatibility/2006" xmlns:mv="urn:schemas-microsoft-com:mac:vml" xmlns:p="http://schemas.openxmlformats.org/presentationml/2006/main" xmlns:c="http://schemas.openxmlformats.org/drawingml/2006/chart" xmlns:dgm="http://schemas.openxmlformats.org/drawingml/2006/diagram" xmlns:o="urn:schemas-microsoft-com:office:office" xmlns:v="urn:schemas-microsoft-com:vml" xmlns:pvml="urn:schemas-microsoft-com:office:powerpoint" xmlns:com="http://schemas.openxmlformats.org/drawingml/2006/compatibility" xmlns:p14="http://schemas.microsoft.com/office/powerpoint/2010/main" xmlns:p15="http://schemas.microsoft.com/office/powerpoint/2012/main">
+<p:sld xmlns:a="http://schemas.openxmlformats.org/drawingml/2006/main" xmlns:r="http://schemas.openxmlformats.org/officeDocument/2006/relationships" xmlns:p="http://schemas.openxmlformats.org/presentationml/2006/main">
   <p:cSld>
     <p:spTree>
       <p:nvGrpSpPr>
-        <p:cNvPr id="113" name="Shape 113"/>
+        <p:cNvPr id="1" name="Shape 113"/>
         <p:cNvGrpSpPr/>
         <p:nvPr/>
       </p:nvGrpSpPr>
@@ -7301,7 +7476,9 @@
       <p:sp>
         <p:nvSpPr>
           <p:cNvPr id="114" name="Google Shape;114;p23"/>
-          <p:cNvSpPr txBox="1"/>
+          <p:cNvSpPr txBox="1">
+            <a:spLocks noGrp="1"/>
+          </p:cNvSpPr>
           <p:nvPr>
             <p:ph type="title"/>
           </p:nvPr>
@@ -7316,12 +7493,12 @@
           </a:prstGeom>
         </p:spPr>
         <p:txBody>
-          <a:bodyPr anchorCtr="0" anchor="t" bIns="91425" lIns="91425" spcFirstLastPara="1" rIns="91425" wrap="square" tIns="91425">
+          <a:bodyPr spcFirstLastPara="1" wrap="square" lIns="91425" tIns="91425" rIns="91425" bIns="91425" anchor="t" anchorCtr="0">
             <a:noAutofit/>
           </a:bodyPr>
           <a:lstStyle/>
           <a:p>
-            <a:pPr indent="0" lvl="0" marL="0" rtl="0" algn="l">
+            <a:pPr marL="0" lvl="0" indent="0" algn="l" rtl="0">
               <a:spcBef>
                 <a:spcPts val="0"/>
               </a:spcBef>
@@ -7341,9 +7518,11 @@
       <p:sp>
         <p:nvSpPr>
           <p:cNvPr id="115" name="Google Shape;115;p23"/>
-          <p:cNvSpPr txBox="1"/>
+          <p:cNvSpPr txBox="1">
+            <a:spLocks noGrp="1"/>
+          </p:cNvSpPr>
           <p:nvPr>
-            <p:ph idx="1" type="body"/>
+            <p:ph type="body" idx="1"/>
           </p:nvPr>
         </p:nvSpPr>
         <p:spPr>
@@ -7356,12 +7535,12 @@
           </a:prstGeom>
         </p:spPr>
         <p:txBody>
-          <a:bodyPr anchorCtr="0" anchor="t" bIns="91425" lIns="91425" spcFirstLastPara="1" rIns="91425" wrap="square" tIns="91425">
+          <a:bodyPr spcFirstLastPara="1" wrap="square" lIns="91425" tIns="91425" rIns="91425" bIns="91425" anchor="t" anchorCtr="0">
             <a:noAutofit/>
           </a:bodyPr>
           <a:lstStyle/>
           <a:p>
-            <a:pPr indent="0" lvl="0" marL="0" rtl="0" algn="l">
+            <a:pPr marL="0" lvl="0" indent="0" algn="l" rtl="0">
               <a:spcBef>
                 <a:spcPts val="0"/>
               </a:spcBef>
@@ -7377,7 +7556,7 @@
             <a:endParaRPr/>
           </a:p>
           <a:p>
-            <a:pPr indent="0" lvl="0" marL="0" rtl="0" algn="l">
+            <a:pPr marL="0" lvl="0" indent="0" algn="l" rtl="0">
               <a:spcBef>
                 <a:spcPts val="1600"/>
               </a:spcBef>
@@ -7393,7 +7572,7 @@
             <a:endParaRPr/>
           </a:p>
           <a:p>
-            <a:pPr indent="0" lvl="0" marL="0" rtl="0" algn="l">
+            <a:pPr marL="0" lvl="0" indent="0" algn="l" rtl="0">
               <a:spcBef>
                 <a:spcPts val="1600"/>
               </a:spcBef>
@@ -7409,7 +7588,7 @@
             <a:endParaRPr/>
           </a:p>
           <a:p>
-            <a:pPr indent="0" lvl="0" marL="0" rtl="0" algn="l">
+            <a:pPr marL="0" lvl="0" indent="0" algn="l" rtl="0">
               <a:spcBef>
                 <a:spcPts val="1600"/>
               </a:spcBef>
@@ -7418,13 +7597,10 @@
               </a:spcAft>
               <a:buNone/>
             </a:pPr>
-            <a:r>
-              <a:t/>
-            </a:r>
-            <a:endParaRPr/>
-          </a:p>
-          <a:p>
-            <a:pPr indent="0" lvl="0" marL="0" rtl="0" algn="l">
+            <a:endParaRPr/>
+          </a:p>
+          <a:p>
+            <a:pPr marL="0" lvl="0" indent="0" algn="l" rtl="0">
               <a:spcBef>
                 <a:spcPts val="1600"/>
               </a:spcBef>
@@ -7433,9 +7609,6 @@
               </a:spcAft>
               <a:buNone/>
             </a:pPr>
-            <a:r>
-              <a:t/>
-            </a:r>
             <a:endParaRPr/>
           </a:p>
         </p:txBody>
@@ -7449,11 +7622,11 @@
 </file>
 
 <file path=ppt/slides/slide12.xml><?xml version="1.0" encoding="utf-8"?>
-<p:sld xmlns:a="http://schemas.openxmlformats.org/drawingml/2006/main" xmlns:r="http://schemas.openxmlformats.org/officeDocument/2006/relationships" xmlns:mc="http://schemas.openxmlformats.org/markup-compatibility/2006" xmlns:mv="urn:schemas-microsoft-com:mac:vml" xmlns:p="http://schemas.openxmlformats.org/presentationml/2006/main" xmlns:c="http://schemas.openxmlformats.org/drawingml/2006/chart" xmlns:dgm="http://schemas.openxmlformats.org/drawingml/2006/diagram" xmlns:o="urn:schemas-microsoft-com:office:office" xmlns:v="urn:schemas-microsoft-com:vml" xmlns:pvml="urn:schemas-microsoft-com:office:powerpoint" xmlns:com="http://schemas.openxmlformats.org/drawingml/2006/compatibility" xmlns:p14="http://schemas.microsoft.com/office/powerpoint/2010/main" xmlns:p15="http://schemas.microsoft.com/office/powerpoint/2012/main">
+<p:sld xmlns:a="http://schemas.openxmlformats.org/drawingml/2006/main" xmlns:r="http://schemas.openxmlformats.org/officeDocument/2006/relationships" xmlns:p="http://schemas.openxmlformats.org/presentationml/2006/main">
   <p:cSld>
     <p:spTree>
       <p:nvGrpSpPr>
-        <p:cNvPr id="119" name="Shape 119"/>
+        <p:cNvPr id="1" name="Shape 119"/>
         <p:cNvGrpSpPr/>
         <p:nvPr/>
       </p:nvGrpSpPr>
@@ -7468,7 +7641,9 @@
       <p:sp>
         <p:nvSpPr>
           <p:cNvPr id="120" name="Google Shape;120;p24"/>
-          <p:cNvSpPr txBox="1"/>
+          <p:cNvSpPr txBox="1">
+            <a:spLocks noGrp="1"/>
+          </p:cNvSpPr>
           <p:nvPr>
             <p:ph type="title"/>
           </p:nvPr>
@@ -7483,12 +7658,12 @@
           </a:prstGeom>
         </p:spPr>
         <p:txBody>
-          <a:bodyPr anchorCtr="0" anchor="t" bIns="91425" lIns="91425" spcFirstLastPara="1" rIns="91425" wrap="square" tIns="91425">
+          <a:bodyPr spcFirstLastPara="1" wrap="square" lIns="91425" tIns="91425" rIns="91425" bIns="91425" anchor="t" anchorCtr="0">
             <a:noAutofit/>
           </a:bodyPr>
           <a:lstStyle/>
           <a:p>
-            <a:pPr indent="0" lvl="0" marL="0" rtl="0" algn="l">
+            <a:pPr marL="0" lvl="0" indent="0" algn="l" rtl="0">
               <a:spcBef>
                 <a:spcPts val="0"/>
               </a:spcBef>
@@ -7508,9 +7683,11 @@
       <p:sp>
         <p:nvSpPr>
           <p:cNvPr id="121" name="Google Shape;121;p24"/>
-          <p:cNvSpPr txBox="1"/>
+          <p:cNvSpPr txBox="1">
+            <a:spLocks noGrp="1"/>
+          </p:cNvSpPr>
           <p:nvPr>
-            <p:ph idx="1" type="body"/>
+            <p:ph type="body" idx="1"/>
           </p:nvPr>
         </p:nvSpPr>
         <p:spPr>
@@ -7523,12 +7700,12 @@
           </a:prstGeom>
         </p:spPr>
         <p:txBody>
-          <a:bodyPr anchorCtr="0" anchor="t" bIns="91425" lIns="91425" spcFirstLastPara="1" rIns="91425" wrap="square" tIns="91425">
+          <a:bodyPr spcFirstLastPara="1" wrap="square" lIns="91425" tIns="91425" rIns="91425" bIns="91425" anchor="t" anchorCtr="0">
             <a:noAutofit/>
           </a:bodyPr>
           <a:lstStyle/>
           <a:p>
-            <a:pPr indent="0" lvl="0" marL="0" rtl="0" algn="l">
+            <a:pPr marL="0" lvl="0" indent="0" algn="l" rtl="0">
               <a:spcBef>
                 <a:spcPts val="0"/>
               </a:spcBef>
@@ -7544,7 +7721,7 @@
             <a:endParaRPr/>
           </a:p>
           <a:p>
-            <a:pPr indent="0" lvl="0" marL="0" rtl="0" algn="l">
+            <a:pPr marL="0" lvl="0" indent="0" algn="l" rtl="0">
               <a:spcBef>
                 <a:spcPts val="1600"/>
               </a:spcBef>
@@ -7560,7 +7737,7 @@
             <a:endParaRPr/>
           </a:p>
           <a:p>
-            <a:pPr indent="0" lvl="0" marL="0" rtl="0" algn="l">
+            <a:pPr marL="0" lvl="0" indent="0" algn="l" rtl="0">
               <a:spcBef>
                 <a:spcPts val="1600"/>
               </a:spcBef>
@@ -7576,7 +7753,7 @@
             <a:endParaRPr/>
           </a:p>
           <a:p>
-            <a:pPr indent="0" lvl="0" marL="0" rtl="0" algn="l">
+            <a:pPr marL="0" lvl="0" indent="0" algn="l" rtl="0">
               <a:spcBef>
                 <a:spcPts val="1600"/>
               </a:spcBef>
@@ -7597,7 +7774,7 @@
             <a:endParaRPr/>
           </a:p>
           <a:p>
-            <a:pPr indent="0" lvl="0" marL="0" rtl="0" algn="l">
+            <a:pPr marL="0" lvl="0" indent="0" algn="l" rtl="0">
               <a:spcBef>
                 <a:spcPts val="1600"/>
               </a:spcBef>
@@ -7613,7 +7790,7 @@
             <a:endParaRPr/>
           </a:p>
           <a:p>
-            <a:pPr indent="0" lvl="0" marL="0" rtl="0" algn="l">
+            <a:pPr marL="0" lvl="0" indent="0" algn="l" rtl="0">
               <a:spcBef>
                 <a:spcPts val="1600"/>
               </a:spcBef>
@@ -7629,7 +7806,7 @@
             <a:endParaRPr/>
           </a:p>
           <a:p>
-            <a:pPr indent="0" lvl="0" marL="0" rtl="0" algn="l">
+            <a:pPr marL="0" lvl="0" indent="0" algn="l" rtl="0">
               <a:spcBef>
                 <a:spcPts val="1600"/>
               </a:spcBef>
@@ -7645,7 +7822,7 @@
             <a:endParaRPr/>
           </a:p>
           <a:p>
-            <a:pPr indent="0" lvl="0" marL="0" rtl="0" algn="l">
+            <a:pPr marL="0" lvl="0" indent="0" algn="l" rtl="0">
               <a:spcBef>
                 <a:spcPts val="1600"/>
               </a:spcBef>
@@ -7654,9 +7831,6 @@
               </a:spcAft>
               <a:buNone/>
             </a:pPr>
-            <a:r>
-              <a:t/>
-            </a:r>
             <a:endParaRPr/>
           </a:p>
         </p:txBody>
@@ -7670,11 +7844,11 @@
 </file>
 
 <file path=ppt/slides/slide13.xml><?xml version="1.0" encoding="utf-8"?>
-<p:sld xmlns:a="http://schemas.openxmlformats.org/drawingml/2006/main" xmlns:r="http://schemas.openxmlformats.org/officeDocument/2006/relationships" xmlns:mc="http://schemas.openxmlformats.org/markup-compatibility/2006" xmlns:mv="urn:schemas-microsoft-com:mac:vml" xmlns:p="http://schemas.openxmlformats.org/presentationml/2006/main" xmlns:c="http://schemas.openxmlformats.org/drawingml/2006/chart" xmlns:dgm="http://schemas.openxmlformats.org/drawingml/2006/diagram" xmlns:o="urn:schemas-microsoft-com:office:office" xmlns:v="urn:schemas-microsoft-com:vml" xmlns:pvml="urn:schemas-microsoft-com:office:powerpoint" xmlns:com="http://schemas.openxmlformats.org/drawingml/2006/compatibility" xmlns:p14="http://schemas.microsoft.com/office/powerpoint/2010/main" xmlns:p15="http://schemas.microsoft.com/office/powerpoint/2012/main">
+<p:sld xmlns:a="http://schemas.openxmlformats.org/drawingml/2006/main" xmlns:r="http://schemas.openxmlformats.org/officeDocument/2006/relationships" xmlns:p="http://schemas.openxmlformats.org/presentationml/2006/main">
   <p:cSld>
     <p:spTree>
       <p:nvGrpSpPr>
-        <p:cNvPr id="125" name="Shape 125"/>
+        <p:cNvPr id="1" name="Shape 125"/>
         <p:cNvGrpSpPr/>
         <p:nvPr/>
       </p:nvGrpSpPr>
@@ -7689,7 +7863,9 @@
       <p:sp>
         <p:nvSpPr>
           <p:cNvPr id="126" name="Google Shape;126;p25"/>
-          <p:cNvSpPr txBox="1"/>
+          <p:cNvSpPr txBox="1">
+            <a:spLocks noGrp="1"/>
+          </p:cNvSpPr>
           <p:nvPr>
             <p:ph type="title"/>
           </p:nvPr>
@@ -7704,12 +7880,12 @@
           </a:prstGeom>
         </p:spPr>
         <p:txBody>
-          <a:bodyPr anchorCtr="0" anchor="t" bIns="91425" lIns="91425" spcFirstLastPara="1" rIns="91425" wrap="square" tIns="91425">
+          <a:bodyPr spcFirstLastPara="1" wrap="square" lIns="91425" tIns="91425" rIns="91425" bIns="91425" anchor="t" anchorCtr="0">
             <a:noAutofit/>
           </a:bodyPr>
           <a:lstStyle/>
           <a:p>
-            <a:pPr indent="0" lvl="0" marL="0" rtl="0" algn="l">
+            <a:pPr marL="0" lvl="0" indent="0" algn="l" rtl="0">
               <a:spcBef>
                 <a:spcPts val="0"/>
               </a:spcBef>
@@ -7729,9 +7905,11 @@
       <p:sp>
         <p:nvSpPr>
           <p:cNvPr id="127" name="Google Shape;127;p25"/>
-          <p:cNvSpPr txBox="1"/>
+          <p:cNvSpPr txBox="1">
+            <a:spLocks noGrp="1"/>
+          </p:cNvSpPr>
           <p:nvPr>
-            <p:ph idx="1" type="body"/>
+            <p:ph type="body" idx="1"/>
           </p:nvPr>
         </p:nvSpPr>
         <p:spPr>
@@ -7744,12 +7922,12 @@
           </a:prstGeom>
         </p:spPr>
         <p:txBody>
-          <a:bodyPr anchorCtr="0" anchor="t" bIns="91425" lIns="91425" spcFirstLastPara="1" rIns="91425" wrap="square" tIns="91425">
+          <a:bodyPr spcFirstLastPara="1" wrap="square" lIns="91425" tIns="91425" rIns="91425" bIns="91425" anchor="t" anchorCtr="0">
             <a:noAutofit/>
           </a:bodyPr>
           <a:lstStyle/>
           <a:p>
-            <a:pPr indent="0" lvl="0" marL="0" rtl="0" algn="l">
+            <a:pPr marL="0" lvl="0" indent="0" algn="l" rtl="0">
               <a:spcBef>
                 <a:spcPts val="0"/>
               </a:spcBef>
@@ -7760,16 +7938,12 @@
             </a:pPr>
             <a:r>
               <a:rPr lang="en"/>
-              <a:t>Prerequisite</a:t>
+              <a:t>Prerequisite: node and npm</a:t>
             </a:r>
-            <a:r>
-              <a:rPr lang="en"/>
-              <a:t>: node and npm</a:t>
-            </a:r>
-            <a:endParaRPr/>
-          </a:p>
-          <a:p>
-            <a:pPr indent="0" lvl="0" marL="0" rtl="0" algn="l">
+            <a:endParaRPr/>
+          </a:p>
+          <a:p>
+            <a:pPr marL="0" lvl="0" indent="0" algn="l" rtl="0">
               <a:spcBef>
                 <a:spcPts val="1600"/>
               </a:spcBef>
@@ -7811,7 +7985,7 @@
             </a:endParaRPr>
           </a:p>
           <a:p>
-            <a:pPr indent="0" lvl="0" marL="0" rtl="0" algn="l">
+            <a:pPr marL="0" lvl="0" indent="0" algn="l" rtl="0">
               <a:spcBef>
                 <a:spcPts val="1600"/>
               </a:spcBef>
@@ -7853,7 +8027,7 @@
             </a:endParaRPr>
           </a:p>
           <a:p>
-            <a:pPr indent="0" lvl="0" marL="0" rtl="0" algn="l">
+            <a:pPr marL="0" lvl="0" indent="0" algn="l" rtl="0">
               <a:spcBef>
                 <a:spcPts val="1600"/>
               </a:spcBef>
@@ -7895,7 +8069,7 @@
             </a:endParaRPr>
           </a:p>
           <a:p>
-            <a:pPr indent="0" lvl="0" marL="0" rtl="0" algn="l">
+            <a:pPr marL="0" lvl="0" indent="0" algn="l" rtl="0">
               <a:spcBef>
                 <a:spcPts val="1600"/>
               </a:spcBef>
@@ -7904,9 +8078,6 @@
               </a:spcAft>
               <a:buNone/>
             </a:pPr>
-            <a:r>
-              <a:t/>
-            </a:r>
             <a:endParaRPr sz="1000">
               <a:solidFill>
                 <a:srgbClr val="314361"/>
@@ -7921,7 +8092,7 @@
             </a:endParaRPr>
           </a:p>
           <a:p>
-            <a:pPr indent="0" lvl="0" marL="0" rtl="0" algn="l">
+            <a:pPr marL="0" lvl="0" indent="0" algn="l" rtl="0">
               <a:spcBef>
                 <a:spcPts val="1600"/>
               </a:spcBef>
@@ -7930,9 +8101,6 @@
               </a:spcAft>
               <a:buNone/>
             </a:pPr>
-            <a:r>
-              <a:t/>
-            </a:r>
             <a:endParaRPr sz="1000">
               <a:solidFill>
                 <a:srgbClr val="314361"/>
@@ -7947,7 +8115,7 @@
             </a:endParaRPr>
           </a:p>
           <a:p>
-            <a:pPr indent="0" lvl="0" marL="0" rtl="0" algn="l">
+            <a:pPr marL="0" lvl="0" indent="0" algn="l" rtl="0">
               <a:spcBef>
                 <a:spcPts val="1600"/>
               </a:spcBef>
@@ -7973,11 +8141,11 @@
 </file>
 
 <file path=ppt/slides/slide14.xml><?xml version="1.0" encoding="utf-8"?>
-<p:sld xmlns:a="http://schemas.openxmlformats.org/drawingml/2006/main" xmlns:r="http://schemas.openxmlformats.org/officeDocument/2006/relationships" xmlns:mc="http://schemas.openxmlformats.org/markup-compatibility/2006" xmlns:mv="urn:schemas-microsoft-com:mac:vml" xmlns:p="http://schemas.openxmlformats.org/presentationml/2006/main" xmlns:c="http://schemas.openxmlformats.org/drawingml/2006/chart" xmlns:dgm="http://schemas.openxmlformats.org/drawingml/2006/diagram" xmlns:o="urn:schemas-microsoft-com:office:office" xmlns:v="urn:schemas-microsoft-com:vml" xmlns:pvml="urn:schemas-microsoft-com:office:powerpoint" xmlns:com="http://schemas.openxmlformats.org/drawingml/2006/compatibility" xmlns:p14="http://schemas.microsoft.com/office/powerpoint/2010/main" xmlns:p15="http://schemas.microsoft.com/office/powerpoint/2012/main">
+<p:sld xmlns:a="http://schemas.openxmlformats.org/drawingml/2006/main" xmlns:r="http://schemas.openxmlformats.org/officeDocument/2006/relationships" xmlns:p="http://schemas.openxmlformats.org/presentationml/2006/main">
   <p:cSld>
     <p:spTree>
       <p:nvGrpSpPr>
-        <p:cNvPr id="131" name="Shape 131"/>
+        <p:cNvPr id="1" name="Shape 131"/>
         <p:cNvGrpSpPr/>
         <p:nvPr/>
       </p:nvGrpSpPr>
@@ -7992,7 +8160,9 @@
       <p:sp>
         <p:nvSpPr>
           <p:cNvPr id="132" name="Google Shape;132;p26"/>
-          <p:cNvSpPr txBox="1"/>
+          <p:cNvSpPr txBox="1">
+            <a:spLocks noGrp="1"/>
+          </p:cNvSpPr>
           <p:nvPr>
             <p:ph type="title"/>
           </p:nvPr>
@@ -8007,12 +8177,12 @@
           </a:prstGeom>
         </p:spPr>
         <p:txBody>
-          <a:bodyPr anchorCtr="0" anchor="t" bIns="91425" lIns="91425" spcFirstLastPara="1" rIns="91425" wrap="square" tIns="91425">
+          <a:bodyPr spcFirstLastPara="1" wrap="square" lIns="91425" tIns="91425" rIns="91425" bIns="91425" anchor="t" anchorCtr="0">
             <a:noAutofit/>
           </a:bodyPr>
           <a:lstStyle/>
           <a:p>
-            <a:pPr indent="0" lvl="0" marL="0" rtl="0" algn="l">
+            <a:pPr marL="0" lvl="0" indent="0" algn="l" rtl="0">
               <a:spcBef>
                 <a:spcPts val="0"/>
               </a:spcBef>
@@ -8032,9 +8202,11 @@
       <p:sp>
         <p:nvSpPr>
           <p:cNvPr id="133" name="Google Shape;133;p26"/>
-          <p:cNvSpPr txBox="1"/>
+          <p:cNvSpPr txBox="1">
+            <a:spLocks noGrp="1"/>
+          </p:cNvSpPr>
           <p:nvPr>
-            <p:ph idx="1" type="body"/>
+            <p:ph type="body" idx="1"/>
           </p:nvPr>
         </p:nvSpPr>
         <p:spPr>
@@ -8047,12 +8219,12 @@
           </a:prstGeom>
         </p:spPr>
         <p:txBody>
-          <a:bodyPr anchorCtr="0" anchor="t" bIns="91425" lIns="91425" spcFirstLastPara="1" rIns="91425" wrap="square" tIns="91425">
+          <a:bodyPr spcFirstLastPara="1" wrap="square" lIns="91425" tIns="91425" rIns="91425" bIns="91425" anchor="t" anchorCtr="0">
             <a:noAutofit/>
           </a:bodyPr>
           <a:lstStyle/>
           <a:p>
-            <a:pPr indent="0" lvl="0" marL="0" rtl="0" algn="l">
+            <a:pPr marL="0" lvl="0" indent="0" algn="l" rtl="0">
               <a:spcBef>
                 <a:spcPts val="0"/>
               </a:spcBef>
@@ -8068,7 +8240,7 @@
             <a:endParaRPr/>
           </a:p>
           <a:p>
-            <a:pPr indent="0" lvl="0" marL="0" rtl="0" algn="l">
+            <a:pPr marL="0" lvl="0" indent="0" algn="l" rtl="0">
               <a:spcBef>
                 <a:spcPts val="1600"/>
               </a:spcBef>
@@ -8084,7 +8256,7 @@
             <a:endParaRPr/>
           </a:p>
           <a:p>
-            <a:pPr indent="0" lvl="0" marL="0" rtl="0" algn="l">
+            <a:pPr marL="0" lvl="0" indent="0" algn="l" rtl="0">
               <a:spcBef>
                 <a:spcPts val="1600"/>
               </a:spcBef>
@@ -8100,7 +8272,7 @@
             <a:endParaRPr/>
           </a:p>
           <a:p>
-            <a:pPr indent="0" lvl="0" marL="0" rtl="0" algn="l">
+            <a:pPr marL="0" lvl="0" indent="0" algn="l" rtl="0">
               <a:spcBef>
                 <a:spcPts val="1600"/>
               </a:spcBef>
@@ -8111,16 +8283,12 @@
             </a:pPr>
             <a:r>
               <a:rPr lang="en"/>
-              <a:t>I</a:t>
+              <a:t>Ionicons</a:t>
             </a:r>
-            <a:r>
-              <a:rPr lang="en"/>
-              <a:t>onicons</a:t>
-            </a:r>
-            <a:endParaRPr/>
-          </a:p>
-          <a:p>
-            <a:pPr indent="0" lvl="0" marL="0" rtl="0" algn="l">
+            <a:endParaRPr/>
+          </a:p>
+          <a:p>
+            <a:pPr marL="0" lvl="0" indent="0" algn="l" rtl="0">
               <a:spcBef>
                 <a:spcPts val="1600"/>
               </a:spcBef>
@@ -8136,7 +8304,7 @@
             <a:endParaRPr/>
           </a:p>
           <a:p>
-            <a:pPr indent="0" lvl="0" marL="0" rtl="0" algn="l">
+            <a:pPr marL="0" lvl="0" indent="0" algn="l" rtl="0">
               <a:spcBef>
                 <a:spcPts val="1600"/>
               </a:spcBef>
@@ -8145,9 +8313,6 @@
               </a:spcAft>
               <a:buNone/>
             </a:pPr>
-            <a:r>
-              <a:t/>
-            </a:r>
             <a:endParaRPr/>
           </a:p>
         </p:txBody>
@@ -8161,11 +8326,124 @@
 </file>
 
 <file path=ppt/slides/slide15.xml><?xml version="1.0" encoding="utf-8"?>
-<p:sld xmlns:a="http://schemas.openxmlformats.org/drawingml/2006/main" xmlns:r="http://schemas.openxmlformats.org/officeDocument/2006/relationships" xmlns:mc="http://schemas.openxmlformats.org/markup-compatibility/2006" xmlns:mv="urn:schemas-microsoft-com:mac:vml" xmlns:p="http://schemas.openxmlformats.org/presentationml/2006/main" xmlns:c="http://schemas.openxmlformats.org/drawingml/2006/chart" xmlns:dgm="http://schemas.openxmlformats.org/drawingml/2006/diagram" xmlns:o="urn:schemas-microsoft-com:office:office" xmlns:v="urn:schemas-microsoft-com:vml" xmlns:pvml="urn:schemas-microsoft-com:office:powerpoint" xmlns:com="http://schemas.openxmlformats.org/drawingml/2006/compatibility" xmlns:p14="http://schemas.microsoft.com/office/powerpoint/2010/main" xmlns:p15="http://schemas.microsoft.com/office/powerpoint/2012/main">
+<p:sld xmlns:a="http://schemas.openxmlformats.org/drawingml/2006/main" xmlns:r="http://schemas.openxmlformats.org/officeDocument/2006/relationships" xmlns:p="http://schemas.openxmlformats.org/presentationml/2006/main">
   <p:cSld>
     <p:spTree>
       <p:nvGrpSpPr>
-        <p:cNvPr id="137" name="Shape 137"/>
+        <p:cNvPr id="1" name=""/>
+        <p:cNvGrpSpPr/>
+        <p:nvPr/>
+      </p:nvGrpSpPr>
+      <p:grpSpPr>
+        <a:xfrm>
+          <a:off x="0" y="0"/>
+          <a:ext cx="0" cy="0"/>
+          <a:chOff x="0" y="0"/>
+          <a:chExt cx="0" cy="0"/>
+        </a:xfrm>
+      </p:grpSpPr>
+      <p:sp>
+        <p:nvSpPr>
+          <p:cNvPr id="2" name="Title 1">
+            <a:extLst>
+              <a:ext uri="{FF2B5EF4-FFF2-40B4-BE49-F238E27FC236}">
+                <a16:creationId xmlns:a16="http://schemas.microsoft.com/office/drawing/2014/main" id="{AD01CF2E-D88C-7E4A-87DB-4314B1A1BE0E}"/>
+              </a:ext>
+            </a:extLst>
+          </p:cNvPr>
+          <p:cNvSpPr>
+            <a:spLocks noGrp="1"/>
+          </p:cNvSpPr>
+          <p:nvPr>
+            <p:ph type="title"/>
+          </p:nvPr>
+        </p:nvSpPr>
+        <p:spPr/>
+        <p:txBody>
+          <a:bodyPr/>
+          <a:lstStyle/>
+          <a:p>
+            <a:r>
+              <a:rPr lang="en-US" dirty="0"/>
+              <a:t>Connect with Me</a:t>
+            </a:r>
+          </a:p>
+        </p:txBody>
+      </p:sp>
+      <p:sp>
+        <p:nvSpPr>
+          <p:cNvPr id="3" name="Text Placeholder 2">
+            <a:extLst>
+              <a:ext uri="{FF2B5EF4-FFF2-40B4-BE49-F238E27FC236}">
+                <a16:creationId xmlns:a16="http://schemas.microsoft.com/office/drawing/2014/main" id="{AE24EDF4-7F20-0444-B97F-81D63EF73F4F}"/>
+              </a:ext>
+            </a:extLst>
+          </p:cNvPr>
+          <p:cNvSpPr>
+            <a:spLocks noGrp="1"/>
+          </p:cNvSpPr>
+          <p:nvPr>
+            <p:ph type="body" idx="1"/>
+          </p:nvPr>
+        </p:nvSpPr>
+        <p:spPr/>
+        <p:txBody>
+          <a:bodyPr/>
+          <a:lstStyle/>
+          <a:p>
+            <a:r>
+              <a:rPr lang="en-US" dirty="0">
+                <a:hlinkClick r:id="rId2"/>
+              </a:rPr>
+              <a:t>http://twitter.com/npatro7m</a:t>
+            </a:r>
+            <a:endParaRPr lang="en-US" dirty="0"/>
+          </a:p>
+          <a:p>
+            <a:r>
+              <a:rPr lang="en-US" dirty="0">
+                <a:hlinkClick r:id="rId3"/>
+              </a:rPr>
+              <a:t>https://github.com/npatro</a:t>
+            </a:r>
+            <a:endParaRPr lang="en-US" dirty="0"/>
+          </a:p>
+          <a:p>
+            <a:r>
+              <a:rPr lang="en-US" dirty="0">
+                <a:hlinkClick r:id="rId4"/>
+              </a:rPr>
+              <a:t>https://medium.com/@npatro7m</a:t>
+            </a:r>
+            <a:endParaRPr lang="en-US" dirty="0"/>
+          </a:p>
+          <a:p>
+            <a:pPr marL="114300" indent="0">
+              <a:buNone/>
+            </a:pPr>
+            <a:endParaRPr lang="en-US" dirty="0"/>
+          </a:p>
+        </p:txBody>
+      </p:sp>
+    </p:spTree>
+    <p:extLst>
+      <p:ext uri="{BB962C8B-B14F-4D97-AF65-F5344CB8AC3E}">
+        <p14:creationId xmlns:p14="http://schemas.microsoft.com/office/powerpoint/2010/main" val="254997307"/>
+      </p:ext>
+    </p:extLst>
+  </p:cSld>
+  <p:clrMapOvr>
+    <a:masterClrMapping/>
+  </p:clrMapOvr>
+</p:sld>
+</file>
+
+<file path=ppt/slides/slide16.xml><?xml version="1.0" encoding="utf-8"?>
+<p:sld xmlns:a="http://schemas.openxmlformats.org/drawingml/2006/main" xmlns:r="http://schemas.openxmlformats.org/officeDocument/2006/relationships" xmlns:p="http://schemas.openxmlformats.org/presentationml/2006/main">
+  <p:cSld>
+    <p:spTree>
+      <p:nvGrpSpPr>
+        <p:cNvPr id="1" name="Shape 137"/>
         <p:cNvGrpSpPr/>
         <p:nvPr/>
       </p:nvGrpSpPr>
@@ -8180,7 +8458,9 @@
       <p:sp>
         <p:nvSpPr>
           <p:cNvPr id="138" name="Google Shape;138;p27"/>
-          <p:cNvSpPr txBox="1"/>
+          <p:cNvSpPr txBox="1">
+            <a:spLocks noGrp="1"/>
+          </p:cNvSpPr>
           <p:nvPr>
             <p:ph type="title"/>
           </p:nvPr>
@@ -8195,12 +8475,12 @@
           </a:prstGeom>
         </p:spPr>
         <p:txBody>
-          <a:bodyPr anchorCtr="0" anchor="ctr" bIns="91425" lIns="91425" spcFirstLastPara="1" rIns="91425" wrap="square" tIns="91425">
+          <a:bodyPr spcFirstLastPara="1" wrap="square" lIns="91425" tIns="91425" rIns="91425" bIns="91425" anchor="ctr" anchorCtr="0">
             <a:noAutofit/>
           </a:bodyPr>
           <a:lstStyle/>
           <a:p>
-            <a:pPr indent="0" lvl="0" marL="0" rtl="0" algn="ctr">
+            <a:pPr marL="0" lvl="0" indent="0" algn="ctr" rtl="0">
               <a:spcBef>
                 <a:spcPts val="0"/>
               </a:spcBef>
@@ -8226,11 +8506,11 @@
 </file>
 
 <file path=ppt/slides/slide2.xml><?xml version="1.0" encoding="utf-8"?>
-<p:sld xmlns:a="http://schemas.openxmlformats.org/drawingml/2006/main" xmlns:r="http://schemas.openxmlformats.org/officeDocument/2006/relationships" xmlns:mc="http://schemas.openxmlformats.org/markup-compatibility/2006" xmlns:mv="urn:schemas-microsoft-com:mac:vml" xmlns:p="http://schemas.openxmlformats.org/presentationml/2006/main" xmlns:c="http://schemas.openxmlformats.org/drawingml/2006/chart" xmlns:dgm="http://schemas.openxmlformats.org/drawingml/2006/diagram" xmlns:o="urn:schemas-microsoft-com:office:office" xmlns:v="urn:schemas-microsoft-com:vml" xmlns:pvml="urn:schemas-microsoft-com:office:powerpoint" xmlns:com="http://schemas.openxmlformats.org/drawingml/2006/compatibility" xmlns:p14="http://schemas.microsoft.com/office/powerpoint/2010/main" xmlns:p15="http://schemas.microsoft.com/office/powerpoint/2012/main">
+<p:sld xmlns:a="http://schemas.openxmlformats.org/drawingml/2006/main" xmlns:r="http://schemas.openxmlformats.org/officeDocument/2006/relationships" xmlns:p="http://schemas.openxmlformats.org/presentationml/2006/main">
   <p:cSld>
     <p:spTree>
       <p:nvGrpSpPr>
-        <p:cNvPr id="59" name="Shape 59"/>
+        <p:cNvPr id="1" name="Shape 59"/>
         <p:cNvGrpSpPr/>
         <p:nvPr/>
       </p:nvGrpSpPr>
@@ -8245,7 +8525,9 @@
       <p:sp>
         <p:nvSpPr>
           <p:cNvPr id="60" name="Google Shape;60;p14"/>
-          <p:cNvSpPr txBox="1"/>
+          <p:cNvSpPr txBox="1">
+            <a:spLocks noGrp="1"/>
+          </p:cNvSpPr>
           <p:nvPr>
             <p:ph type="title"/>
           </p:nvPr>
@@ -8260,12 +8542,12 @@
           </a:prstGeom>
         </p:spPr>
         <p:txBody>
-          <a:bodyPr anchorCtr="0" anchor="t" bIns="91425" lIns="91425" spcFirstLastPara="1" rIns="91425" wrap="square" tIns="91425">
+          <a:bodyPr spcFirstLastPara="1" wrap="square" lIns="91425" tIns="91425" rIns="91425" bIns="91425" anchor="t" anchorCtr="0">
             <a:noAutofit/>
           </a:bodyPr>
           <a:lstStyle/>
           <a:p>
-            <a:pPr indent="0" lvl="0" marL="0" rtl="0" algn="l">
+            <a:pPr marL="0" lvl="0" indent="0" algn="l" rtl="0">
               <a:spcBef>
                 <a:spcPts val="0"/>
               </a:spcBef>
@@ -8276,11 +8558,7 @@
             </a:pPr>
             <a:r>
               <a:rPr lang="en"/>
-              <a:t>App </a:t>
-            </a:r>
-            <a:r>
-              <a:rPr lang="en"/>
-              <a:t>Development</a:t>
+              <a:t>App Development</a:t>
             </a:r>
             <a:endParaRPr/>
           </a:p>
@@ -8289,9 +8567,11 @@
       <p:sp>
         <p:nvSpPr>
           <p:cNvPr id="61" name="Google Shape;61;p14"/>
-          <p:cNvSpPr txBox="1"/>
+          <p:cNvSpPr txBox="1">
+            <a:spLocks noGrp="1"/>
+          </p:cNvSpPr>
           <p:nvPr>
-            <p:ph idx="1" type="body"/>
+            <p:ph type="body" idx="1"/>
           </p:nvPr>
         </p:nvSpPr>
         <p:spPr>
@@ -8304,12 +8584,12 @@
           </a:prstGeom>
         </p:spPr>
         <p:txBody>
-          <a:bodyPr anchorCtr="0" anchor="t" bIns="91425" lIns="91425" spcFirstLastPara="1" rIns="91425" wrap="square" tIns="91425">
+          <a:bodyPr spcFirstLastPara="1" wrap="square" lIns="91425" tIns="91425" rIns="91425" bIns="91425" anchor="t" anchorCtr="0">
             <a:noAutofit/>
           </a:bodyPr>
           <a:lstStyle/>
           <a:p>
-            <a:pPr indent="0" lvl="0" marL="0" rtl="0" algn="l">
+            <a:pPr marL="0" lvl="0" indent="0" algn="l" rtl="0">
               <a:spcBef>
                 <a:spcPts val="0"/>
               </a:spcBef>
@@ -8325,7 +8605,7 @@
             <a:endParaRPr/>
           </a:p>
           <a:p>
-            <a:pPr indent="0" lvl="0" marL="0" rtl="0" algn="l">
+            <a:pPr marL="0" lvl="0" indent="0" algn="l" rtl="0">
               <a:spcBef>
                 <a:spcPts val="1600"/>
               </a:spcBef>
@@ -8341,7 +8621,7 @@
             <a:endParaRPr/>
           </a:p>
           <a:p>
-            <a:pPr indent="0" lvl="0" marL="0" rtl="0" algn="l">
+            <a:pPr marL="0" lvl="0" indent="0" algn="l" rtl="0">
               <a:spcBef>
                 <a:spcPts val="1600"/>
               </a:spcBef>
@@ -8357,7 +8637,7 @@
             <a:endParaRPr/>
           </a:p>
           <a:p>
-            <a:pPr indent="0" lvl="0" marL="0" rtl="0" algn="l">
+            <a:pPr marL="0" lvl="0" indent="0" algn="l" rtl="0">
               <a:spcBef>
                 <a:spcPts val="1600"/>
               </a:spcBef>
@@ -8366,9 +8646,6 @@
               </a:spcAft>
               <a:buNone/>
             </a:pPr>
-            <a:r>
-              <a:t/>
-            </a:r>
             <a:endParaRPr/>
           </a:p>
         </p:txBody>
@@ -8382,11 +8659,11 @@
 </file>
 
 <file path=ppt/slides/slide3.xml><?xml version="1.0" encoding="utf-8"?>
-<p:sld xmlns:a="http://schemas.openxmlformats.org/drawingml/2006/main" xmlns:r="http://schemas.openxmlformats.org/officeDocument/2006/relationships" xmlns:mc="http://schemas.openxmlformats.org/markup-compatibility/2006" xmlns:mv="urn:schemas-microsoft-com:mac:vml" xmlns:p="http://schemas.openxmlformats.org/presentationml/2006/main" xmlns:c="http://schemas.openxmlformats.org/drawingml/2006/chart" xmlns:dgm="http://schemas.openxmlformats.org/drawingml/2006/diagram" xmlns:o="urn:schemas-microsoft-com:office:office" xmlns:v="urn:schemas-microsoft-com:vml" xmlns:pvml="urn:schemas-microsoft-com:office:powerpoint" xmlns:com="http://schemas.openxmlformats.org/drawingml/2006/compatibility" xmlns:p14="http://schemas.microsoft.com/office/powerpoint/2010/main" xmlns:p15="http://schemas.microsoft.com/office/powerpoint/2012/main">
+<p:sld xmlns:a="http://schemas.openxmlformats.org/drawingml/2006/main" xmlns:r="http://schemas.openxmlformats.org/officeDocument/2006/relationships" xmlns:p="http://schemas.openxmlformats.org/presentationml/2006/main">
   <p:cSld>
     <p:spTree>
       <p:nvGrpSpPr>
-        <p:cNvPr id="65" name="Shape 65"/>
+        <p:cNvPr id="1" name="Shape 65"/>
         <p:cNvGrpSpPr/>
         <p:nvPr/>
       </p:nvGrpSpPr>
@@ -8401,7 +8678,9 @@
       <p:sp>
         <p:nvSpPr>
           <p:cNvPr id="66" name="Google Shape;66;p15"/>
-          <p:cNvSpPr txBox="1"/>
+          <p:cNvSpPr txBox="1">
+            <a:spLocks noGrp="1"/>
+          </p:cNvSpPr>
           <p:nvPr>
             <p:ph type="title"/>
           </p:nvPr>
@@ -8416,12 +8695,12 @@
           </a:prstGeom>
         </p:spPr>
         <p:txBody>
-          <a:bodyPr anchorCtr="0" anchor="t" bIns="91425" lIns="91425" spcFirstLastPara="1" rIns="91425" wrap="square" tIns="91425">
+          <a:bodyPr spcFirstLastPara="1" wrap="square" lIns="91425" tIns="91425" rIns="91425" bIns="91425" anchor="t" anchorCtr="0">
             <a:noAutofit/>
           </a:bodyPr>
           <a:lstStyle/>
           <a:p>
-            <a:pPr indent="0" lvl="0" marL="0" rtl="0" algn="l">
+            <a:pPr marL="0" lvl="0" indent="0" algn="l" rtl="0">
               <a:spcBef>
                 <a:spcPts val="0"/>
               </a:spcBef>
@@ -8441,9 +8720,11 @@
       <p:sp>
         <p:nvSpPr>
           <p:cNvPr id="67" name="Google Shape;67;p15"/>
-          <p:cNvSpPr txBox="1"/>
+          <p:cNvSpPr txBox="1">
+            <a:spLocks noGrp="1"/>
+          </p:cNvSpPr>
           <p:nvPr>
-            <p:ph idx="1" type="body"/>
+            <p:ph type="body" idx="1"/>
           </p:nvPr>
         </p:nvSpPr>
         <p:spPr>
@@ -8456,12 +8737,12 @@
           </a:prstGeom>
         </p:spPr>
         <p:txBody>
-          <a:bodyPr anchorCtr="0" anchor="t" bIns="91425" lIns="91425" spcFirstLastPara="1" rIns="91425" wrap="square" tIns="91425">
+          <a:bodyPr spcFirstLastPara="1" wrap="square" lIns="91425" tIns="91425" rIns="91425" bIns="91425" anchor="t" anchorCtr="0">
             <a:noAutofit/>
           </a:bodyPr>
           <a:lstStyle/>
           <a:p>
-            <a:pPr indent="0" lvl="0" marL="0" rtl="0" algn="l">
+            <a:pPr marL="0" lvl="0" indent="0" algn="l" rtl="0">
               <a:spcBef>
                 <a:spcPts val="0"/>
               </a:spcBef>
@@ -8477,7 +8758,7 @@
             <a:endParaRPr/>
           </a:p>
           <a:p>
-            <a:pPr indent="0" lvl="0" marL="0" rtl="0" algn="l">
+            <a:pPr marL="0" lvl="0" indent="0" algn="l" rtl="0">
               <a:spcBef>
                 <a:spcPts val="1600"/>
               </a:spcBef>
@@ -8503,11 +8784,11 @@
 </file>
 
 <file path=ppt/slides/slide4.xml><?xml version="1.0" encoding="utf-8"?>
-<p:sld xmlns:a="http://schemas.openxmlformats.org/drawingml/2006/main" xmlns:r="http://schemas.openxmlformats.org/officeDocument/2006/relationships" xmlns:mc="http://schemas.openxmlformats.org/markup-compatibility/2006" xmlns:mv="urn:schemas-microsoft-com:mac:vml" xmlns:p="http://schemas.openxmlformats.org/presentationml/2006/main" xmlns:c="http://schemas.openxmlformats.org/drawingml/2006/chart" xmlns:dgm="http://schemas.openxmlformats.org/drawingml/2006/diagram" xmlns:o="urn:schemas-microsoft-com:office:office" xmlns:v="urn:schemas-microsoft-com:vml" xmlns:pvml="urn:schemas-microsoft-com:office:powerpoint" xmlns:com="http://schemas.openxmlformats.org/drawingml/2006/compatibility" xmlns:p14="http://schemas.microsoft.com/office/powerpoint/2010/main" xmlns:p15="http://schemas.microsoft.com/office/powerpoint/2012/main">
+<p:sld xmlns:a="http://schemas.openxmlformats.org/drawingml/2006/main" xmlns:r="http://schemas.openxmlformats.org/officeDocument/2006/relationships" xmlns:p="http://schemas.openxmlformats.org/presentationml/2006/main">
   <p:cSld>
     <p:spTree>
       <p:nvGrpSpPr>
-        <p:cNvPr id="71" name="Shape 71"/>
+        <p:cNvPr id="1" name="Shape 71"/>
         <p:cNvGrpSpPr/>
         <p:nvPr/>
       </p:nvGrpSpPr>
@@ -8522,7 +8803,9 @@
       <p:sp>
         <p:nvSpPr>
           <p:cNvPr id="72" name="Google Shape;72;p16"/>
-          <p:cNvSpPr txBox="1"/>
+          <p:cNvSpPr txBox="1">
+            <a:spLocks noGrp="1"/>
+          </p:cNvSpPr>
           <p:nvPr>
             <p:ph type="title"/>
           </p:nvPr>
@@ -8537,12 +8820,12 @@
           </a:prstGeom>
         </p:spPr>
         <p:txBody>
-          <a:bodyPr anchorCtr="0" anchor="t" bIns="91425" lIns="91425" spcFirstLastPara="1" rIns="91425" wrap="square" tIns="91425">
+          <a:bodyPr spcFirstLastPara="1" wrap="square" lIns="91425" tIns="91425" rIns="91425" bIns="91425" anchor="t" anchorCtr="0">
             <a:noAutofit/>
           </a:bodyPr>
           <a:lstStyle/>
           <a:p>
-            <a:pPr indent="0" lvl="0" marL="0" rtl="0" algn="l">
+            <a:pPr marL="0" lvl="0" indent="0" algn="l" rtl="0">
               <a:spcBef>
                 <a:spcPts val="0"/>
               </a:spcBef>
@@ -8562,9 +8845,11 @@
       <p:sp>
         <p:nvSpPr>
           <p:cNvPr id="73" name="Google Shape;73;p16"/>
-          <p:cNvSpPr txBox="1"/>
+          <p:cNvSpPr txBox="1">
+            <a:spLocks noGrp="1"/>
+          </p:cNvSpPr>
           <p:nvPr>
-            <p:ph idx="1" type="body"/>
+            <p:ph type="body" idx="1"/>
           </p:nvPr>
         </p:nvSpPr>
         <p:spPr>
@@ -8577,12 +8862,12 @@
           </a:prstGeom>
         </p:spPr>
         <p:txBody>
-          <a:bodyPr anchorCtr="0" anchor="t" bIns="91425" lIns="91425" spcFirstLastPara="1" rIns="91425" wrap="square" tIns="91425">
+          <a:bodyPr spcFirstLastPara="1" wrap="square" lIns="91425" tIns="91425" rIns="91425" bIns="91425" anchor="t" anchorCtr="0">
             <a:noAutofit/>
           </a:bodyPr>
           <a:lstStyle/>
           <a:p>
-            <a:pPr indent="0" lvl="0" marL="0" rtl="0" algn="l">
+            <a:pPr marL="0" lvl="0" indent="0" algn="l" rtl="0">
               <a:lnSpc>
                 <a:spcPct val="115000"/>
               </a:lnSpc>
@@ -8601,7 +8886,7 @@
             <a:endParaRPr/>
           </a:p>
           <a:p>
-            <a:pPr indent="0" lvl="0" marL="0" rtl="0" algn="l">
+            <a:pPr marL="0" lvl="0" indent="0" algn="l" rtl="0">
               <a:lnSpc>
                 <a:spcPct val="115000"/>
               </a:lnSpc>
@@ -8630,11 +8915,11 @@
 </file>
 
 <file path=ppt/slides/slide5.xml><?xml version="1.0" encoding="utf-8"?>
-<p:sld xmlns:a="http://schemas.openxmlformats.org/drawingml/2006/main" xmlns:r="http://schemas.openxmlformats.org/officeDocument/2006/relationships" xmlns:mc="http://schemas.openxmlformats.org/markup-compatibility/2006" xmlns:mv="urn:schemas-microsoft-com:mac:vml" xmlns:p="http://schemas.openxmlformats.org/presentationml/2006/main" xmlns:c="http://schemas.openxmlformats.org/drawingml/2006/chart" xmlns:dgm="http://schemas.openxmlformats.org/drawingml/2006/diagram" xmlns:o="urn:schemas-microsoft-com:office:office" xmlns:v="urn:schemas-microsoft-com:vml" xmlns:pvml="urn:schemas-microsoft-com:office:powerpoint" xmlns:com="http://schemas.openxmlformats.org/drawingml/2006/compatibility" xmlns:p14="http://schemas.microsoft.com/office/powerpoint/2010/main" xmlns:p15="http://schemas.microsoft.com/office/powerpoint/2012/main">
+<p:sld xmlns:a="http://schemas.openxmlformats.org/drawingml/2006/main" xmlns:r="http://schemas.openxmlformats.org/officeDocument/2006/relationships" xmlns:p="http://schemas.openxmlformats.org/presentationml/2006/main">
   <p:cSld>
     <p:spTree>
       <p:nvGrpSpPr>
-        <p:cNvPr id="77" name="Shape 77"/>
+        <p:cNvPr id="1" name="Shape 77"/>
         <p:cNvGrpSpPr/>
         <p:nvPr/>
       </p:nvGrpSpPr>
@@ -8649,7 +8934,9 @@
       <p:sp>
         <p:nvSpPr>
           <p:cNvPr id="78" name="Google Shape;78;p17"/>
-          <p:cNvSpPr txBox="1"/>
+          <p:cNvSpPr txBox="1">
+            <a:spLocks noGrp="1"/>
+          </p:cNvSpPr>
           <p:nvPr>
             <p:ph type="title"/>
           </p:nvPr>
@@ -8664,12 +8951,12 @@
           </a:prstGeom>
         </p:spPr>
         <p:txBody>
-          <a:bodyPr anchorCtr="0" anchor="t" bIns="91425" lIns="91425" spcFirstLastPara="1" rIns="91425" wrap="square" tIns="91425">
+          <a:bodyPr spcFirstLastPara="1" wrap="square" lIns="91425" tIns="91425" rIns="91425" bIns="91425" anchor="t" anchorCtr="0">
             <a:noAutofit/>
           </a:bodyPr>
           <a:lstStyle/>
           <a:p>
-            <a:pPr indent="0" lvl="0" marL="0" rtl="0" algn="l">
+            <a:pPr marL="0" lvl="0" indent="0" algn="l" rtl="0">
               <a:spcBef>
                 <a:spcPts val="0"/>
               </a:spcBef>
@@ -8689,9 +8976,11 @@
       <p:sp>
         <p:nvSpPr>
           <p:cNvPr id="79" name="Google Shape;79;p17"/>
-          <p:cNvSpPr txBox="1"/>
+          <p:cNvSpPr txBox="1">
+            <a:spLocks noGrp="1"/>
+          </p:cNvSpPr>
           <p:nvPr>
-            <p:ph idx="1" type="body"/>
+            <p:ph type="body" idx="1"/>
           </p:nvPr>
         </p:nvSpPr>
         <p:spPr>
@@ -8704,12 +8993,12 @@
           </a:prstGeom>
         </p:spPr>
         <p:txBody>
-          <a:bodyPr anchorCtr="0" anchor="t" bIns="91425" lIns="91425" spcFirstLastPara="1" rIns="91425" wrap="square" tIns="91425">
+          <a:bodyPr spcFirstLastPara="1" wrap="square" lIns="91425" tIns="91425" rIns="91425" bIns="91425" anchor="t" anchorCtr="0">
             <a:noAutofit/>
           </a:bodyPr>
           <a:lstStyle/>
           <a:p>
-            <a:pPr indent="0" lvl="0" marL="0" rtl="0" algn="l">
+            <a:pPr marL="0" lvl="0" indent="0" algn="l" rtl="0">
               <a:spcBef>
                 <a:spcPts val="0"/>
               </a:spcBef>
@@ -8720,11 +9009,7 @@
             </a:pPr>
             <a:r>
               <a:rPr lang="en"/>
-              <a:t>Hybrid apps are native apps only because it can be downloaded from platform’s app store like native app. It can get access to all the native platform features. It can have performance close to native a</a:t>
-            </a:r>
-            <a:r>
-              <a:rPr lang="en"/>
-              <a:t>pp.</a:t>
+              <a:t>Hybrid apps are native apps only because it can be downloaded from platform’s app store like native app. It can get access to all the native platform features. It can have performance close to native app.</a:t>
             </a:r>
             <a:endParaRPr/>
           </a:p>
@@ -8739,11 +9024,11 @@
 </file>
 
 <file path=ppt/slides/slide6.xml><?xml version="1.0" encoding="utf-8"?>
-<p:sld xmlns:a="http://schemas.openxmlformats.org/drawingml/2006/main" xmlns:r="http://schemas.openxmlformats.org/officeDocument/2006/relationships" xmlns:mc="http://schemas.openxmlformats.org/markup-compatibility/2006" xmlns:mv="urn:schemas-microsoft-com:mac:vml" xmlns:p="http://schemas.openxmlformats.org/presentationml/2006/main" xmlns:c="http://schemas.openxmlformats.org/drawingml/2006/chart" xmlns:dgm="http://schemas.openxmlformats.org/drawingml/2006/diagram" xmlns:o="urn:schemas-microsoft-com:office:office" xmlns:v="urn:schemas-microsoft-com:vml" xmlns:pvml="urn:schemas-microsoft-com:office:powerpoint" xmlns:com="http://schemas.openxmlformats.org/drawingml/2006/compatibility" xmlns:p14="http://schemas.microsoft.com/office/powerpoint/2010/main" xmlns:p15="http://schemas.microsoft.com/office/powerpoint/2012/main">
+<p:sld xmlns:a="http://schemas.openxmlformats.org/drawingml/2006/main" xmlns:r="http://schemas.openxmlformats.org/officeDocument/2006/relationships" xmlns:p="http://schemas.openxmlformats.org/presentationml/2006/main">
   <p:cSld>
     <p:spTree>
       <p:nvGrpSpPr>
-        <p:cNvPr id="83" name="Shape 83"/>
+        <p:cNvPr id="1" name="Shape 83"/>
         <p:cNvGrpSpPr/>
         <p:nvPr/>
       </p:nvGrpSpPr>
@@ -8758,7 +9043,9 @@
       <p:sp>
         <p:nvSpPr>
           <p:cNvPr id="84" name="Google Shape;84;p18"/>
-          <p:cNvSpPr txBox="1"/>
+          <p:cNvSpPr txBox="1">
+            <a:spLocks noGrp="1"/>
+          </p:cNvSpPr>
           <p:nvPr>
             <p:ph type="title"/>
           </p:nvPr>
@@ -8773,12 +9060,12 @@
           </a:prstGeom>
         </p:spPr>
         <p:txBody>
-          <a:bodyPr anchorCtr="0" anchor="t" bIns="91425" lIns="91425" spcFirstLastPara="1" rIns="91425" wrap="square" tIns="91425">
+          <a:bodyPr spcFirstLastPara="1" wrap="square" lIns="91425" tIns="91425" rIns="91425" bIns="91425" anchor="t" anchorCtr="0">
             <a:noAutofit/>
           </a:bodyPr>
           <a:lstStyle/>
           <a:p>
-            <a:pPr indent="0" lvl="0" marL="0" rtl="0" algn="l">
+            <a:pPr marL="0" lvl="0" indent="0" algn="l" rtl="0">
               <a:spcBef>
                 <a:spcPts val="0"/>
               </a:spcBef>
@@ -8798,9 +9085,11 @@
       <p:sp>
         <p:nvSpPr>
           <p:cNvPr id="85" name="Google Shape;85;p18"/>
-          <p:cNvSpPr txBox="1"/>
+          <p:cNvSpPr txBox="1">
+            <a:spLocks noGrp="1"/>
+          </p:cNvSpPr>
           <p:nvPr>
-            <p:ph idx="1" type="body"/>
+            <p:ph type="body" idx="1"/>
           </p:nvPr>
         </p:nvSpPr>
         <p:spPr>
@@ -8813,12 +9102,12 @@
           </a:prstGeom>
         </p:spPr>
         <p:txBody>
-          <a:bodyPr anchorCtr="0" anchor="t" bIns="91425" lIns="91425" spcFirstLastPara="1" rIns="91425" wrap="square" tIns="91425">
+          <a:bodyPr spcFirstLastPara="1" wrap="square" lIns="91425" tIns="91425" rIns="91425" bIns="91425" anchor="t" anchorCtr="0">
             <a:noAutofit/>
           </a:bodyPr>
           <a:lstStyle/>
           <a:p>
-            <a:pPr indent="-342900" lvl="0" marL="457200" rtl="0" algn="l">
+            <a:pPr marL="457200" lvl="0" indent="-342900" algn="l" rtl="0">
               <a:spcBef>
                 <a:spcPts val="0"/>
               </a:spcBef>
@@ -8835,22 +9124,19 @@
             <a:endParaRPr/>
           </a:p>
           <a:p>
-            <a:pPr indent="0" lvl="0" marL="0" rtl="0" algn="l">
-              <a:spcBef>
-                <a:spcPts val="0"/>
-              </a:spcBef>
-              <a:spcAft>
-                <a:spcPts val="0"/>
-              </a:spcAft>
-              <a:buNone/>
-            </a:pPr>
-            <a:r>
-              <a:t/>
-            </a:r>
-            <a:endParaRPr/>
-          </a:p>
-          <a:p>
-            <a:pPr indent="-342900" lvl="0" marL="457200" rtl="0" algn="l">
+            <a:pPr marL="0" lvl="0" indent="0" algn="l" rtl="0">
+              <a:spcBef>
+                <a:spcPts val="0"/>
+              </a:spcBef>
+              <a:spcAft>
+                <a:spcPts val="0"/>
+              </a:spcAft>
+              <a:buNone/>
+            </a:pPr>
+            <a:endParaRPr/>
+          </a:p>
+          <a:p>
+            <a:pPr marL="457200" lvl="0" indent="-342900" algn="l" rtl="0">
               <a:spcBef>
                 <a:spcPts val="0"/>
               </a:spcBef>
@@ -8867,22 +9153,19 @@
             <a:endParaRPr/>
           </a:p>
           <a:p>
-            <a:pPr indent="0" lvl="0" marL="0" rtl="0" algn="l">
-              <a:spcBef>
-                <a:spcPts val="0"/>
-              </a:spcBef>
-              <a:spcAft>
-                <a:spcPts val="0"/>
-              </a:spcAft>
-              <a:buNone/>
-            </a:pPr>
-            <a:r>
-              <a:t/>
-            </a:r>
-            <a:endParaRPr/>
-          </a:p>
-          <a:p>
-            <a:pPr indent="-342900" lvl="0" marL="457200" rtl="0" algn="l">
+            <a:pPr marL="0" lvl="0" indent="0" algn="l" rtl="0">
+              <a:spcBef>
+                <a:spcPts val="0"/>
+              </a:spcBef>
+              <a:spcAft>
+                <a:spcPts val="0"/>
+              </a:spcAft>
+              <a:buNone/>
+            </a:pPr>
+            <a:endParaRPr/>
+          </a:p>
+          <a:p>
+            <a:pPr marL="457200" lvl="0" indent="-342900" algn="l" rtl="0">
               <a:spcBef>
                 <a:spcPts val="0"/>
               </a:spcBef>
@@ -8899,22 +9182,19 @@
             <a:endParaRPr/>
           </a:p>
           <a:p>
-            <a:pPr indent="0" lvl="0" marL="0" rtl="0" algn="l">
-              <a:spcBef>
-                <a:spcPts val="0"/>
-              </a:spcBef>
-              <a:spcAft>
-                <a:spcPts val="0"/>
-              </a:spcAft>
-              <a:buNone/>
-            </a:pPr>
-            <a:r>
-              <a:t/>
-            </a:r>
-            <a:endParaRPr/>
-          </a:p>
-          <a:p>
-            <a:pPr indent="-342900" lvl="0" marL="457200" rtl="0" algn="l">
+            <a:pPr marL="0" lvl="0" indent="0" algn="l" rtl="0">
+              <a:spcBef>
+                <a:spcPts val="0"/>
+              </a:spcBef>
+              <a:spcAft>
+                <a:spcPts val="0"/>
+              </a:spcAft>
+              <a:buNone/>
+            </a:pPr>
+            <a:endParaRPr/>
+          </a:p>
+          <a:p>
+            <a:pPr marL="457200" lvl="0" indent="-342900" algn="l" rtl="0">
               <a:spcBef>
                 <a:spcPts val="0"/>
               </a:spcBef>
@@ -8931,52 +9211,43 @@
             <a:endParaRPr/>
           </a:p>
           <a:p>
-            <a:pPr indent="0" lvl="0" marL="0" rtl="0" algn="l">
-              <a:spcBef>
-                <a:spcPts val="0"/>
-              </a:spcBef>
-              <a:spcAft>
-                <a:spcPts val="0"/>
-              </a:spcAft>
-              <a:buNone/>
-            </a:pPr>
-            <a:r>
-              <a:t/>
-            </a:r>
-            <a:endParaRPr/>
-          </a:p>
-          <a:p>
-            <a:pPr indent="0" lvl="0" marL="0" rtl="0" algn="l">
-              <a:spcBef>
-                <a:spcPts val="0"/>
-              </a:spcBef>
-              <a:spcAft>
-                <a:spcPts val="0"/>
-              </a:spcAft>
-              <a:buNone/>
-            </a:pPr>
-            <a:r>
-              <a:t/>
-            </a:r>
-            <a:endParaRPr/>
-          </a:p>
-          <a:p>
-            <a:pPr indent="0" lvl="0" marL="0" rtl="0" algn="l">
-              <a:spcBef>
-                <a:spcPts val="0"/>
-              </a:spcBef>
-              <a:spcAft>
-                <a:spcPts val="0"/>
-              </a:spcAft>
-              <a:buNone/>
-            </a:pPr>
-            <a:r>
-              <a:t/>
-            </a:r>
-            <a:endParaRPr/>
-          </a:p>
-          <a:p>
-            <a:pPr indent="0" lvl="0" marL="0" rtl="0" algn="l">
+            <a:pPr marL="0" lvl="0" indent="0" algn="l" rtl="0">
+              <a:spcBef>
+                <a:spcPts val="0"/>
+              </a:spcBef>
+              <a:spcAft>
+                <a:spcPts val="0"/>
+              </a:spcAft>
+              <a:buNone/>
+            </a:pPr>
+            <a:endParaRPr/>
+          </a:p>
+          <a:p>
+            <a:pPr marL="0" lvl="0" indent="0" algn="l" rtl="0">
+              <a:spcBef>
+                <a:spcPts val="0"/>
+              </a:spcBef>
+              <a:spcAft>
+                <a:spcPts val="0"/>
+              </a:spcAft>
+              <a:buNone/>
+            </a:pPr>
+            <a:endParaRPr/>
+          </a:p>
+          <a:p>
+            <a:pPr marL="0" lvl="0" indent="0" algn="l" rtl="0">
+              <a:spcBef>
+                <a:spcPts val="0"/>
+              </a:spcBef>
+              <a:spcAft>
+                <a:spcPts val="0"/>
+              </a:spcAft>
+              <a:buNone/>
+            </a:pPr>
+            <a:endParaRPr/>
+          </a:p>
+          <a:p>
+            <a:pPr marL="0" lvl="0" indent="0" algn="l" rtl="0">
               <a:spcBef>
                 <a:spcPts val="0"/>
               </a:spcBef>
@@ -8990,13 +9261,10 @@
               <a:buFont typeface="Arial"/>
               <a:buNone/>
             </a:pPr>
-            <a:r>
-              <a:t/>
-            </a:r>
-            <a:endParaRPr/>
-          </a:p>
-          <a:p>
-            <a:pPr indent="0" lvl="0" marL="0" rtl="0" algn="l">
+            <a:endParaRPr/>
+          </a:p>
+          <a:p>
+            <a:pPr marL="0" lvl="0" indent="0" algn="l" rtl="0">
               <a:spcBef>
                 <a:spcPts val="0"/>
               </a:spcBef>
@@ -9005,9 +9273,6 @@
               </a:spcAft>
               <a:buNone/>
             </a:pPr>
-            <a:r>
-              <a:t/>
-            </a:r>
             <a:endParaRPr/>
           </a:p>
         </p:txBody>
@@ -9021,11 +9286,11 @@
 </file>
 
 <file path=ppt/slides/slide7.xml><?xml version="1.0" encoding="utf-8"?>
-<p:sld xmlns:a="http://schemas.openxmlformats.org/drawingml/2006/main" xmlns:r="http://schemas.openxmlformats.org/officeDocument/2006/relationships" xmlns:mc="http://schemas.openxmlformats.org/markup-compatibility/2006" xmlns:mv="urn:schemas-microsoft-com:mac:vml" xmlns:p="http://schemas.openxmlformats.org/presentationml/2006/main" xmlns:c="http://schemas.openxmlformats.org/drawingml/2006/chart" xmlns:dgm="http://schemas.openxmlformats.org/drawingml/2006/diagram" xmlns:o="urn:schemas-microsoft-com:office:office" xmlns:v="urn:schemas-microsoft-com:vml" xmlns:pvml="urn:schemas-microsoft-com:office:powerpoint" xmlns:com="http://schemas.openxmlformats.org/drawingml/2006/compatibility" xmlns:p14="http://schemas.microsoft.com/office/powerpoint/2010/main" xmlns:p15="http://schemas.microsoft.com/office/powerpoint/2012/main">
+<p:sld xmlns:a="http://schemas.openxmlformats.org/drawingml/2006/main" xmlns:r="http://schemas.openxmlformats.org/officeDocument/2006/relationships" xmlns:p="http://schemas.openxmlformats.org/presentationml/2006/main">
   <p:cSld>
     <p:spTree>
       <p:nvGrpSpPr>
-        <p:cNvPr id="89" name="Shape 89"/>
+        <p:cNvPr id="1" name="Shape 89"/>
         <p:cNvGrpSpPr/>
         <p:nvPr/>
       </p:nvGrpSpPr>
@@ -9040,7 +9305,9 @@
       <p:sp>
         <p:nvSpPr>
           <p:cNvPr id="90" name="Google Shape;90;p19"/>
-          <p:cNvSpPr txBox="1"/>
+          <p:cNvSpPr txBox="1">
+            <a:spLocks noGrp="1"/>
+          </p:cNvSpPr>
           <p:nvPr>
             <p:ph type="title"/>
           </p:nvPr>
@@ -9055,12 +9322,12 @@
           </a:prstGeom>
         </p:spPr>
         <p:txBody>
-          <a:bodyPr anchorCtr="0" anchor="t" bIns="91425" lIns="91425" spcFirstLastPara="1" rIns="91425" wrap="square" tIns="91425">
+          <a:bodyPr spcFirstLastPara="1" wrap="square" lIns="91425" tIns="91425" rIns="91425" bIns="91425" anchor="t" anchorCtr="0">
             <a:noAutofit/>
           </a:bodyPr>
           <a:lstStyle/>
           <a:p>
-            <a:pPr indent="0" lvl="0" marL="0" rtl="0" algn="l">
+            <a:pPr marL="0" lvl="0" indent="0" algn="l" rtl="0">
               <a:spcBef>
                 <a:spcPts val="0"/>
               </a:spcBef>
@@ -9080,9 +9347,11 @@
       <p:sp>
         <p:nvSpPr>
           <p:cNvPr id="91" name="Google Shape;91;p19"/>
-          <p:cNvSpPr txBox="1"/>
+          <p:cNvSpPr txBox="1">
+            <a:spLocks noGrp="1"/>
+          </p:cNvSpPr>
           <p:nvPr>
-            <p:ph idx="1" type="body"/>
+            <p:ph type="body" idx="1"/>
           </p:nvPr>
         </p:nvSpPr>
         <p:spPr>
@@ -9095,12 +9364,12 @@
           </a:prstGeom>
         </p:spPr>
         <p:txBody>
-          <a:bodyPr anchorCtr="0" anchor="t" bIns="91425" lIns="91425" spcFirstLastPara="1" rIns="91425" wrap="square" tIns="91425">
+          <a:bodyPr spcFirstLastPara="1" wrap="square" lIns="91425" tIns="91425" rIns="91425" bIns="91425" anchor="t" anchorCtr="0">
             <a:noAutofit/>
           </a:bodyPr>
           <a:lstStyle/>
           <a:p>
-            <a:pPr indent="0" lvl="0" marL="0" rtl="0" algn="l">
+            <a:pPr marL="0" lvl="0" indent="0" algn="l" rtl="0">
               <a:spcBef>
                 <a:spcPts val="0"/>
               </a:spcBef>
@@ -9116,22 +9385,19 @@
             <a:endParaRPr/>
           </a:p>
           <a:p>
-            <a:pPr indent="0" lvl="0" marL="0" rtl="0" algn="l">
-              <a:spcBef>
-                <a:spcPts val="0"/>
-              </a:spcBef>
-              <a:spcAft>
-                <a:spcPts val="0"/>
-              </a:spcAft>
-              <a:buNone/>
-            </a:pPr>
-            <a:r>
-              <a:t/>
-            </a:r>
-            <a:endParaRPr/>
-          </a:p>
-          <a:p>
-            <a:pPr indent="0" lvl="0" marL="0" rtl="0" algn="l">
+            <a:pPr marL="0" lvl="0" indent="0" algn="l" rtl="0">
+              <a:spcBef>
+                <a:spcPts val="0"/>
+              </a:spcBef>
+              <a:spcAft>
+                <a:spcPts val="0"/>
+              </a:spcAft>
+              <a:buNone/>
+            </a:pPr>
+            <a:endParaRPr/>
+          </a:p>
+          <a:p>
+            <a:pPr marL="0" lvl="0" indent="0" algn="l" rtl="0">
               <a:spcBef>
                 <a:spcPts val="0"/>
               </a:spcBef>
@@ -9147,22 +9413,19 @@
             <a:endParaRPr/>
           </a:p>
           <a:p>
-            <a:pPr indent="0" lvl="0" marL="0" rtl="0" algn="l">
-              <a:spcBef>
-                <a:spcPts val="0"/>
-              </a:spcBef>
-              <a:spcAft>
-                <a:spcPts val="0"/>
-              </a:spcAft>
-              <a:buNone/>
-            </a:pPr>
-            <a:r>
-              <a:t/>
-            </a:r>
-            <a:endParaRPr/>
-          </a:p>
-          <a:p>
-            <a:pPr indent="0" lvl="0" marL="0" rtl="0" algn="l">
+            <a:pPr marL="0" lvl="0" indent="0" algn="l" rtl="0">
+              <a:spcBef>
+                <a:spcPts val="0"/>
+              </a:spcBef>
+              <a:spcAft>
+                <a:spcPts val="0"/>
+              </a:spcAft>
+              <a:buNone/>
+            </a:pPr>
+            <a:endParaRPr/>
+          </a:p>
+          <a:p>
+            <a:pPr marL="0" lvl="0" indent="0" algn="l" rtl="0">
               <a:spcBef>
                 <a:spcPts val="0"/>
               </a:spcBef>
@@ -9178,22 +9441,19 @@
             <a:endParaRPr/>
           </a:p>
           <a:p>
-            <a:pPr indent="0" lvl="0" marL="0" rtl="0" algn="l">
-              <a:spcBef>
-                <a:spcPts val="0"/>
-              </a:spcBef>
-              <a:spcAft>
-                <a:spcPts val="0"/>
-              </a:spcAft>
-              <a:buNone/>
-            </a:pPr>
-            <a:r>
-              <a:t/>
-            </a:r>
-            <a:endParaRPr/>
-          </a:p>
-          <a:p>
-            <a:pPr indent="0" lvl="0" marL="0" rtl="0" algn="l">
+            <a:pPr marL="0" lvl="0" indent="0" algn="l" rtl="0">
+              <a:spcBef>
+                <a:spcPts val="0"/>
+              </a:spcBef>
+              <a:spcAft>
+                <a:spcPts val="0"/>
+              </a:spcAft>
+              <a:buNone/>
+            </a:pPr>
+            <a:endParaRPr/>
+          </a:p>
+          <a:p>
+            <a:pPr marL="0" lvl="0" indent="0" algn="l" rtl="0">
               <a:spcBef>
                 <a:spcPts val="0"/>
               </a:spcBef>
@@ -9213,97 +9473,79 @@
             </a:endParaRPr>
           </a:p>
           <a:p>
-            <a:pPr indent="0" lvl="0" marL="0" rtl="0" algn="l">
-              <a:spcBef>
-                <a:spcPts val="0"/>
-              </a:spcBef>
-              <a:spcAft>
-                <a:spcPts val="0"/>
-              </a:spcAft>
-              <a:buNone/>
-            </a:pPr>
-            <a:r>
-              <a:t/>
-            </a:r>
-            <a:endParaRPr/>
-          </a:p>
-          <a:p>
-            <a:pPr indent="0" lvl="0" marL="0" rtl="0" algn="l">
-              <a:spcBef>
-                <a:spcPts val="0"/>
-              </a:spcBef>
-              <a:spcAft>
-                <a:spcPts val="0"/>
-              </a:spcAft>
-              <a:buNone/>
-            </a:pPr>
-            <a:r>
-              <a:t/>
-            </a:r>
-            <a:endParaRPr/>
-          </a:p>
-          <a:p>
-            <a:pPr indent="0" lvl="0" marL="0" rtl="0" algn="l">
-              <a:spcBef>
-                <a:spcPts val="0"/>
-              </a:spcBef>
-              <a:spcAft>
-                <a:spcPts val="0"/>
-              </a:spcAft>
-              <a:buNone/>
-            </a:pPr>
-            <a:r>
-              <a:t/>
-            </a:r>
-            <a:endParaRPr/>
-          </a:p>
-          <a:p>
-            <a:pPr indent="0" lvl="0" marL="0" rtl="0" algn="l">
-              <a:spcBef>
-                <a:spcPts val="0"/>
-              </a:spcBef>
-              <a:spcAft>
-                <a:spcPts val="0"/>
-              </a:spcAft>
-              <a:buNone/>
-            </a:pPr>
-            <a:r>
-              <a:t/>
-            </a:r>
-            <a:endParaRPr/>
-          </a:p>
-          <a:p>
-            <a:pPr indent="0" lvl="0" marL="0" rtl="0" algn="l">
-              <a:spcBef>
-                <a:spcPts val="0"/>
-              </a:spcBef>
-              <a:spcAft>
-                <a:spcPts val="0"/>
-              </a:spcAft>
-              <a:buNone/>
-            </a:pPr>
-            <a:r>
-              <a:t/>
-            </a:r>
-            <a:endParaRPr/>
-          </a:p>
-          <a:p>
-            <a:pPr indent="0" lvl="0" marL="0" rtl="0" algn="l">
-              <a:spcBef>
-                <a:spcPts val="0"/>
-              </a:spcBef>
-              <a:spcAft>
-                <a:spcPts val="0"/>
-              </a:spcAft>
-              <a:buNone/>
-            </a:pPr>
-            <a:r>
-              <a:t/>
-            </a:r>
-            <a:endParaRPr/>
-          </a:p>
-          <a:p>
-            <a:pPr indent="0" lvl="0" marL="0" rtl="0" algn="l">
+            <a:pPr marL="0" lvl="0" indent="0" algn="l" rtl="0">
+              <a:spcBef>
+                <a:spcPts val="0"/>
+              </a:spcBef>
+              <a:spcAft>
+                <a:spcPts val="0"/>
+              </a:spcAft>
+              <a:buNone/>
+            </a:pPr>
+            <a:endParaRPr/>
+          </a:p>
+          <a:p>
+            <a:pPr marL="0" lvl="0" indent="0" algn="l" rtl="0">
+              <a:spcBef>
+                <a:spcPts val="0"/>
+              </a:spcBef>
+              <a:spcAft>
+                <a:spcPts val="0"/>
+              </a:spcAft>
+              <a:buNone/>
+            </a:pPr>
+            <a:endParaRPr/>
+          </a:p>
+          <a:p>
+            <a:pPr marL="0" lvl="0" indent="0" algn="l" rtl="0">
+              <a:spcBef>
+                <a:spcPts val="0"/>
+              </a:spcBef>
+              <a:spcAft>
+                <a:spcPts val="0"/>
+              </a:spcAft>
+              <a:buNone/>
+            </a:pPr>
+            <a:endParaRPr/>
+          </a:p>
+          <a:p>
+            <a:pPr marL="0" lvl="0" indent="0" algn="l" rtl="0">
+              <a:spcBef>
+                <a:spcPts val="0"/>
+              </a:spcBef>
+              <a:spcAft>
+                <a:spcPts val="0"/>
+              </a:spcAft>
+              <a:buNone/>
+            </a:pPr>
+            <a:endParaRPr/>
+          </a:p>
+          <a:p>
+            <a:pPr marL="0" lvl="0" indent="0" algn="l" rtl="0">
+              <a:spcBef>
+                <a:spcPts val="0"/>
+              </a:spcBef>
+              <a:spcAft>
+                <a:spcPts val="0"/>
+              </a:spcAft>
+              <a:buNone/>
+            </a:pPr>
+            <a:endParaRPr/>
+          </a:p>
+          <a:p>
+            <a:pPr marL="0" lvl="0" indent="0" algn="l" rtl="0">
+              <a:spcBef>
+                <a:spcPts val="0"/>
+              </a:spcBef>
+              <a:spcAft>
+                <a:spcPts val="0"/>
+              </a:spcAft>
+              <a:buNone/>
+            </a:pPr>
+            <a:endParaRPr/>
+          </a:p>
+          <a:p>
+            <a:pPr marL="0" lvl="0" indent="0" algn="l" rtl="0">
               <a:spcBef>
                 <a:spcPts val="0"/>
               </a:spcBef>
@@ -9317,13 +9559,10 @@
               <a:buFont typeface="Arial"/>
               <a:buNone/>
             </a:pPr>
-            <a:r>
-              <a:t/>
-            </a:r>
-            <a:endParaRPr/>
-          </a:p>
-          <a:p>
-            <a:pPr indent="0" lvl="0" marL="0" rtl="0" algn="l">
+            <a:endParaRPr/>
+          </a:p>
+          <a:p>
+            <a:pPr marL="0" lvl="0" indent="0" algn="l" rtl="0">
               <a:spcBef>
                 <a:spcPts val="0"/>
               </a:spcBef>
@@ -9332,9 +9571,6 @@
               </a:spcAft>
               <a:buNone/>
             </a:pPr>
-            <a:r>
-              <a:t/>
-            </a:r>
             <a:endParaRPr/>
           </a:p>
         </p:txBody>
@@ -9348,11 +9584,11 @@
 </file>
 
 <file path=ppt/slides/slide8.xml><?xml version="1.0" encoding="utf-8"?>
-<p:sld xmlns:a="http://schemas.openxmlformats.org/drawingml/2006/main" xmlns:r="http://schemas.openxmlformats.org/officeDocument/2006/relationships" xmlns:mc="http://schemas.openxmlformats.org/markup-compatibility/2006" xmlns:mv="urn:schemas-microsoft-com:mac:vml" xmlns:p="http://schemas.openxmlformats.org/presentationml/2006/main" xmlns:c="http://schemas.openxmlformats.org/drawingml/2006/chart" xmlns:dgm="http://schemas.openxmlformats.org/drawingml/2006/diagram" xmlns:o="urn:schemas-microsoft-com:office:office" xmlns:v="urn:schemas-microsoft-com:vml" xmlns:pvml="urn:schemas-microsoft-com:office:powerpoint" xmlns:com="http://schemas.openxmlformats.org/drawingml/2006/compatibility" xmlns:p14="http://schemas.microsoft.com/office/powerpoint/2010/main" xmlns:p15="http://schemas.microsoft.com/office/powerpoint/2012/main">
+<p:sld xmlns:a="http://schemas.openxmlformats.org/drawingml/2006/main" xmlns:r="http://schemas.openxmlformats.org/officeDocument/2006/relationships" xmlns:p="http://schemas.openxmlformats.org/presentationml/2006/main">
   <p:cSld>
     <p:spTree>
       <p:nvGrpSpPr>
-        <p:cNvPr id="95" name="Shape 95"/>
+        <p:cNvPr id="1" name="Shape 95"/>
         <p:cNvGrpSpPr/>
         <p:nvPr/>
       </p:nvGrpSpPr>
@@ -9367,7 +9603,9 @@
       <p:sp>
         <p:nvSpPr>
           <p:cNvPr id="96" name="Google Shape;96;p20"/>
-          <p:cNvSpPr txBox="1"/>
+          <p:cNvSpPr txBox="1">
+            <a:spLocks noGrp="1"/>
+          </p:cNvSpPr>
           <p:nvPr>
             <p:ph type="title"/>
           </p:nvPr>
@@ -9382,12 +9620,12 @@
           </a:prstGeom>
         </p:spPr>
         <p:txBody>
-          <a:bodyPr anchorCtr="0" anchor="t" bIns="91425" lIns="91425" spcFirstLastPara="1" rIns="91425" wrap="square" tIns="91425">
+          <a:bodyPr spcFirstLastPara="1" wrap="square" lIns="91425" tIns="91425" rIns="91425" bIns="91425" anchor="t" anchorCtr="0">
             <a:noAutofit/>
           </a:bodyPr>
           <a:lstStyle/>
           <a:p>
-            <a:pPr indent="0" lvl="0" marL="0" rtl="0" algn="l">
+            <a:pPr marL="0" lvl="0" indent="0" algn="l" rtl="0">
               <a:spcBef>
                 <a:spcPts val="0"/>
               </a:spcBef>
@@ -9407,9 +9645,11 @@
       <p:sp>
         <p:nvSpPr>
           <p:cNvPr id="97" name="Google Shape;97;p20"/>
-          <p:cNvSpPr txBox="1"/>
+          <p:cNvSpPr txBox="1">
+            <a:spLocks noGrp="1"/>
+          </p:cNvSpPr>
           <p:nvPr>
-            <p:ph idx="1" type="body"/>
+            <p:ph type="body" idx="1"/>
           </p:nvPr>
         </p:nvSpPr>
         <p:spPr>
@@ -9422,12 +9662,12 @@
           </a:prstGeom>
         </p:spPr>
         <p:txBody>
-          <a:bodyPr anchorCtr="0" anchor="t" bIns="91425" lIns="91425" spcFirstLastPara="1" rIns="91425" wrap="square" tIns="91425">
+          <a:bodyPr spcFirstLastPara="1" wrap="square" lIns="91425" tIns="91425" rIns="91425" bIns="91425" anchor="t" anchorCtr="0">
             <a:noAutofit/>
           </a:bodyPr>
           <a:lstStyle/>
           <a:p>
-            <a:pPr indent="0" lvl="0" marL="0" rtl="0" algn="l">
+            <a:pPr marL="0" lvl="0" indent="0" algn="l" rtl="0">
               <a:spcBef>
                 <a:spcPts val="0"/>
               </a:spcBef>
@@ -9443,7 +9683,7 @@
             <a:endParaRPr/>
           </a:p>
           <a:p>
-            <a:pPr indent="0" lvl="0" marL="0" rtl="0" algn="l">
+            <a:pPr marL="0" lvl="0" indent="0" algn="l" rtl="0">
               <a:spcBef>
                 <a:spcPts val="1600"/>
               </a:spcBef>
@@ -9469,11 +9709,11 @@
 </file>
 
 <file path=ppt/slides/slide9.xml><?xml version="1.0" encoding="utf-8"?>
-<p:sld xmlns:a="http://schemas.openxmlformats.org/drawingml/2006/main" xmlns:r="http://schemas.openxmlformats.org/officeDocument/2006/relationships" xmlns:mc="http://schemas.openxmlformats.org/markup-compatibility/2006" xmlns:mv="urn:schemas-microsoft-com:mac:vml" xmlns:p="http://schemas.openxmlformats.org/presentationml/2006/main" xmlns:c="http://schemas.openxmlformats.org/drawingml/2006/chart" xmlns:dgm="http://schemas.openxmlformats.org/drawingml/2006/diagram" xmlns:o="urn:schemas-microsoft-com:office:office" xmlns:v="urn:schemas-microsoft-com:vml" xmlns:pvml="urn:schemas-microsoft-com:office:powerpoint" xmlns:com="http://schemas.openxmlformats.org/drawingml/2006/compatibility" xmlns:p14="http://schemas.microsoft.com/office/powerpoint/2010/main" xmlns:p15="http://schemas.microsoft.com/office/powerpoint/2012/main">
+<p:sld xmlns:a="http://schemas.openxmlformats.org/drawingml/2006/main" xmlns:r="http://schemas.openxmlformats.org/officeDocument/2006/relationships" xmlns:p="http://schemas.openxmlformats.org/presentationml/2006/main">
   <p:cSld>
     <p:spTree>
       <p:nvGrpSpPr>
-        <p:cNvPr id="101" name="Shape 101"/>
+        <p:cNvPr id="1" name="Shape 101"/>
         <p:cNvGrpSpPr/>
         <p:nvPr/>
       </p:nvGrpSpPr>
@@ -9488,7 +9728,9 @@
       <p:sp>
         <p:nvSpPr>
           <p:cNvPr id="102" name="Google Shape;102;p21"/>
-          <p:cNvSpPr txBox="1"/>
+          <p:cNvSpPr txBox="1">
+            <a:spLocks noGrp="1"/>
+          </p:cNvSpPr>
           <p:nvPr>
             <p:ph type="title"/>
           </p:nvPr>
@@ -9503,12 +9745,12 @@
           </a:prstGeom>
         </p:spPr>
         <p:txBody>
-          <a:bodyPr anchorCtr="0" anchor="t" bIns="91425" lIns="91425" spcFirstLastPara="1" rIns="91425" wrap="square" tIns="91425">
+          <a:bodyPr spcFirstLastPara="1" wrap="square" lIns="91425" tIns="91425" rIns="91425" bIns="91425" anchor="t" anchorCtr="0">
             <a:noAutofit/>
           </a:bodyPr>
           <a:lstStyle/>
           <a:p>
-            <a:pPr indent="0" lvl="0" marL="0" rtl="0" algn="l">
+            <a:pPr marL="0" lvl="0" indent="0" algn="l" rtl="0">
               <a:spcBef>
                 <a:spcPts val="0"/>
               </a:spcBef>
@@ -9528,9 +9770,11 @@
       <p:sp>
         <p:nvSpPr>
           <p:cNvPr id="103" name="Google Shape;103;p21"/>
-          <p:cNvSpPr txBox="1"/>
+          <p:cNvSpPr txBox="1">
+            <a:spLocks noGrp="1"/>
+          </p:cNvSpPr>
           <p:nvPr>
-            <p:ph idx="1" type="body"/>
+            <p:ph type="body" idx="1"/>
           </p:nvPr>
         </p:nvSpPr>
         <p:spPr>
@@ -9543,12 +9787,12 @@
           </a:prstGeom>
         </p:spPr>
         <p:txBody>
-          <a:bodyPr anchorCtr="0" anchor="t" bIns="91425" lIns="91425" spcFirstLastPara="1" rIns="91425" wrap="square" tIns="91425">
+          <a:bodyPr spcFirstLastPara="1" wrap="square" lIns="91425" tIns="91425" rIns="91425" bIns="91425" anchor="t" anchorCtr="0">
             <a:noAutofit/>
           </a:bodyPr>
           <a:lstStyle/>
           <a:p>
-            <a:pPr indent="0" lvl="0" marL="0" marR="0" rtl="0" algn="l">
+            <a:pPr marL="0" marR="0" lvl="0" indent="0" algn="l" rtl="0">
               <a:lnSpc>
                 <a:spcPct val="115000"/>
               </a:lnSpc>
@@ -9561,7 +9805,7 @@
               <a:buNone/>
             </a:pPr>
             <a:r>
-              <a:rPr b="1" lang="en"/>
+              <a:rPr lang="en" b="1"/>
               <a:t>Responsive </a:t>
             </a:r>
             <a:r>
@@ -9571,7 +9815,7 @@
             <a:endParaRPr/>
           </a:p>
           <a:p>
-            <a:pPr indent="0" lvl="0" marL="0" marR="0" rtl="0" algn="l">
+            <a:pPr marL="0" marR="0" lvl="0" indent="0" algn="l" rtl="0">
               <a:lnSpc>
                 <a:spcPct val="115000"/>
               </a:lnSpc>
@@ -9583,13 +9827,10 @@
               </a:spcAft>
               <a:buNone/>
             </a:pPr>
-            <a:r>
-              <a:t/>
-            </a:r>
-            <a:endParaRPr/>
-          </a:p>
-          <a:p>
-            <a:pPr indent="0" lvl="0" marL="0" marR="0" rtl="0" algn="l">
+            <a:endParaRPr/>
+          </a:p>
+          <a:p>
+            <a:pPr marL="0" marR="0" lvl="0" indent="0" algn="l" rtl="0">
               <a:lnSpc>
                 <a:spcPct val="115000"/>
               </a:lnSpc>
@@ -9602,7 +9843,7 @@
               <a:buNone/>
             </a:pPr>
             <a:r>
-              <a:rPr b="1" lang="en"/>
+              <a:rPr lang="en" b="1"/>
               <a:t>Fast</a:t>
             </a:r>
             <a:r>
@@ -9612,7 +9853,7 @@
             <a:endParaRPr/>
           </a:p>
           <a:p>
-            <a:pPr indent="0" lvl="0" marL="0" marR="0" rtl="0" algn="l">
+            <a:pPr marL="0" marR="0" lvl="0" indent="0" algn="l" rtl="0">
               <a:lnSpc>
                 <a:spcPct val="115000"/>
               </a:lnSpc>
@@ -9624,13 +9865,10 @@
               </a:spcAft>
               <a:buNone/>
             </a:pPr>
-            <a:r>
-              <a:t/>
-            </a:r>
-            <a:endParaRPr/>
-          </a:p>
-          <a:p>
-            <a:pPr indent="0" lvl="0" marL="0" marR="0" rtl="0" algn="l">
+            <a:endParaRPr/>
+          </a:p>
+          <a:p>
+            <a:pPr marL="0" marR="0" lvl="0" indent="0" algn="l" rtl="0">
               <a:lnSpc>
                 <a:spcPct val="115000"/>
               </a:lnSpc>
@@ -9643,7 +9881,7 @@
               <a:buNone/>
             </a:pPr>
             <a:r>
-              <a:rPr b="1" lang="en"/>
+              <a:rPr lang="en" b="1"/>
               <a:t>Discoverable</a:t>
             </a:r>
             <a:r>
@@ -9653,7 +9891,7 @@
             <a:endParaRPr/>
           </a:p>
           <a:p>
-            <a:pPr indent="0" lvl="0" marL="0" marR="0" rtl="0" algn="l">
+            <a:pPr marL="0" marR="0" lvl="0" indent="0" algn="l" rtl="0">
               <a:lnSpc>
                 <a:spcPct val="115000"/>
               </a:lnSpc>
@@ -9670,13 +9908,10 @@
               <a:buFont typeface="Arial"/>
               <a:buNone/>
             </a:pPr>
-            <a:r>
-              <a:t/>
-            </a:r>
-            <a:endParaRPr/>
-          </a:p>
-          <a:p>
-            <a:pPr indent="0" lvl="0" marL="0" marR="0" rtl="0" algn="l">
+            <a:endParaRPr/>
+          </a:p>
+          <a:p>
+            <a:pPr marL="0" marR="0" lvl="0" indent="0" algn="l" rtl="0">
               <a:lnSpc>
                 <a:spcPct val="115000"/>
               </a:lnSpc>
@@ -9689,7 +9924,7 @@
               <a:buNone/>
             </a:pPr>
             <a:r>
-              <a:rPr b="1" lang="en"/>
+              <a:rPr lang="en" b="1"/>
               <a:t>Instant and Fresh</a:t>
             </a:r>
             <a:r>
@@ -9699,7 +9934,7 @@
             <a:endParaRPr/>
           </a:p>
           <a:p>
-            <a:pPr indent="0" lvl="0" marL="0" marR="0" rtl="0" algn="l">
+            <a:pPr marL="0" marR="0" lvl="0" indent="0" algn="l" rtl="0">
               <a:lnSpc>
                 <a:spcPct val="115000"/>
               </a:lnSpc>
@@ -9716,13 +9951,10 @@
               <a:buFont typeface="Arial"/>
               <a:buNone/>
             </a:pPr>
-            <a:r>
-              <a:t/>
-            </a:r>
-            <a:endParaRPr/>
-          </a:p>
-          <a:p>
-            <a:pPr indent="0" lvl="0" marL="0" marR="0" rtl="0" algn="l">
+            <a:endParaRPr/>
+          </a:p>
+          <a:p>
+            <a:pPr marL="0" marR="0" lvl="0" indent="0" algn="l" rtl="0">
               <a:lnSpc>
                 <a:spcPct val="115000"/>
               </a:lnSpc>
@@ -9740,7 +9972,7 @@
               <a:buNone/>
             </a:pPr>
             <a:r>
-              <a:rPr b="1" lang="en"/>
+              <a:rPr lang="en" b="1"/>
               <a:t>Installable</a:t>
             </a:r>
             <a:r>
@@ -9758,7 +9990,7 @@
             </a:endParaRPr>
           </a:p>
           <a:p>
-            <a:pPr indent="0" lvl="0" marL="0" rtl="0" algn="l">
+            <a:pPr marL="0" lvl="0" indent="0" algn="l" rtl="0">
               <a:lnSpc>
                 <a:spcPct val="90000"/>
               </a:lnSpc>
@@ -9770,13 +10002,10 @@
               </a:spcAft>
               <a:buNone/>
             </a:pPr>
-            <a:r>
-              <a:t/>
-            </a:r>
-            <a:endParaRPr/>
-          </a:p>
-          <a:p>
-            <a:pPr indent="0" lvl="0" marL="0" rtl="0" algn="l">
+            <a:endParaRPr/>
+          </a:p>
+          <a:p>
+            <a:pPr marL="0" lvl="0" indent="0" algn="l" rtl="0">
               <a:lnSpc>
                 <a:spcPct val="90000"/>
               </a:lnSpc>
@@ -9793,13 +10022,10 @@
               <a:buFont typeface="Arial"/>
               <a:buNone/>
             </a:pPr>
-            <a:r>
-              <a:t/>
-            </a:r>
-            <a:endParaRPr/>
-          </a:p>
-          <a:p>
-            <a:pPr indent="0" lvl="0" marL="0" rtl="0" algn="l">
+            <a:endParaRPr/>
+          </a:p>
+          <a:p>
+            <a:pPr marL="0" lvl="0" indent="0" algn="l" rtl="0">
               <a:spcBef>
                 <a:spcPts val="0"/>
               </a:spcBef>
@@ -9808,9 +10034,6 @@
               </a:spcAft>
               <a:buNone/>
             </a:pPr>
-            <a:r>
-              <a:t/>
-            </a:r>
             <a:endParaRPr/>
           </a:p>
         </p:txBody>
@@ -9824,7 +10047,7 @@
 </file>
 
 <file path=ppt/theme/theme1.xml><?xml version="1.0" encoding="utf-8"?>
-<a:theme xmlns:a="http://schemas.openxmlformats.org/drawingml/2006/main" xmlns:r="http://schemas.openxmlformats.org/officeDocument/2006/relationships" name="Simple Light">
+<a:theme xmlns:a="http://schemas.openxmlformats.org/drawingml/2006/main" name="Simple Light">
   <a:themeElements>
     <a:clrScheme name="Simple Light">
       <a:dk1>
@@ -10099,11 +10322,13 @@
       </a:bgFillStyleLst>
     </a:fmtScheme>
   </a:themeElements>
+  <a:objectDefaults/>
+  <a:extraClrSchemeLst/>
 </a:theme>
 </file>
 
 <file path=ppt/theme/theme2.xml><?xml version="1.0" encoding="utf-8"?>
-<a:theme xmlns:a="http://schemas.openxmlformats.org/drawingml/2006/main" xmlns:r="http://schemas.openxmlformats.org/officeDocument/2006/relationships">
+<a:theme xmlns:a="http://schemas.openxmlformats.org/drawingml/2006/main">
   <a:themeElements>
     <a:clrScheme name="Default">
       <a:dk1>
@@ -10378,5 +10603,7 @@
       </a:bgFillStyleLst>
     </a:fmtScheme>
   </a:themeElements>
+  <a:objectDefaults/>
+  <a:extraClrSchemeLst/>
 </a:theme>
 </file>